--- a/tutorial-05-overdecomposition.pptx
+++ b/tutorial-05-overdecomposition.pptx
@@ -2,7 +2,7 @@
 <file path=ppt/presentation.xml><?xml version="1.0" encoding="utf-8"?>
 <p:presentation xmlns:a="http://schemas.openxmlformats.org/drawingml/2006/main" xmlns:r="http://schemas.openxmlformats.org/officeDocument/2006/relationships" xmlns:p="http://schemas.openxmlformats.org/presentationml/2006/main" showSpecialPlsOnTitleSld="0" saveSubsetFonts="1">
   <p:sldMasterIdLst>
-    <p:sldMasterId id="2147483960" r:id="rId1"/>
+    <p:sldMasterId id="2147483974" r:id="rId1"/>
   </p:sldMasterIdLst>
   <p:notesMasterIdLst>
     <p:notesMasterId r:id="rId19"/>
@@ -217,7 +217,7 @@
           <a:p>
             <a:fld id="{775CE290-E0F5-444C-B849-A8F17CD4104C}" type="datetimeFigureOut">
               <a:rPr lang="en-US" smtClean="0"/>
-              <a:t>9/8/14</a:t>
+              <a:t>9/9/14</a:t>
             </a:fld>
             <a:endParaRPr lang="en-US"/>
           </a:p>
@@ -383,7 +383,7 @@
           <a:p>
             <a:fld id="{AD53A24C-4135-094C-957B-35852E7EDFA4}" type="datetimeFigureOut">
               <a:rPr lang="en-US" smtClean="0"/>
-              <a:t>9/8/14</a:t>
+              <a:t>9/9/14</a:t>
             </a:fld>
             <a:endParaRPr lang="en-US"/>
           </a:p>
@@ -653,7 +653,7 @@
 </file>
 
 <file path=ppt/slideLayouts/slideLayout1.xml><?xml version="1.0" encoding="utf-8"?>
-<p:sldLayout xmlns:a="http://schemas.openxmlformats.org/drawingml/2006/main" xmlns:r="http://schemas.openxmlformats.org/officeDocument/2006/relationships" xmlns:p="http://schemas.openxmlformats.org/presentationml/2006/main" preserve="1" userDrawn="1">
+<p:sldLayout xmlns:a="http://schemas.openxmlformats.org/drawingml/2006/main" xmlns:r="http://schemas.openxmlformats.org/officeDocument/2006/relationships" xmlns:p="http://schemas.openxmlformats.org/presentationml/2006/main" preserve="1">
   <p:cSld name="Title Slide">
     <p:spTree>
       <p:nvGrpSpPr>
@@ -700,7 +700,7 @@
           </a:lstStyle>
           <a:p>
             <a:r>
-              <a:rPr lang="en-US" dirty="0" smtClean="0"/>
+              <a:rPr lang="en-US" smtClean="0"/>
               <a:t>Click to edit Master title style</a:t>
             </a:r>
             <a:endParaRPr lang="en-US" dirty="0"/>
@@ -820,7 +820,7 @@
           </a:lstStyle>
           <a:p>
             <a:r>
-              <a:rPr lang="en-US" dirty="0" smtClean="0"/>
+              <a:rPr lang="en-US" smtClean="0"/>
               <a:t>Click to edit Master subtitle style</a:t>
             </a:r>
             <a:endParaRPr lang="en-US" dirty="0"/>
@@ -844,7 +844,7 @@
           <a:p>
             <a:fld id="{B594EA25-E4F4-3746-A0BA-A11E27330E0F}" type="datetime2">
               <a:rPr lang="en-US" smtClean="0"/>
-              <a:t>Monday, September 8, 14</a:t>
+              <a:t>Tuesday, September 9, 14</a:t>
             </a:fld>
             <a:endParaRPr lang="en-US"/>
           </a:p>
@@ -939,7 +939,7 @@
           <p:cNvSpPr txBox="1">
             <a:spLocks/>
           </p:cNvSpPr>
-          <p:nvPr userDrawn="1"/>
+          <p:nvPr/>
         </p:nvSpPr>
         <p:spPr>
           <a:xfrm>
@@ -1147,7 +1147,7 @@
                 <a:latin typeface="Times New Roman"/>
                 <a:cs typeface="Times New Roman"/>
               </a:rPr>
-              <a:t>September 8, 2014</a:t>
+              <a:t>September 9, 2014</a:t>
             </a:fld>
             <a:endParaRPr lang="en-US" dirty="0">
               <a:latin typeface="Times New Roman"/>
@@ -1201,10 +1201,232 @@
           <a:p>
             <a:pPr lvl="0"/>
             <a:r>
-              <a:rPr lang="en-US" dirty="0" smtClean="0"/>
+              <a:rPr lang="en-US" smtClean="0"/>
               <a:t>Click to edit Master text styles</a:t>
             </a:r>
-            <a:endParaRPr lang="en-US" dirty="0"/>
+          </a:p>
+        </p:txBody>
+      </p:sp>
+      <p:sp>
+        <p:nvSpPr>
+          <p:cNvPr id="11" name="Subtitle 2"/>
+          <p:cNvSpPr txBox="1">
+            <a:spLocks/>
+          </p:cNvSpPr>
+          <p:nvPr userDrawn="1"/>
+        </p:nvSpPr>
+        <p:spPr>
+          <a:xfrm>
+            <a:off x="1404926" y="4774277"/>
+            <a:ext cx="6400800" cy="700402"/>
+          </a:xfrm>
+          <a:prstGeom prst="rect">
+            <a:avLst/>
+          </a:prstGeom>
+        </p:spPr>
+        <p:txBody>
+          <a:bodyPr vert="horz" lIns="91440" tIns="45720" rIns="91440" bIns="45720" rtlCol="0">
+            <a:normAutofit/>
+          </a:bodyPr>
+          <a:lstStyle>
+            <a:lvl1pPr marL="0" indent="0" algn="ctr" defTabSz="914400" rtl="0" eaLnBrk="1" latinLnBrk="0" hangingPunct="1">
+              <a:spcBef>
+                <a:spcPct val="20000"/>
+              </a:spcBef>
+              <a:buClr>
+                <a:schemeClr val="accent1"/>
+              </a:buClr>
+              <a:buSzPct val="85000"/>
+              <a:buFont typeface="Arial" pitchFamily="34" charset="0"/>
+              <a:buNone/>
+              <a:defRPr sz="2400" kern="1200">
+                <a:solidFill>
+                  <a:schemeClr val="tx1">
+                    <a:lumMod val="75000"/>
+                    <a:lumOff val="25000"/>
+                  </a:schemeClr>
+                </a:solidFill>
+                <a:latin typeface="+mn-lt"/>
+                <a:ea typeface="+mn-ea"/>
+                <a:cs typeface="+mn-cs"/>
+              </a:defRPr>
+            </a:lvl1pPr>
+            <a:lvl2pPr marL="457200" indent="0" algn="ctr" defTabSz="914400" rtl="0" eaLnBrk="1" latinLnBrk="0" hangingPunct="1">
+              <a:spcBef>
+                <a:spcPct val="20000"/>
+              </a:spcBef>
+              <a:buClr>
+                <a:schemeClr val="accent1"/>
+              </a:buClr>
+              <a:buSzPct val="85000"/>
+              <a:buFont typeface="Arial" pitchFamily="34" charset="0"/>
+              <a:buNone/>
+              <a:defRPr sz="2000" kern="1200">
+                <a:solidFill>
+                  <a:schemeClr val="tx1">
+                    <a:tint val="75000"/>
+                  </a:schemeClr>
+                </a:solidFill>
+                <a:latin typeface="+mn-lt"/>
+                <a:ea typeface="+mn-ea"/>
+                <a:cs typeface="+mn-cs"/>
+              </a:defRPr>
+            </a:lvl2pPr>
+            <a:lvl3pPr marL="914400" indent="0" algn="ctr" defTabSz="914400" rtl="0" eaLnBrk="1" latinLnBrk="0" hangingPunct="1">
+              <a:spcBef>
+                <a:spcPct val="20000"/>
+              </a:spcBef>
+              <a:buClr>
+                <a:schemeClr val="accent1"/>
+              </a:buClr>
+              <a:buSzPct val="90000"/>
+              <a:buFont typeface="Arial" pitchFamily="34" charset="0"/>
+              <a:buNone/>
+              <a:defRPr sz="1800" kern="1200">
+                <a:solidFill>
+                  <a:schemeClr val="tx1">
+                    <a:tint val="75000"/>
+                  </a:schemeClr>
+                </a:solidFill>
+                <a:latin typeface="+mn-lt"/>
+                <a:ea typeface="+mn-ea"/>
+                <a:cs typeface="+mn-cs"/>
+              </a:defRPr>
+            </a:lvl3pPr>
+            <a:lvl4pPr marL="1371600" indent="0" algn="ctr" defTabSz="914400" rtl="0" eaLnBrk="1" latinLnBrk="0" hangingPunct="1">
+              <a:spcBef>
+                <a:spcPct val="20000"/>
+              </a:spcBef>
+              <a:buClr>
+                <a:schemeClr val="accent1"/>
+              </a:buClr>
+              <a:buFont typeface="Arial" pitchFamily="34" charset="0"/>
+              <a:buNone/>
+              <a:defRPr sz="1600" kern="1200">
+                <a:solidFill>
+                  <a:schemeClr val="tx1">
+                    <a:tint val="75000"/>
+                  </a:schemeClr>
+                </a:solidFill>
+                <a:latin typeface="+mn-lt"/>
+                <a:ea typeface="+mn-ea"/>
+                <a:cs typeface="+mn-cs"/>
+              </a:defRPr>
+            </a:lvl4pPr>
+            <a:lvl5pPr marL="1828800" indent="0" algn="ctr" defTabSz="914400" rtl="0" eaLnBrk="1" latinLnBrk="0" hangingPunct="1">
+              <a:spcBef>
+                <a:spcPct val="20000"/>
+              </a:spcBef>
+              <a:buClr>
+                <a:schemeClr val="accent1"/>
+              </a:buClr>
+              <a:buSzPct val="100000"/>
+              <a:buFont typeface="Arial" pitchFamily="34" charset="0"/>
+              <a:buNone/>
+              <a:defRPr sz="1400" kern="1200" baseline="0">
+                <a:solidFill>
+                  <a:schemeClr val="tx1">
+                    <a:tint val="75000"/>
+                  </a:schemeClr>
+                </a:solidFill>
+                <a:latin typeface="+mn-lt"/>
+                <a:ea typeface="+mn-ea"/>
+                <a:cs typeface="+mn-cs"/>
+              </a:defRPr>
+            </a:lvl5pPr>
+            <a:lvl6pPr marL="2286000" indent="0" algn="ctr" defTabSz="914400" rtl="0" eaLnBrk="1" latinLnBrk="0" hangingPunct="1">
+              <a:spcBef>
+                <a:spcPct val="20000"/>
+              </a:spcBef>
+              <a:buClr>
+                <a:schemeClr val="accent1"/>
+              </a:buClr>
+              <a:buFont typeface="Arial" pitchFamily="34" charset="0"/>
+              <a:buNone/>
+              <a:defRPr sz="1300" kern="1200">
+                <a:solidFill>
+                  <a:schemeClr val="tx1">
+                    <a:tint val="75000"/>
+                  </a:schemeClr>
+                </a:solidFill>
+                <a:latin typeface="+mn-lt"/>
+                <a:ea typeface="+mn-ea"/>
+                <a:cs typeface="+mn-cs"/>
+              </a:defRPr>
+            </a:lvl6pPr>
+            <a:lvl7pPr marL="2743200" indent="0" algn="ctr" defTabSz="914400" rtl="0" eaLnBrk="1" latinLnBrk="0" hangingPunct="1">
+              <a:spcBef>
+                <a:spcPct val="20000"/>
+              </a:spcBef>
+              <a:buClr>
+                <a:schemeClr val="accent1"/>
+              </a:buClr>
+              <a:buFont typeface="Arial" pitchFamily="34" charset="0"/>
+              <a:buNone/>
+              <a:defRPr sz="1300" kern="1200">
+                <a:solidFill>
+                  <a:schemeClr val="tx1">
+                    <a:tint val="75000"/>
+                  </a:schemeClr>
+                </a:solidFill>
+                <a:latin typeface="+mn-lt"/>
+                <a:ea typeface="+mn-ea"/>
+                <a:cs typeface="+mn-cs"/>
+              </a:defRPr>
+            </a:lvl7pPr>
+            <a:lvl8pPr marL="3200400" indent="0" algn="ctr" defTabSz="914400" rtl="0" eaLnBrk="1" latinLnBrk="0" hangingPunct="1">
+              <a:spcBef>
+                <a:spcPct val="20000"/>
+              </a:spcBef>
+              <a:buClr>
+                <a:schemeClr val="accent1"/>
+              </a:buClr>
+              <a:buFont typeface="Arial" pitchFamily="34" charset="0"/>
+              <a:buNone/>
+              <a:defRPr sz="1300" kern="1200">
+                <a:solidFill>
+                  <a:schemeClr val="tx1">
+                    <a:tint val="75000"/>
+                  </a:schemeClr>
+                </a:solidFill>
+                <a:latin typeface="+mn-lt"/>
+                <a:ea typeface="+mn-ea"/>
+                <a:cs typeface="+mn-cs"/>
+              </a:defRPr>
+            </a:lvl8pPr>
+            <a:lvl9pPr marL="3657600" indent="0" algn="ctr" defTabSz="914400" rtl="0" eaLnBrk="1" latinLnBrk="0" hangingPunct="1">
+              <a:spcBef>
+                <a:spcPct val="20000"/>
+              </a:spcBef>
+              <a:buClr>
+                <a:schemeClr val="accent1"/>
+              </a:buClr>
+              <a:buFont typeface="Arial" pitchFamily="34" charset="0"/>
+              <a:buNone/>
+              <a:defRPr sz="1300" kern="1200">
+                <a:solidFill>
+                  <a:schemeClr val="tx1">
+                    <a:tint val="75000"/>
+                  </a:schemeClr>
+                </a:solidFill>
+                <a:latin typeface="+mn-lt"/>
+                <a:ea typeface="+mn-ea"/>
+                <a:cs typeface="+mn-cs"/>
+              </a:defRPr>
+            </a:lvl9pPr>
+          </a:lstStyle>
+          <a:p>
+            <a:fld id="{B07CD00D-ECE2-B341-910C-3E5E7B4740E6}" type="datetime4">
+              <a:rPr lang="en-US" smtClean="0">
+                <a:latin typeface="Times New Roman"/>
+                <a:cs typeface="Times New Roman"/>
+              </a:rPr>
+              <a:t>September 9, 2014</a:t>
+            </a:fld>
+            <a:endParaRPr lang="en-US" dirty="0">
+              <a:latin typeface="Times New Roman"/>
+              <a:cs typeface="Times New Roman"/>
+            </a:endParaRPr>
           </a:p>
         </p:txBody>
       </p:sp>
@@ -1245,8 +1467,8 @@
         </p:nvSpPr>
         <p:spPr>
           <a:xfrm>
-            <a:off x="457200" y="792080"/>
-            <a:ext cx="2139696" cy="1261872"/>
+            <a:off x="261865" y="161144"/>
+            <a:ext cx="2335031" cy="1261872"/>
           </a:xfrm>
         </p:spPr>
         <p:txBody>
@@ -1279,8 +1501,8 @@
         </p:nvSpPr>
         <p:spPr>
           <a:xfrm>
-            <a:off x="2971800" y="792080"/>
-            <a:ext cx="5715000" cy="5577840"/>
+            <a:off x="2971799" y="161144"/>
+            <a:ext cx="5905425" cy="6208776"/>
           </a:xfrm>
         </p:spPr>
         <p:txBody>
@@ -1364,8 +1586,8 @@
         </p:nvSpPr>
         <p:spPr>
           <a:xfrm>
-            <a:off x="457201" y="2130552"/>
-            <a:ext cx="2139696" cy="4243615"/>
+            <a:off x="261865" y="1625600"/>
+            <a:ext cx="2335032" cy="4748567"/>
           </a:xfrm>
         </p:spPr>
         <p:txBody>
@@ -1434,7 +1656,7 @@
           <a:p>
             <a:fld id="{EA699BF9-66CB-F244-8E74-7B1BE1C77046}" type="datetime2">
               <a:rPr lang="en-US" smtClean="0"/>
-              <a:t>Monday, September 8, 14</a:t>
+              <a:t>Tuesday, September 9, 14</a:t>
             </a:fld>
             <a:endParaRPr lang="en-US"/>
           </a:p>
@@ -1495,9 +1717,9 @@
           <p:nvPr/>
         </p:nvCxnSpPr>
         <p:spPr>
-          <a:xfrm rot="5400000">
-            <a:off x="-13116" y="3580206"/>
-            <a:ext cx="5577840" cy="1588"/>
+          <a:xfrm>
+            <a:off x="2775010" y="161144"/>
+            <a:ext cx="0" cy="6208776"/>
           </a:xfrm>
           <a:prstGeom prst="line">
             <a:avLst/>
@@ -1560,8 +1782,8 @@
         </p:nvSpPr>
         <p:spPr>
           <a:xfrm>
-            <a:off x="457200" y="792480"/>
-            <a:ext cx="2142680" cy="1264920"/>
+            <a:off x="258881" y="160020"/>
+            <a:ext cx="2338015" cy="1264920"/>
           </a:xfrm>
         </p:spPr>
         <p:txBody>
@@ -1594,8 +1816,8 @@
         </p:nvSpPr>
         <p:spPr>
           <a:xfrm>
-            <a:off x="2858610" y="838201"/>
-            <a:ext cx="5904390" cy="5500456"/>
+            <a:off x="2858609" y="160020"/>
+            <a:ext cx="6018615" cy="6178637"/>
           </a:xfrm>
           <a:solidFill>
             <a:schemeClr val="bg2"/>
@@ -1675,8 +1897,8 @@
         </p:nvSpPr>
         <p:spPr>
           <a:xfrm>
-            <a:off x="457200" y="2133600"/>
-            <a:ext cx="2139696" cy="4242816"/>
+            <a:off x="261865" y="1663700"/>
+            <a:ext cx="2335031" cy="4712716"/>
           </a:xfrm>
         </p:spPr>
         <p:txBody>
@@ -1745,7 +1967,7 @@
           <a:p>
             <a:fld id="{D300BE84-9843-8B4F-B3C8-647B06AC46C9}" type="datetime2">
               <a:rPr lang="en-US" smtClean="0"/>
-              <a:t>Monday, September 8, 14</a:t>
+              <a:t>Tuesday, September 9, 14</a:t>
             </a:fld>
             <a:endParaRPr lang="en-US"/>
           </a:p>
@@ -1916,7 +2138,7 @@
           <a:p>
             <a:fld id="{C460AE39-2092-A945-8296-F25085B9A0F1}" type="datetime2">
               <a:rPr lang="en-US" smtClean="0"/>
-              <a:t>Monday, September 8, 14</a:t>
+              <a:t>Tuesday, September 9, 14</a:t>
             </a:fld>
             <a:endParaRPr lang="en-US"/>
           </a:p>
@@ -2007,7 +2229,7 @@
         </p:nvSpPr>
         <p:spPr>
           <a:xfrm>
-            <a:off x="6629400" y="609600"/>
+            <a:off x="6819825" y="508000"/>
             <a:ext cx="2057400" cy="5867400"/>
           </a:xfrm>
         </p:spPr>
@@ -2035,8 +2257,8 @@
         </p:nvSpPr>
         <p:spPr>
           <a:xfrm>
-            <a:off x="457200" y="609600"/>
-            <a:ext cx="6019800" cy="5867400"/>
+            <a:off x="261865" y="508000"/>
+            <a:ext cx="6405635" cy="5867400"/>
           </a:xfrm>
         </p:spPr>
         <p:txBody>
@@ -2097,7 +2319,7 @@
           <a:p>
             <a:fld id="{63BC7E9D-3218-5E49-A867-E087AB2F4618}" type="datetime2">
               <a:rPr lang="en-US" smtClean="0"/>
-              <a:t>Monday, September 8, 14</a:t>
+              <a:t>Tuesday, September 9, 14</a:t>
             </a:fld>
             <a:endParaRPr lang="en-US"/>
           </a:p>
@@ -2152,6 +2374,1343 @@
         </p:txBody>
       </p:sp>
     </p:spTree>
+  </p:cSld>
+  <p:clrMapOvr>
+    <a:masterClrMapping/>
+  </p:clrMapOvr>
+</p:sldLayout>
+</file>
+
+<file path=ppt/slideLayouts/slideLayout14.xml><?xml version="1.0" encoding="utf-8"?>
+<p:sldLayout xmlns:a="http://schemas.openxmlformats.org/drawingml/2006/main" xmlns:r="http://schemas.openxmlformats.org/officeDocument/2006/relationships" xmlns:p="http://schemas.openxmlformats.org/presentationml/2006/main" preserve="1" userDrawn="1">
+  <p:cSld name="1_Title Slide">
+    <p:spTree>
+      <p:nvGrpSpPr>
+        <p:cNvPr id="1" name=""/>
+        <p:cNvGrpSpPr/>
+        <p:nvPr/>
+      </p:nvGrpSpPr>
+      <p:grpSpPr>
+        <a:xfrm>
+          <a:off x="0" y="0"/>
+          <a:ext cx="0" cy="0"/>
+          <a:chOff x="0" y="0"/>
+          <a:chExt cx="0" cy="0"/>
+        </a:xfrm>
+      </p:grpSpPr>
+      <p:sp>
+        <p:nvSpPr>
+          <p:cNvPr id="2" name="Title 1"/>
+          <p:cNvSpPr>
+            <a:spLocks noGrp="1"/>
+          </p:cNvSpPr>
+          <p:nvPr>
+            <p:ph type="ctrTitle"/>
+          </p:nvPr>
+        </p:nvSpPr>
+        <p:spPr>
+          <a:xfrm>
+            <a:off x="107103" y="1734127"/>
+            <a:ext cx="8904929" cy="698493"/>
+          </a:xfrm>
+        </p:spPr>
+        <p:txBody>
+          <a:bodyPr anchor="b">
+            <a:normAutofit/>
+          </a:bodyPr>
+          <a:lstStyle>
+            <a:lvl1pPr algn="ctr">
+              <a:defRPr sz="4400" cap="small" baseline="0">
+                <a:solidFill>
+                  <a:schemeClr val="tx2"/>
+                </a:solidFill>
+              </a:defRPr>
+            </a:lvl1pPr>
+          </a:lstStyle>
+          <a:p>
+            <a:r>
+              <a:rPr lang="en-US" dirty="0" smtClean="0"/>
+              <a:t>Click to edit Master title style</a:t>
+            </a:r>
+            <a:endParaRPr lang="en-US" dirty="0"/>
+          </a:p>
+        </p:txBody>
+      </p:sp>
+      <p:sp>
+        <p:nvSpPr>
+          <p:cNvPr id="3" name="Subtitle 2"/>
+          <p:cNvSpPr>
+            <a:spLocks noGrp="1"/>
+          </p:cNvSpPr>
+          <p:nvPr>
+            <p:ph type="subTitle" idx="1"/>
+          </p:nvPr>
+        </p:nvSpPr>
+        <p:spPr>
+          <a:xfrm>
+            <a:off x="1404926" y="2849782"/>
+            <a:ext cx="6400800" cy="700402"/>
+          </a:xfrm>
+        </p:spPr>
+        <p:txBody>
+          <a:bodyPr/>
+          <a:lstStyle>
+            <a:lvl1pPr marL="0" indent="0" algn="ctr">
+              <a:buNone/>
+              <a:defRPr>
+                <a:solidFill>
+                  <a:schemeClr val="tx1">
+                    <a:lumMod val="75000"/>
+                    <a:lumOff val="25000"/>
+                  </a:schemeClr>
+                </a:solidFill>
+              </a:defRPr>
+            </a:lvl1pPr>
+            <a:lvl2pPr marL="457200" indent="0" algn="ctr">
+              <a:buNone/>
+              <a:defRPr>
+                <a:solidFill>
+                  <a:schemeClr val="tx1">
+                    <a:tint val="75000"/>
+                  </a:schemeClr>
+                </a:solidFill>
+              </a:defRPr>
+            </a:lvl2pPr>
+            <a:lvl3pPr marL="914400" indent="0" algn="ctr">
+              <a:buNone/>
+              <a:defRPr>
+                <a:solidFill>
+                  <a:schemeClr val="tx1">
+                    <a:tint val="75000"/>
+                  </a:schemeClr>
+                </a:solidFill>
+              </a:defRPr>
+            </a:lvl3pPr>
+            <a:lvl4pPr marL="1371600" indent="0" algn="ctr">
+              <a:buNone/>
+              <a:defRPr>
+                <a:solidFill>
+                  <a:schemeClr val="tx1">
+                    <a:tint val="75000"/>
+                  </a:schemeClr>
+                </a:solidFill>
+              </a:defRPr>
+            </a:lvl4pPr>
+            <a:lvl5pPr marL="1828800" indent="0" algn="ctr">
+              <a:buNone/>
+              <a:defRPr>
+                <a:solidFill>
+                  <a:schemeClr val="tx1">
+                    <a:tint val="75000"/>
+                  </a:schemeClr>
+                </a:solidFill>
+              </a:defRPr>
+            </a:lvl5pPr>
+            <a:lvl6pPr marL="2286000" indent="0" algn="ctr">
+              <a:buNone/>
+              <a:defRPr>
+                <a:solidFill>
+                  <a:schemeClr val="tx1">
+                    <a:tint val="75000"/>
+                  </a:schemeClr>
+                </a:solidFill>
+              </a:defRPr>
+            </a:lvl6pPr>
+            <a:lvl7pPr marL="2743200" indent="0" algn="ctr">
+              <a:buNone/>
+              <a:defRPr>
+                <a:solidFill>
+                  <a:schemeClr val="tx1">
+                    <a:tint val="75000"/>
+                  </a:schemeClr>
+                </a:solidFill>
+              </a:defRPr>
+            </a:lvl7pPr>
+            <a:lvl8pPr marL="3200400" indent="0" algn="ctr">
+              <a:buNone/>
+              <a:defRPr>
+                <a:solidFill>
+                  <a:schemeClr val="tx1">
+                    <a:tint val="75000"/>
+                  </a:schemeClr>
+                </a:solidFill>
+              </a:defRPr>
+            </a:lvl8pPr>
+            <a:lvl9pPr marL="3657600" indent="0" algn="ctr">
+              <a:buNone/>
+              <a:defRPr>
+                <a:solidFill>
+                  <a:schemeClr val="tx1">
+                    <a:tint val="75000"/>
+                  </a:schemeClr>
+                </a:solidFill>
+              </a:defRPr>
+            </a:lvl9pPr>
+          </a:lstStyle>
+          <a:p>
+            <a:r>
+              <a:rPr lang="en-US" dirty="0" smtClean="0"/>
+              <a:t>Click to edit Master subtitle style</a:t>
+            </a:r>
+            <a:endParaRPr lang="en-US" dirty="0"/>
+          </a:p>
+        </p:txBody>
+      </p:sp>
+      <p:sp>
+        <p:nvSpPr>
+          <p:cNvPr id="4" name="Date Placeholder 3"/>
+          <p:cNvSpPr>
+            <a:spLocks noGrp="1"/>
+          </p:cNvSpPr>
+          <p:nvPr>
+            <p:ph type="dt" sz="half" idx="10"/>
+          </p:nvPr>
+        </p:nvSpPr>
+        <p:spPr/>
+        <p:txBody>
+          <a:bodyPr/>
+          <a:lstStyle/>
+          <a:p>
+            <a:fld id="{B594EA25-E4F4-3746-A0BA-A11E27330E0F}" type="datetime2">
+              <a:rPr lang="en-US" smtClean="0"/>
+              <a:t>Tuesday, September 9, 14</a:t>
+            </a:fld>
+            <a:endParaRPr lang="en-US"/>
+          </a:p>
+        </p:txBody>
+      </p:sp>
+      <p:sp>
+        <p:nvSpPr>
+          <p:cNvPr id="5" name="Footer Placeholder 4"/>
+          <p:cNvSpPr>
+            <a:spLocks noGrp="1"/>
+          </p:cNvSpPr>
+          <p:nvPr>
+            <p:ph type="ftr" sz="quarter" idx="11"/>
+          </p:nvPr>
+        </p:nvSpPr>
+        <p:spPr/>
+        <p:txBody>
+          <a:bodyPr/>
+          <a:lstStyle/>
+          <a:p>
+            <a:pPr algn="r"/>
+            <a:r>
+              <a:rPr lang="en-US" smtClean="0"/>
+              <a:t>Sanjay Kalé and PPL (UIUC) – Parallel Migratable Objects </a:t>
+            </a:r>
+            <a:endParaRPr lang="en-US" dirty="0"/>
+          </a:p>
+        </p:txBody>
+      </p:sp>
+      <p:sp>
+        <p:nvSpPr>
+          <p:cNvPr id="6" name="Slide Number Placeholder 5"/>
+          <p:cNvSpPr>
+            <a:spLocks noGrp="1"/>
+          </p:cNvSpPr>
+          <p:nvPr>
+            <p:ph type="sldNum" sz="quarter" idx="12"/>
+          </p:nvPr>
+        </p:nvSpPr>
+        <p:spPr/>
+        <p:txBody>
+          <a:bodyPr/>
+          <a:lstStyle/>
+          <a:p>
+            <a:fld id="{0CFEC368-1D7A-4F81-ABF6-AE0E36BAF64C}" type="slidenum">
+              <a:rPr lang="en-US" smtClean="0"/>
+              <a:pPr/>
+              <a:t>‹#›</a:t>
+            </a:fld>
+            <a:endParaRPr lang="en-US"/>
+          </a:p>
+        </p:txBody>
+      </p:sp>
+      <p:cxnSp>
+        <p:nvCxnSpPr>
+          <p:cNvPr id="8" name="Straight Connector 7"/>
+          <p:cNvCxnSpPr/>
+          <p:nvPr/>
+        </p:nvCxnSpPr>
+        <p:spPr>
+          <a:xfrm>
+            <a:off x="685800" y="2444811"/>
+            <a:ext cx="7848600" cy="1588"/>
+          </a:xfrm>
+          <a:prstGeom prst="line">
+            <a:avLst/>
+          </a:prstGeom>
+          <a:ln w="19050">
+            <a:solidFill>
+              <a:schemeClr val="tx2"/>
+            </a:solidFill>
+          </a:ln>
+        </p:spPr>
+        <p:style>
+          <a:lnRef idx="1">
+            <a:schemeClr val="accent1"/>
+          </a:lnRef>
+          <a:fillRef idx="0">
+            <a:schemeClr val="accent1"/>
+          </a:fillRef>
+          <a:effectRef idx="0">
+            <a:schemeClr val="accent1"/>
+          </a:effectRef>
+          <a:fontRef idx="minor">
+            <a:schemeClr val="tx1"/>
+          </a:fontRef>
+        </p:style>
+      </p:cxnSp>
+      <p:sp>
+        <p:nvSpPr>
+          <p:cNvPr id="10" name="Subtitle 2"/>
+          <p:cNvSpPr txBox="1">
+            <a:spLocks/>
+          </p:cNvSpPr>
+          <p:nvPr userDrawn="1"/>
+        </p:nvSpPr>
+        <p:spPr>
+          <a:xfrm>
+            <a:off x="1404926" y="4774277"/>
+            <a:ext cx="6400800" cy="700402"/>
+          </a:xfrm>
+          <a:prstGeom prst="rect">
+            <a:avLst/>
+          </a:prstGeom>
+        </p:spPr>
+        <p:txBody>
+          <a:bodyPr vert="horz" lIns="91440" tIns="45720" rIns="91440" bIns="45720" rtlCol="0">
+            <a:normAutofit/>
+          </a:bodyPr>
+          <a:lstStyle>
+            <a:lvl1pPr marL="0" indent="0" algn="ctr" defTabSz="914400" rtl="0" eaLnBrk="1" latinLnBrk="0" hangingPunct="1">
+              <a:spcBef>
+                <a:spcPct val="20000"/>
+              </a:spcBef>
+              <a:buClr>
+                <a:schemeClr val="accent1"/>
+              </a:buClr>
+              <a:buSzPct val="85000"/>
+              <a:buFont typeface="Arial" pitchFamily="34" charset="0"/>
+              <a:buNone/>
+              <a:defRPr sz="2400" kern="1200">
+                <a:solidFill>
+                  <a:schemeClr val="tx1">
+                    <a:lumMod val="75000"/>
+                    <a:lumOff val="25000"/>
+                  </a:schemeClr>
+                </a:solidFill>
+                <a:latin typeface="+mn-lt"/>
+                <a:ea typeface="+mn-ea"/>
+                <a:cs typeface="+mn-cs"/>
+              </a:defRPr>
+            </a:lvl1pPr>
+            <a:lvl2pPr marL="457200" indent="0" algn="ctr" defTabSz="914400" rtl="0" eaLnBrk="1" latinLnBrk="0" hangingPunct="1">
+              <a:spcBef>
+                <a:spcPct val="20000"/>
+              </a:spcBef>
+              <a:buClr>
+                <a:schemeClr val="accent1"/>
+              </a:buClr>
+              <a:buSzPct val="85000"/>
+              <a:buFont typeface="Arial" pitchFamily="34" charset="0"/>
+              <a:buNone/>
+              <a:defRPr sz="2000" kern="1200">
+                <a:solidFill>
+                  <a:schemeClr val="tx1">
+                    <a:tint val="75000"/>
+                  </a:schemeClr>
+                </a:solidFill>
+                <a:latin typeface="+mn-lt"/>
+                <a:ea typeface="+mn-ea"/>
+                <a:cs typeface="+mn-cs"/>
+              </a:defRPr>
+            </a:lvl2pPr>
+            <a:lvl3pPr marL="914400" indent="0" algn="ctr" defTabSz="914400" rtl="0" eaLnBrk="1" latinLnBrk="0" hangingPunct="1">
+              <a:spcBef>
+                <a:spcPct val="20000"/>
+              </a:spcBef>
+              <a:buClr>
+                <a:schemeClr val="accent1"/>
+              </a:buClr>
+              <a:buSzPct val="90000"/>
+              <a:buFont typeface="Arial" pitchFamily="34" charset="0"/>
+              <a:buNone/>
+              <a:defRPr sz="1800" kern="1200">
+                <a:solidFill>
+                  <a:schemeClr val="tx1">
+                    <a:tint val="75000"/>
+                  </a:schemeClr>
+                </a:solidFill>
+                <a:latin typeface="+mn-lt"/>
+                <a:ea typeface="+mn-ea"/>
+                <a:cs typeface="+mn-cs"/>
+              </a:defRPr>
+            </a:lvl3pPr>
+            <a:lvl4pPr marL="1371600" indent="0" algn="ctr" defTabSz="914400" rtl="0" eaLnBrk="1" latinLnBrk="0" hangingPunct="1">
+              <a:spcBef>
+                <a:spcPct val="20000"/>
+              </a:spcBef>
+              <a:buClr>
+                <a:schemeClr val="accent1"/>
+              </a:buClr>
+              <a:buFont typeface="Arial" pitchFamily="34" charset="0"/>
+              <a:buNone/>
+              <a:defRPr sz="1600" kern="1200">
+                <a:solidFill>
+                  <a:schemeClr val="tx1">
+                    <a:tint val="75000"/>
+                  </a:schemeClr>
+                </a:solidFill>
+                <a:latin typeface="+mn-lt"/>
+                <a:ea typeface="+mn-ea"/>
+                <a:cs typeface="+mn-cs"/>
+              </a:defRPr>
+            </a:lvl4pPr>
+            <a:lvl5pPr marL="1828800" indent="0" algn="ctr" defTabSz="914400" rtl="0" eaLnBrk="1" latinLnBrk="0" hangingPunct="1">
+              <a:spcBef>
+                <a:spcPct val="20000"/>
+              </a:spcBef>
+              <a:buClr>
+                <a:schemeClr val="accent1"/>
+              </a:buClr>
+              <a:buSzPct val="100000"/>
+              <a:buFont typeface="Arial" pitchFamily="34" charset="0"/>
+              <a:buNone/>
+              <a:defRPr sz="1400" kern="1200" baseline="0">
+                <a:solidFill>
+                  <a:schemeClr val="tx1">
+                    <a:tint val="75000"/>
+                  </a:schemeClr>
+                </a:solidFill>
+                <a:latin typeface="+mn-lt"/>
+                <a:ea typeface="+mn-ea"/>
+                <a:cs typeface="+mn-cs"/>
+              </a:defRPr>
+            </a:lvl5pPr>
+            <a:lvl6pPr marL="2286000" indent="0" algn="ctr" defTabSz="914400" rtl="0" eaLnBrk="1" latinLnBrk="0" hangingPunct="1">
+              <a:spcBef>
+                <a:spcPct val="20000"/>
+              </a:spcBef>
+              <a:buClr>
+                <a:schemeClr val="accent1"/>
+              </a:buClr>
+              <a:buFont typeface="Arial" pitchFamily="34" charset="0"/>
+              <a:buNone/>
+              <a:defRPr sz="1300" kern="1200">
+                <a:solidFill>
+                  <a:schemeClr val="tx1">
+                    <a:tint val="75000"/>
+                  </a:schemeClr>
+                </a:solidFill>
+                <a:latin typeface="+mn-lt"/>
+                <a:ea typeface="+mn-ea"/>
+                <a:cs typeface="+mn-cs"/>
+              </a:defRPr>
+            </a:lvl6pPr>
+            <a:lvl7pPr marL="2743200" indent="0" algn="ctr" defTabSz="914400" rtl="0" eaLnBrk="1" latinLnBrk="0" hangingPunct="1">
+              <a:spcBef>
+                <a:spcPct val="20000"/>
+              </a:spcBef>
+              <a:buClr>
+                <a:schemeClr val="accent1"/>
+              </a:buClr>
+              <a:buFont typeface="Arial" pitchFamily="34" charset="0"/>
+              <a:buNone/>
+              <a:defRPr sz="1300" kern="1200">
+                <a:solidFill>
+                  <a:schemeClr val="tx1">
+                    <a:tint val="75000"/>
+                  </a:schemeClr>
+                </a:solidFill>
+                <a:latin typeface="+mn-lt"/>
+                <a:ea typeface="+mn-ea"/>
+                <a:cs typeface="+mn-cs"/>
+              </a:defRPr>
+            </a:lvl7pPr>
+            <a:lvl8pPr marL="3200400" indent="0" algn="ctr" defTabSz="914400" rtl="0" eaLnBrk="1" latinLnBrk="0" hangingPunct="1">
+              <a:spcBef>
+                <a:spcPct val="20000"/>
+              </a:spcBef>
+              <a:buClr>
+                <a:schemeClr val="accent1"/>
+              </a:buClr>
+              <a:buFont typeface="Arial" pitchFamily="34" charset="0"/>
+              <a:buNone/>
+              <a:defRPr sz="1300" kern="1200">
+                <a:solidFill>
+                  <a:schemeClr val="tx1">
+                    <a:tint val="75000"/>
+                  </a:schemeClr>
+                </a:solidFill>
+                <a:latin typeface="+mn-lt"/>
+                <a:ea typeface="+mn-ea"/>
+                <a:cs typeface="+mn-cs"/>
+              </a:defRPr>
+            </a:lvl8pPr>
+            <a:lvl9pPr marL="3657600" indent="0" algn="ctr" defTabSz="914400" rtl="0" eaLnBrk="1" latinLnBrk="0" hangingPunct="1">
+              <a:spcBef>
+                <a:spcPct val="20000"/>
+              </a:spcBef>
+              <a:buClr>
+                <a:schemeClr val="accent1"/>
+              </a:buClr>
+              <a:buFont typeface="Arial" pitchFamily="34" charset="0"/>
+              <a:buNone/>
+              <a:defRPr sz="1300" kern="1200">
+                <a:solidFill>
+                  <a:schemeClr val="tx1">
+                    <a:tint val="75000"/>
+                  </a:schemeClr>
+                </a:solidFill>
+                <a:latin typeface="+mn-lt"/>
+                <a:ea typeface="+mn-ea"/>
+                <a:cs typeface="+mn-cs"/>
+              </a:defRPr>
+            </a:lvl9pPr>
+          </a:lstStyle>
+          <a:p>
+            <a:fld id="{B07CD00D-ECE2-B341-910C-3E5E7B4740E6}" type="datetime4">
+              <a:rPr lang="en-US" smtClean="0">
+                <a:latin typeface="Times New Roman"/>
+                <a:cs typeface="Times New Roman"/>
+              </a:rPr>
+              <a:t>September 9, 2014</a:t>
+            </a:fld>
+            <a:endParaRPr lang="en-US" dirty="0">
+              <a:latin typeface="Times New Roman"/>
+              <a:cs typeface="Times New Roman"/>
+            </a:endParaRPr>
+          </a:p>
+        </p:txBody>
+      </p:sp>
+      <p:sp>
+        <p:nvSpPr>
+          <p:cNvPr id="14" name="Content Placeholder 13"/>
+          <p:cNvSpPr>
+            <a:spLocks noGrp="1"/>
+          </p:cNvSpPr>
+          <p:nvPr>
+            <p:ph sz="quarter" idx="13"/>
+          </p:nvPr>
+        </p:nvSpPr>
+        <p:spPr>
+          <a:xfrm>
+            <a:off x="1404938" y="3700463"/>
+            <a:ext cx="6400800" cy="1073150"/>
+          </a:xfrm>
+        </p:spPr>
+        <p:txBody>
+          <a:bodyPr>
+            <a:normAutofit/>
+          </a:bodyPr>
+          <a:lstStyle>
+            <a:lvl1pPr marL="0" indent="0" algn="ctr">
+              <a:buNone/>
+              <a:defRPr sz="1800"/>
+            </a:lvl1pPr>
+            <a:lvl2pPr marL="274320" indent="0">
+              <a:buNone/>
+              <a:defRPr/>
+            </a:lvl2pPr>
+            <a:lvl3pPr marL="548640" indent="0">
+              <a:buNone/>
+              <a:defRPr/>
+            </a:lvl3pPr>
+            <a:lvl4pPr marL="822960" indent="0">
+              <a:buNone/>
+              <a:defRPr/>
+            </a:lvl4pPr>
+            <a:lvl5pPr marL="1051560" indent="0">
+              <a:buNone/>
+              <a:defRPr/>
+            </a:lvl5pPr>
+          </a:lstStyle>
+          <a:p>
+            <a:pPr lvl="0"/>
+            <a:r>
+              <a:rPr lang="en-US" dirty="0" smtClean="0"/>
+              <a:t>Click to edit Master text styles</a:t>
+            </a:r>
+            <a:endParaRPr lang="en-US" dirty="0"/>
+          </a:p>
+        </p:txBody>
+      </p:sp>
+    </p:spTree>
+  </p:cSld>
+  <p:clrMapOvr>
+    <a:masterClrMapping/>
+  </p:clrMapOvr>
+</p:sldLayout>
+</file>
+
+<file path=ppt/slideLayouts/slideLayout15.xml><?xml version="1.0" encoding="utf-8"?>
+<p:sldLayout xmlns:a="http://schemas.openxmlformats.org/drawingml/2006/main" xmlns:r="http://schemas.openxmlformats.org/officeDocument/2006/relationships" xmlns:p="http://schemas.openxmlformats.org/presentationml/2006/main" preserve="1" userDrawn="1">
+  <p:cSld name="1_Custom Layout">
+    <p:spTree>
+      <p:nvGrpSpPr>
+        <p:cNvPr id="1" name=""/>
+        <p:cNvGrpSpPr/>
+        <p:nvPr/>
+      </p:nvGrpSpPr>
+      <p:grpSpPr>
+        <a:xfrm>
+          <a:off x="0" y="0"/>
+          <a:ext cx="0" cy="0"/>
+          <a:chOff x="0" y="0"/>
+          <a:chExt cx="0" cy="0"/>
+        </a:xfrm>
+      </p:grpSpPr>
+      <p:sp>
+        <p:nvSpPr>
+          <p:cNvPr id="2" name="Title 1"/>
+          <p:cNvSpPr>
+            <a:spLocks noGrp="1"/>
+          </p:cNvSpPr>
+          <p:nvPr>
+            <p:ph type="title"/>
+          </p:nvPr>
+        </p:nvSpPr>
+        <p:spPr/>
+        <p:txBody>
+          <a:bodyPr/>
+          <a:lstStyle/>
+          <a:p>
+            <a:r>
+              <a:rPr lang="en-US" smtClean="0"/>
+              <a:t>Click to edit Master title style</a:t>
+            </a:r>
+            <a:endParaRPr lang="en-US"/>
+          </a:p>
+        </p:txBody>
+      </p:sp>
+      <p:sp>
+        <p:nvSpPr>
+          <p:cNvPr id="3" name="Date Placeholder 2"/>
+          <p:cNvSpPr>
+            <a:spLocks noGrp="1"/>
+          </p:cNvSpPr>
+          <p:nvPr>
+            <p:ph type="dt" sz="half" idx="10"/>
+          </p:nvPr>
+        </p:nvSpPr>
+        <p:spPr/>
+        <p:txBody>
+          <a:bodyPr/>
+          <a:lstStyle/>
+          <a:p>
+            <a:fld id="{BD5AFB16-13FE-DF4A-8CB7-09756A57B2EA}" type="datetime2">
+              <a:rPr lang="en-US" smtClean="0"/>
+              <a:t>Tuesday, September 9, 14</a:t>
+            </a:fld>
+            <a:endParaRPr lang="en-US" dirty="0"/>
+          </a:p>
+        </p:txBody>
+      </p:sp>
+      <p:sp>
+        <p:nvSpPr>
+          <p:cNvPr id="4" name="Footer Placeholder 3"/>
+          <p:cNvSpPr>
+            <a:spLocks noGrp="1"/>
+          </p:cNvSpPr>
+          <p:nvPr>
+            <p:ph type="ftr" sz="quarter" idx="11"/>
+          </p:nvPr>
+        </p:nvSpPr>
+        <p:spPr/>
+        <p:txBody>
+          <a:bodyPr/>
+          <a:lstStyle/>
+          <a:p>
+            <a:pPr algn="r"/>
+            <a:r>
+              <a:rPr lang="en-US" smtClean="0"/>
+              <a:t>Sanjay Kalé and PPL (UIUC) – Parallel Migratable Objects </a:t>
+            </a:r>
+            <a:endParaRPr lang="en-US" dirty="0"/>
+          </a:p>
+        </p:txBody>
+      </p:sp>
+      <p:sp>
+        <p:nvSpPr>
+          <p:cNvPr id="5" name="Slide Number Placeholder 4"/>
+          <p:cNvSpPr>
+            <a:spLocks noGrp="1"/>
+          </p:cNvSpPr>
+          <p:nvPr>
+            <p:ph type="sldNum" sz="quarter" idx="12"/>
+          </p:nvPr>
+        </p:nvSpPr>
+        <p:spPr/>
+        <p:txBody>
+          <a:bodyPr/>
+          <a:lstStyle/>
+          <a:p>
+            <a:fld id="{0CFEC368-1D7A-4F81-ABF6-AE0E36BAF64C}" type="slidenum">
+              <a:rPr lang="en-US" smtClean="0"/>
+              <a:pPr/>
+              <a:t>‹#›</a:t>
+            </a:fld>
+            <a:endParaRPr lang="en-US" dirty="0"/>
+          </a:p>
+        </p:txBody>
+      </p:sp>
+      <p:sp>
+        <p:nvSpPr>
+          <p:cNvPr id="7" name="Content Placeholder 6"/>
+          <p:cNvSpPr>
+            <a:spLocks noGrp="1"/>
+          </p:cNvSpPr>
+          <p:nvPr>
+            <p:ph sz="quarter" idx="13"/>
+          </p:nvPr>
+        </p:nvSpPr>
+        <p:spPr>
+          <a:xfrm>
+            <a:off x="457200" y="909977"/>
+            <a:ext cx="8229600" cy="1118512"/>
+          </a:xfrm>
+        </p:spPr>
+        <p:txBody>
+          <a:bodyPr/>
+          <a:lstStyle/>
+          <a:p>
+            <a:pPr lvl="0"/>
+            <a:r>
+              <a:rPr lang="en-US" dirty="0" smtClean="0"/>
+              <a:t>Click to edit Master text styles</a:t>
+            </a:r>
+          </a:p>
+          <a:p>
+            <a:pPr lvl="1"/>
+            <a:r>
+              <a:rPr lang="en-US" dirty="0" smtClean="0"/>
+              <a:t>Second level</a:t>
+            </a:r>
+          </a:p>
+          <a:p>
+            <a:pPr lvl="2"/>
+            <a:r>
+              <a:rPr lang="en-US" dirty="0" smtClean="0"/>
+              <a:t>Third level</a:t>
+            </a:r>
+          </a:p>
+          <a:p>
+            <a:pPr lvl="3"/>
+            <a:r>
+              <a:rPr lang="en-US" dirty="0" smtClean="0"/>
+              <a:t>Fourth level</a:t>
+            </a:r>
+          </a:p>
+          <a:p>
+            <a:pPr lvl="4"/>
+            <a:r>
+              <a:rPr lang="en-US" dirty="0" smtClean="0"/>
+              <a:t>Fifth level</a:t>
+            </a:r>
+            <a:endParaRPr lang="en-US" dirty="0"/>
+          </a:p>
+        </p:txBody>
+      </p:sp>
+      <p:sp>
+        <p:nvSpPr>
+          <p:cNvPr id="9" name="Content Placeholder 8"/>
+          <p:cNvSpPr>
+            <a:spLocks noGrp="1"/>
+          </p:cNvSpPr>
+          <p:nvPr>
+            <p:ph sz="quarter" idx="14"/>
+          </p:nvPr>
+        </p:nvSpPr>
+        <p:spPr>
+          <a:xfrm>
+            <a:off x="457200" y="2198574"/>
+            <a:ext cx="8229600" cy="1119049"/>
+          </a:xfrm>
+        </p:spPr>
+        <p:txBody>
+          <a:bodyPr/>
+          <a:lstStyle/>
+          <a:p>
+            <a:pPr lvl="0"/>
+            <a:r>
+              <a:rPr lang="en-US" dirty="0" smtClean="0"/>
+              <a:t>Click to edit Master text styles</a:t>
+            </a:r>
+          </a:p>
+          <a:p>
+            <a:pPr lvl="1"/>
+            <a:r>
+              <a:rPr lang="en-US" dirty="0" smtClean="0"/>
+              <a:t>Second level</a:t>
+            </a:r>
+          </a:p>
+          <a:p>
+            <a:pPr lvl="2"/>
+            <a:r>
+              <a:rPr lang="en-US" dirty="0" smtClean="0"/>
+              <a:t>Third level</a:t>
+            </a:r>
+          </a:p>
+          <a:p>
+            <a:pPr lvl="3"/>
+            <a:r>
+              <a:rPr lang="en-US" dirty="0" smtClean="0"/>
+              <a:t>Fourth level</a:t>
+            </a:r>
+          </a:p>
+          <a:p>
+            <a:pPr lvl="4"/>
+            <a:r>
+              <a:rPr lang="en-US" dirty="0" smtClean="0"/>
+              <a:t>Fifth level</a:t>
+            </a:r>
+            <a:endParaRPr lang="en-US" dirty="0"/>
+          </a:p>
+        </p:txBody>
+      </p:sp>
+      <p:sp>
+        <p:nvSpPr>
+          <p:cNvPr id="11" name="Content Placeholder 10"/>
+          <p:cNvSpPr>
+            <a:spLocks noGrp="1"/>
+          </p:cNvSpPr>
+          <p:nvPr>
+            <p:ph sz="quarter" idx="15"/>
+          </p:nvPr>
+        </p:nvSpPr>
+        <p:spPr>
+          <a:xfrm>
+            <a:off x="457200" y="3583427"/>
+            <a:ext cx="8229600" cy="1136650"/>
+          </a:xfrm>
+        </p:spPr>
+        <p:txBody>
+          <a:bodyPr/>
+          <a:lstStyle/>
+          <a:p>
+            <a:pPr lvl="0"/>
+            <a:r>
+              <a:rPr lang="en-US" smtClean="0"/>
+              <a:t>Click to edit Master text styles</a:t>
+            </a:r>
+          </a:p>
+          <a:p>
+            <a:pPr lvl="1"/>
+            <a:r>
+              <a:rPr lang="en-US" smtClean="0"/>
+              <a:t>Second level</a:t>
+            </a:r>
+          </a:p>
+          <a:p>
+            <a:pPr lvl="2"/>
+            <a:r>
+              <a:rPr lang="en-US" smtClean="0"/>
+              <a:t>Third level</a:t>
+            </a:r>
+          </a:p>
+          <a:p>
+            <a:pPr lvl="3"/>
+            <a:r>
+              <a:rPr lang="en-US" smtClean="0"/>
+              <a:t>Fourth level</a:t>
+            </a:r>
+          </a:p>
+          <a:p>
+            <a:pPr lvl="4"/>
+            <a:r>
+              <a:rPr lang="en-US" smtClean="0"/>
+              <a:t>Fifth level</a:t>
+            </a:r>
+            <a:endParaRPr lang="en-US"/>
+          </a:p>
+        </p:txBody>
+      </p:sp>
+      <p:sp>
+        <p:nvSpPr>
+          <p:cNvPr id="13" name="Content Placeholder 12"/>
+          <p:cNvSpPr>
+            <a:spLocks noGrp="1"/>
+          </p:cNvSpPr>
+          <p:nvPr>
+            <p:ph sz="quarter" idx="16"/>
+          </p:nvPr>
+        </p:nvSpPr>
+        <p:spPr>
+          <a:xfrm>
+            <a:off x="457200" y="5043465"/>
+            <a:ext cx="8229600" cy="1136791"/>
+          </a:xfrm>
+        </p:spPr>
+        <p:txBody>
+          <a:bodyPr/>
+          <a:lstStyle/>
+          <a:p>
+            <a:pPr lvl="0"/>
+            <a:r>
+              <a:rPr lang="en-US" smtClean="0"/>
+              <a:t>Click to edit Master text styles</a:t>
+            </a:r>
+          </a:p>
+          <a:p>
+            <a:pPr lvl="1"/>
+            <a:r>
+              <a:rPr lang="en-US" smtClean="0"/>
+              <a:t>Second level</a:t>
+            </a:r>
+          </a:p>
+          <a:p>
+            <a:pPr lvl="2"/>
+            <a:r>
+              <a:rPr lang="en-US" smtClean="0"/>
+              <a:t>Third level</a:t>
+            </a:r>
+          </a:p>
+          <a:p>
+            <a:pPr lvl="3"/>
+            <a:r>
+              <a:rPr lang="en-US" smtClean="0"/>
+              <a:t>Fourth level</a:t>
+            </a:r>
+          </a:p>
+          <a:p>
+            <a:pPr lvl="4"/>
+            <a:r>
+              <a:rPr lang="en-US" smtClean="0"/>
+              <a:t>Fifth level</a:t>
+            </a:r>
+            <a:endParaRPr lang="en-US"/>
+          </a:p>
+        </p:txBody>
+      </p:sp>
+    </p:spTree>
+    <p:extLst>
+      <p:ext uri="{BB962C8B-B14F-4D97-AF65-F5344CB8AC3E}">
+        <p14:creationId xmlns:p14="http://schemas.microsoft.com/office/powerpoint/2010/main" val="596550497"/>
+      </p:ext>
+    </p:extLst>
+  </p:cSld>
+  <p:clrMapOvr>
+    <a:masterClrMapping/>
+  </p:clrMapOvr>
+</p:sldLayout>
+</file>
+
+<file path=ppt/slideLayouts/slideLayout16.xml><?xml version="1.0" encoding="utf-8"?>
+<p:sldLayout xmlns:a="http://schemas.openxmlformats.org/drawingml/2006/main" xmlns:r="http://schemas.openxmlformats.org/officeDocument/2006/relationships" xmlns:p="http://schemas.openxmlformats.org/presentationml/2006/main" preserve="1" userDrawn="1">
+  <p:cSld name="2_Two Content">
+    <p:spTree>
+      <p:nvGrpSpPr>
+        <p:cNvPr id="1" name=""/>
+        <p:cNvGrpSpPr/>
+        <p:nvPr/>
+      </p:nvGrpSpPr>
+      <p:grpSpPr>
+        <a:xfrm>
+          <a:off x="0" y="0"/>
+          <a:ext cx="0" cy="0"/>
+          <a:chOff x="0" y="0"/>
+          <a:chExt cx="0" cy="0"/>
+        </a:xfrm>
+      </p:grpSpPr>
+      <p:sp>
+        <p:nvSpPr>
+          <p:cNvPr id="2" name="Title 1"/>
+          <p:cNvSpPr>
+            <a:spLocks noGrp="1"/>
+          </p:cNvSpPr>
+          <p:nvPr>
+            <p:ph type="title"/>
+          </p:nvPr>
+        </p:nvSpPr>
+        <p:spPr/>
+        <p:txBody>
+          <a:bodyPr/>
+          <a:lstStyle/>
+          <a:p>
+            <a:r>
+              <a:rPr lang="en-US" dirty="0" smtClean="0"/>
+              <a:t>Click to edit Master title style</a:t>
+            </a:r>
+            <a:endParaRPr lang="en-US" dirty="0"/>
+          </a:p>
+        </p:txBody>
+      </p:sp>
+      <p:sp>
+        <p:nvSpPr>
+          <p:cNvPr id="3" name="Content Placeholder 2"/>
+          <p:cNvSpPr>
+            <a:spLocks noGrp="1"/>
+          </p:cNvSpPr>
+          <p:nvPr>
+            <p:ph sz="half" idx="1"/>
+          </p:nvPr>
+        </p:nvSpPr>
+        <p:spPr>
+          <a:xfrm>
+            <a:off x="457200" y="935846"/>
+            <a:ext cx="4038600" cy="3140187"/>
+          </a:xfrm>
+        </p:spPr>
+        <p:txBody>
+          <a:bodyPr/>
+          <a:lstStyle>
+            <a:lvl1pPr>
+              <a:defRPr sz="2800"/>
+            </a:lvl1pPr>
+            <a:lvl2pPr>
+              <a:defRPr sz="2400"/>
+            </a:lvl2pPr>
+            <a:lvl3pPr>
+              <a:defRPr sz="2000"/>
+            </a:lvl3pPr>
+            <a:lvl4pPr>
+              <a:defRPr sz="1800"/>
+            </a:lvl4pPr>
+            <a:lvl5pPr>
+              <a:defRPr sz="1800"/>
+            </a:lvl5pPr>
+            <a:lvl6pPr>
+              <a:defRPr sz="1800"/>
+            </a:lvl6pPr>
+            <a:lvl7pPr>
+              <a:defRPr sz="1800"/>
+            </a:lvl7pPr>
+            <a:lvl8pPr>
+              <a:defRPr sz="1800"/>
+            </a:lvl8pPr>
+            <a:lvl9pPr>
+              <a:defRPr sz="1800"/>
+            </a:lvl9pPr>
+          </a:lstStyle>
+          <a:p>
+            <a:pPr lvl="0"/>
+            <a:r>
+              <a:rPr lang="en-US" dirty="0" smtClean="0"/>
+              <a:t>Click to edit Master text styles</a:t>
+            </a:r>
+          </a:p>
+          <a:p>
+            <a:pPr lvl="1"/>
+            <a:r>
+              <a:rPr lang="en-US" dirty="0" smtClean="0"/>
+              <a:t>Second level</a:t>
+            </a:r>
+          </a:p>
+          <a:p>
+            <a:pPr lvl="2"/>
+            <a:r>
+              <a:rPr lang="en-US" dirty="0" smtClean="0"/>
+              <a:t>Third level</a:t>
+            </a:r>
+          </a:p>
+          <a:p>
+            <a:pPr lvl="3"/>
+            <a:r>
+              <a:rPr lang="en-US" dirty="0" smtClean="0"/>
+              <a:t>Fourth level</a:t>
+            </a:r>
+          </a:p>
+          <a:p>
+            <a:pPr lvl="4"/>
+            <a:r>
+              <a:rPr lang="en-US" dirty="0" smtClean="0"/>
+              <a:t>Fifth level</a:t>
+            </a:r>
+            <a:endParaRPr lang="en-US" dirty="0"/>
+          </a:p>
+        </p:txBody>
+      </p:sp>
+      <p:sp>
+        <p:nvSpPr>
+          <p:cNvPr id="4" name="Content Placeholder 3"/>
+          <p:cNvSpPr>
+            <a:spLocks noGrp="1"/>
+          </p:cNvSpPr>
+          <p:nvPr>
+            <p:ph sz="half" idx="2"/>
+          </p:nvPr>
+        </p:nvSpPr>
+        <p:spPr>
+          <a:xfrm>
+            <a:off x="4648200" y="935846"/>
+            <a:ext cx="4038600" cy="3140187"/>
+          </a:xfrm>
+        </p:spPr>
+        <p:txBody>
+          <a:bodyPr/>
+          <a:lstStyle>
+            <a:lvl1pPr>
+              <a:defRPr sz="2800"/>
+            </a:lvl1pPr>
+            <a:lvl2pPr>
+              <a:defRPr sz="2400"/>
+            </a:lvl2pPr>
+            <a:lvl3pPr>
+              <a:defRPr sz="2000"/>
+            </a:lvl3pPr>
+            <a:lvl4pPr>
+              <a:defRPr sz="1800"/>
+            </a:lvl4pPr>
+            <a:lvl5pPr>
+              <a:defRPr sz="1800"/>
+            </a:lvl5pPr>
+            <a:lvl6pPr>
+              <a:defRPr sz="1800"/>
+            </a:lvl6pPr>
+            <a:lvl7pPr>
+              <a:defRPr sz="1800"/>
+            </a:lvl7pPr>
+            <a:lvl8pPr>
+              <a:defRPr sz="1800"/>
+            </a:lvl8pPr>
+            <a:lvl9pPr>
+              <a:defRPr sz="1800"/>
+            </a:lvl9pPr>
+          </a:lstStyle>
+          <a:p>
+            <a:pPr lvl="0"/>
+            <a:r>
+              <a:rPr lang="en-US" dirty="0" smtClean="0"/>
+              <a:t>Click to edit Master text styles</a:t>
+            </a:r>
+          </a:p>
+          <a:p>
+            <a:pPr lvl="1"/>
+            <a:r>
+              <a:rPr lang="en-US" dirty="0" smtClean="0"/>
+              <a:t>Second level</a:t>
+            </a:r>
+          </a:p>
+          <a:p>
+            <a:pPr lvl="2"/>
+            <a:r>
+              <a:rPr lang="en-US" dirty="0" smtClean="0"/>
+              <a:t>Third level</a:t>
+            </a:r>
+          </a:p>
+          <a:p>
+            <a:pPr lvl="3"/>
+            <a:r>
+              <a:rPr lang="en-US" dirty="0" smtClean="0"/>
+              <a:t>Fourth level</a:t>
+            </a:r>
+          </a:p>
+          <a:p>
+            <a:pPr lvl="4"/>
+            <a:r>
+              <a:rPr lang="en-US" dirty="0" smtClean="0"/>
+              <a:t>Fifth level</a:t>
+            </a:r>
+            <a:endParaRPr lang="en-US" dirty="0"/>
+          </a:p>
+        </p:txBody>
+      </p:sp>
+      <p:sp>
+        <p:nvSpPr>
+          <p:cNvPr id="5" name="Date Placeholder 4"/>
+          <p:cNvSpPr>
+            <a:spLocks noGrp="1"/>
+          </p:cNvSpPr>
+          <p:nvPr>
+            <p:ph type="dt" sz="half" idx="10"/>
+          </p:nvPr>
+        </p:nvSpPr>
+        <p:spPr/>
+        <p:txBody>
+          <a:bodyPr/>
+          <a:lstStyle>
+            <a:lvl1pPr>
+              <a:defRPr>
+                <a:latin typeface="Times New Roman"/>
+                <a:cs typeface="Times New Roman"/>
+              </a:defRPr>
+            </a:lvl1pPr>
+          </a:lstStyle>
+          <a:p>
+            <a:fld id="{30545249-FD76-6844-B252-CAB05FC2DAA8}" type="datetime2">
+              <a:rPr lang="en-US" smtClean="0"/>
+              <a:t>Tuesday, September 9, 14</a:t>
+            </a:fld>
+            <a:endParaRPr lang="en-US" dirty="0"/>
+          </a:p>
+        </p:txBody>
+      </p:sp>
+      <p:sp>
+        <p:nvSpPr>
+          <p:cNvPr id="6" name="Footer Placeholder 5"/>
+          <p:cNvSpPr>
+            <a:spLocks noGrp="1"/>
+          </p:cNvSpPr>
+          <p:nvPr>
+            <p:ph type="ftr" sz="quarter" idx="11"/>
+          </p:nvPr>
+        </p:nvSpPr>
+        <p:spPr/>
+        <p:txBody>
+          <a:bodyPr/>
+          <a:lstStyle>
+            <a:lvl1pPr>
+              <a:defRPr>
+                <a:latin typeface="Times New Roman"/>
+                <a:cs typeface="Times New Roman"/>
+              </a:defRPr>
+            </a:lvl1pPr>
+          </a:lstStyle>
+          <a:p>
+            <a:pPr algn="r"/>
+            <a:r>
+              <a:rPr lang="en-US" smtClean="0"/>
+              <a:t>Sanjay Kalé and PPL (UIUC) – Parallel Migratable Objects </a:t>
+            </a:r>
+            <a:endParaRPr lang="en-US" dirty="0"/>
+          </a:p>
+        </p:txBody>
+      </p:sp>
+      <p:sp>
+        <p:nvSpPr>
+          <p:cNvPr id="7" name="Slide Number Placeholder 6"/>
+          <p:cNvSpPr>
+            <a:spLocks noGrp="1"/>
+          </p:cNvSpPr>
+          <p:nvPr>
+            <p:ph type="sldNum" sz="quarter" idx="12"/>
+          </p:nvPr>
+        </p:nvSpPr>
+        <p:spPr/>
+        <p:txBody>
+          <a:bodyPr/>
+          <a:lstStyle/>
+          <a:p>
+            <a:fld id="{0CFEC368-1D7A-4F81-ABF6-AE0E36BAF64C}" type="slidenum">
+              <a:rPr lang="en-US" smtClean="0"/>
+              <a:pPr/>
+              <a:t>‹#›</a:t>
+            </a:fld>
+            <a:endParaRPr lang="en-US" dirty="0"/>
+          </a:p>
+        </p:txBody>
+      </p:sp>
+      <p:sp>
+        <p:nvSpPr>
+          <p:cNvPr id="9" name="Content Placeholder 8"/>
+          <p:cNvSpPr>
+            <a:spLocks noGrp="1"/>
+          </p:cNvSpPr>
+          <p:nvPr>
+            <p:ph sz="quarter" idx="13"/>
+          </p:nvPr>
+        </p:nvSpPr>
+        <p:spPr>
+          <a:xfrm>
+            <a:off x="457200" y="4829213"/>
+            <a:ext cx="8229600" cy="1550950"/>
+          </a:xfrm>
+          <a:solidFill>
+            <a:schemeClr val="tx2">
+              <a:lumMod val="20000"/>
+              <a:lumOff val="80000"/>
+            </a:schemeClr>
+          </a:solidFill>
+          <a:ln>
+            <a:solidFill>
+              <a:schemeClr val="tx2"/>
+            </a:solidFill>
+          </a:ln>
+        </p:spPr>
+        <p:txBody>
+          <a:bodyPr/>
+          <a:lstStyle/>
+          <a:p>
+            <a:pPr lvl="0"/>
+            <a:r>
+              <a:rPr lang="en-US" dirty="0" smtClean="0"/>
+              <a:t>Click to edit Master text styles</a:t>
+            </a:r>
+          </a:p>
+          <a:p>
+            <a:pPr lvl="1"/>
+            <a:r>
+              <a:rPr lang="en-US" dirty="0" smtClean="0"/>
+              <a:t>Second level</a:t>
+            </a:r>
+          </a:p>
+          <a:p>
+            <a:pPr lvl="2"/>
+            <a:r>
+              <a:rPr lang="en-US" dirty="0" smtClean="0"/>
+              <a:t>Third level</a:t>
+            </a:r>
+          </a:p>
+          <a:p>
+            <a:pPr lvl="3"/>
+            <a:r>
+              <a:rPr lang="en-US" dirty="0" smtClean="0"/>
+              <a:t>Fourth level</a:t>
+            </a:r>
+          </a:p>
+          <a:p>
+            <a:pPr lvl="4"/>
+            <a:r>
+              <a:rPr lang="en-US" dirty="0" smtClean="0"/>
+              <a:t>Fifth level</a:t>
+            </a:r>
+            <a:endParaRPr lang="en-US" dirty="0"/>
+          </a:p>
+        </p:txBody>
+      </p:sp>
+      <p:sp>
+        <p:nvSpPr>
+          <p:cNvPr id="11" name="Text Placeholder 10"/>
+          <p:cNvSpPr>
+            <a:spLocks noGrp="1"/>
+          </p:cNvSpPr>
+          <p:nvPr>
+            <p:ph type="body" sz="quarter" idx="14"/>
+          </p:nvPr>
+        </p:nvSpPr>
+        <p:spPr>
+          <a:xfrm>
+            <a:off x="457200" y="4238625"/>
+            <a:ext cx="8229600" cy="590550"/>
+          </a:xfrm>
+          <a:solidFill>
+            <a:schemeClr val="tx2">
+              <a:lumMod val="40000"/>
+              <a:lumOff val="60000"/>
+            </a:schemeClr>
+          </a:solidFill>
+          <a:ln>
+            <a:solidFill>
+              <a:schemeClr val="tx2"/>
+            </a:solidFill>
+          </a:ln>
+        </p:spPr>
+        <p:txBody>
+          <a:bodyPr/>
+          <a:lstStyle>
+            <a:lvl1pPr marL="0" indent="0">
+              <a:buNone/>
+              <a:defRPr b="1"/>
+            </a:lvl1pPr>
+          </a:lstStyle>
+          <a:p>
+            <a:pPr lvl="0"/>
+            <a:r>
+              <a:rPr lang="en-US" dirty="0" smtClean="0"/>
+              <a:t>Click to edit Master text styles</a:t>
+            </a:r>
+            <a:endParaRPr lang="en-US" dirty="0"/>
+          </a:p>
+        </p:txBody>
+      </p:sp>
+    </p:spTree>
+    <p:extLst>
+      <p:ext uri="{BB962C8B-B14F-4D97-AF65-F5344CB8AC3E}">
+        <p14:creationId xmlns:p14="http://schemas.microsoft.com/office/powerpoint/2010/main" val="707568992"/>
+      </p:ext>
+    </p:extLst>
   </p:cSld>
   <p:clrMapOvr>
     <a:masterClrMapping/>
@@ -2216,35 +3775,35 @@
           <a:p>
             <a:pPr lvl="0"/>
             <a:r>
-              <a:rPr lang="en-US" dirty="0" smtClean="0"/>
+              <a:rPr lang="en-US" smtClean="0"/>
               <a:t>Click to edit Master text styles</a:t>
             </a:r>
           </a:p>
           <a:p>
             <a:pPr lvl="1"/>
             <a:r>
-              <a:rPr lang="en-US" dirty="0" smtClean="0"/>
+              <a:rPr lang="en-US" smtClean="0"/>
               <a:t>Second level</a:t>
             </a:r>
           </a:p>
           <a:p>
             <a:pPr lvl="2"/>
             <a:r>
-              <a:rPr lang="en-US" dirty="0" smtClean="0"/>
+              <a:rPr lang="en-US" smtClean="0"/>
               <a:t>Third level</a:t>
             </a:r>
           </a:p>
           <a:p>
             <a:pPr lvl="3"/>
             <a:r>
-              <a:rPr lang="en-US" dirty="0" smtClean="0"/>
+              <a:rPr lang="en-US" smtClean="0"/>
               <a:t>Fourth level</a:t>
             </a:r>
           </a:p>
           <a:p>
             <a:pPr lvl="4"/>
             <a:r>
-              <a:rPr lang="en-US" dirty="0" smtClean="0"/>
+              <a:rPr lang="en-US" smtClean="0"/>
               <a:t>Fifth level</a:t>
             </a:r>
             <a:endParaRPr lang="en-US" dirty="0"/>
@@ -2268,7 +3827,7 @@
           <a:p>
             <a:fld id="{34621E95-60A9-FF44-9869-513D9D7A859F}" type="datetime2">
               <a:rPr lang="en-US" smtClean="0"/>
-              <a:t>Monday, September 8, 14</a:t>
+              <a:t>Tuesday, September 9, 14</a:t>
             </a:fld>
             <a:endParaRPr lang="en-US"/>
           </a:p>
@@ -2331,7 +3890,7 @@
 </file>
 
 <file path=ppt/slideLayouts/slideLayout3.xml><?xml version="1.0" encoding="utf-8"?>
-<p:sldLayout xmlns:a="http://schemas.openxmlformats.org/drawingml/2006/main" xmlns:r="http://schemas.openxmlformats.org/officeDocument/2006/relationships" xmlns:p="http://schemas.openxmlformats.org/presentationml/2006/main" preserve="1" userDrawn="1">
+<p:sldLayout xmlns:a="http://schemas.openxmlformats.org/drawingml/2006/main" xmlns:r="http://schemas.openxmlformats.org/officeDocument/2006/relationships" xmlns:p="http://schemas.openxmlformats.org/presentationml/2006/main" preserve="1">
   <p:cSld name="Custom Layout">
     <p:spTree>
       <p:nvGrpSpPr>
@@ -2387,7 +3946,7 @@
           <a:p>
             <a:fld id="{BD5AFB16-13FE-DF4A-8CB7-09756A57B2EA}" type="datetime2">
               <a:rPr lang="en-US" smtClean="0"/>
-              <a:t>Monday, September 8, 14</a:t>
+              <a:t>Tuesday, September 9, 14</a:t>
             </a:fld>
             <a:endParaRPr lang="en-US" dirty="0"/>
           </a:p>
@@ -2453,8 +4012,8 @@
         </p:nvSpPr>
         <p:spPr>
           <a:xfrm>
-            <a:off x="457200" y="909977"/>
-            <a:ext cx="8229600" cy="1118512"/>
+            <a:off x="261865" y="909977"/>
+            <a:ext cx="8615360" cy="1118512"/>
           </a:xfrm>
         </p:spPr>
         <p:txBody>
@@ -2463,35 +4022,35 @@
           <a:p>
             <a:pPr lvl="0"/>
             <a:r>
-              <a:rPr lang="en-US" dirty="0" smtClean="0"/>
+              <a:rPr lang="en-US" smtClean="0"/>
               <a:t>Click to edit Master text styles</a:t>
             </a:r>
           </a:p>
           <a:p>
             <a:pPr lvl="1"/>
             <a:r>
-              <a:rPr lang="en-US" dirty="0" smtClean="0"/>
+              <a:rPr lang="en-US" smtClean="0"/>
               <a:t>Second level</a:t>
             </a:r>
           </a:p>
           <a:p>
             <a:pPr lvl="2"/>
             <a:r>
-              <a:rPr lang="en-US" dirty="0" smtClean="0"/>
+              <a:rPr lang="en-US" smtClean="0"/>
               <a:t>Third level</a:t>
             </a:r>
           </a:p>
           <a:p>
             <a:pPr lvl="3"/>
             <a:r>
-              <a:rPr lang="en-US" dirty="0" smtClean="0"/>
+              <a:rPr lang="en-US" smtClean="0"/>
               <a:t>Fourth level</a:t>
             </a:r>
           </a:p>
           <a:p>
             <a:pPr lvl="4"/>
             <a:r>
-              <a:rPr lang="en-US" dirty="0" smtClean="0"/>
+              <a:rPr lang="en-US" smtClean="0"/>
               <a:t>Fifth level</a:t>
             </a:r>
             <a:endParaRPr lang="en-US" dirty="0"/>
@@ -2510,8 +4069,8 @@
         </p:nvSpPr>
         <p:spPr>
           <a:xfrm>
-            <a:off x="457200" y="2198574"/>
-            <a:ext cx="8229600" cy="1119049"/>
+            <a:off x="261865" y="2198574"/>
+            <a:ext cx="8615360" cy="1119049"/>
           </a:xfrm>
         </p:spPr>
         <p:txBody>
@@ -2520,35 +4079,35 @@
           <a:p>
             <a:pPr lvl="0"/>
             <a:r>
-              <a:rPr lang="en-US" dirty="0" smtClean="0"/>
+              <a:rPr lang="en-US" smtClean="0"/>
               <a:t>Click to edit Master text styles</a:t>
             </a:r>
           </a:p>
           <a:p>
             <a:pPr lvl="1"/>
             <a:r>
-              <a:rPr lang="en-US" dirty="0" smtClean="0"/>
+              <a:rPr lang="en-US" smtClean="0"/>
               <a:t>Second level</a:t>
             </a:r>
           </a:p>
           <a:p>
             <a:pPr lvl="2"/>
             <a:r>
-              <a:rPr lang="en-US" dirty="0" smtClean="0"/>
+              <a:rPr lang="en-US" smtClean="0"/>
               <a:t>Third level</a:t>
             </a:r>
           </a:p>
           <a:p>
             <a:pPr lvl="3"/>
             <a:r>
-              <a:rPr lang="en-US" dirty="0" smtClean="0"/>
+              <a:rPr lang="en-US" smtClean="0"/>
               <a:t>Fourth level</a:t>
             </a:r>
           </a:p>
           <a:p>
             <a:pPr lvl="4"/>
             <a:r>
-              <a:rPr lang="en-US" dirty="0" smtClean="0"/>
+              <a:rPr lang="en-US" smtClean="0"/>
               <a:t>Fifth level</a:t>
             </a:r>
             <a:endParaRPr lang="en-US" dirty="0"/>
@@ -2567,8 +4126,8 @@
         </p:nvSpPr>
         <p:spPr>
           <a:xfrm>
-            <a:off x="457200" y="3583427"/>
-            <a:ext cx="8229600" cy="1136650"/>
+            <a:off x="261865" y="3583427"/>
+            <a:ext cx="8615360" cy="1136650"/>
           </a:xfrm>
         </p:spPr>
         <p:txBody>
@@ -2608,7 +4167,7 @@
               <a:rPr lang="en-US" smtClean="0"/>
               <a:t>Fifth level</a:t>
             </a:r>
-            <a:endParaRPr lang="en-US"/>
+            <a:endParaRPr lang="en-US" dirty="0"/>
           </a:p>
         </p:txBody>
       </p:sp>
@@ -2624,8 +4183,8 @@
         </p:nvSpPr>
         <p:spPr>
           <a:xfrm>
-            <a:off x="457200" y="5043465"/>
-            <a:ext cx="8229600" cy="1136791"/>
+            <a:off x="261865" y="5043465"/>
+            <a:ext cx="8615360" cy="1136791"/>
           </a:xfrm>
         </p:spPr>
         <p:txBody>
@@ -2665,7 +4224,7 @@
               <a:rPr lang="en-US" smtClean="0"/>
               <a:t>Fifth level</a:t>
             </a:r>
-            <a:endParaRPr lang="en-US"/>
+            <a:endParaRPr lang="en-US" dirty="0"/>
           </a:p>
         </p:txBody>
       </p:sp>
@@ -2874,7 +4433,7 @@
           <a:p>
             <a:fld id="{1BDEC705-8EA9-6C46-8E3B-2CAC7E2C0F7D}" type="datetime2">
               <a:rPr lang="en-US" smtClean="0"/>
-              <a:t>Monday, September 8, 14</a:t>
+              <a:t>Tuesday, September 9, 14</a:t>
             </a:fld>
             <a:endParaRPr lang="en-US"/>
           </a:p>
@@ -3004,7 +4563,7 @@
           <a:lstStyle/>
           <a:p>
             <a:r>
-              <a:rPr lang="en-US" dirty="0" smtClean="0"/>
+              <a:rPr lang="en-US" smtClean="0"/>
               <a:t>Click to edit Master title style</a:t>
             </a:r>
             <a:endParaRPr lang="en-US" dirty="0"/>
@@ -3023,8 +4582,8 @@
         </p:nvSpPr>
         <p:spPr>
           <a:xfrm>
-            <a:off x="457200" y="935846"/>
-            <a:ext cx="4038600" cy="5455810"/>
+            <a:off x="261866" y="935846"/>
+            <a:ext cx="4114800" cy="5455810"/>
           </a:xfrm>
         </p:spPr>
         <p:txBody>
@@ -3061,35 +4620,35 @@
           <a:p>
             <a:pPr lvl="0"/>
             <a:r>
-              <a:rPr lang="en-US" dirty="0" smtClean="0"/>
+              <a:rPr lang="en-US" smtClean="0"/>
               <a:t>Click to edit Master text styles</a:t>
             </a:r>
           </a:p>
           <a:p>
             <a:pPr lvl="1"/>
             <a:r>
-              <a:rPr lang="en-US" dirty="0" smtClean="0"/>
+              <a:rPr lang="en-US" smtClean="0"/>
               <a:t>Second level</a:t>
             </a:r>
           </a:p>
           <a:p>
             <a:pPr lvl="2"/>
             <a:r>
-              <a:rPr lang="en-US" dirty="0" smtClean="0"/>
+              <a:rPr lang="en-US" smtClean="0"/>
               <a:t>Third level</a:t>
             </a:r>
           </a:p>
           <a:p>
             <a:pPr lvl="3"/>
             <a:r>
-              <a:rPr lang="en-US" dirty="0" smtClean="0"/>
+              <a:rPr lang="en-US" smtClean="0"/>
               <a:t>Fourth level</a:t>
             </a:r>
           </a:p>
           <a:p>
             <a:pPr lvl="4"/>
             <a:r>
-              <a:rPr lang="en-US" dirty="0" smtClean="0"/>
+              <a:rPr lang="en-US" smtClean="0"/>
               <a:t>Fifth level</a:t>
             </a:r>
             <a:endParaRPr lang="en-US" dirty="0"/>
@@ -3108,8 +4667,8 @@
         </p:nvSpPr>
         <p:spPr>
           <a:xfrm>
-            <a:off x="4648200" y="935846"/>
-            <a:ext cx="4038600" cy="5455810"/>
+            <a:off x="4737099" y="935846"/>
+            <a:ext cx="4140125" cy="5455810"/>
           </a:xfrm>
         </p:spPr>
         <p:txBody>
@@ -3146,35 +4705,35 @@
           <a:p>
             <a:pPr lvl="0"/>
             <a:r>
-              <a:rPr lang="en-US" dirty="0" smtClean="0"/>
+              <a:rPr lang="en-US" smtClean="0"/>
               <a:t>Click to edit Master text styles</a:t>
             </a:r>
           </a:p>
           <a:p>
             <a:pPr lvl="1"/>
             <a:r>
-              <a:rPr lang="en-US" dirty="0" smtClean="0"/>
+              <a:rPr lang="en-US" smtClean="0"/>
               <a:t>Second level</a:t>
             </a:r>
           </a:p>
           <a:p>
             <a:pPr lvl="2"/>
             <a:r>
-              <a:rPr lang="en-US" dirty="0" smtClean="0"/>
+              <a:rPr lang="en-US" smtClean="0"/>
               <a:t>Third level</a:t>
             </a:r>
           </a:p>
           <a:p>
             <a:pPr lvl="3"/>
             <a:r>
-              <a:rPr lang="en-US" dirty="0" smtClean="0"/>
+              <a:rPr lang="en-US" smtClean="0"/>
               <a:t>Fourth level</a:t>
             </a:r>
           </a:p>
           <a:p>
             <a:pPr lvl="4"/>
             <a:r>
-              <a:rPr lang="en-US" dirty="0" smtClean="0"/>
+              <a:rPr lang="en-US" smtClean="0"/>
               <a:t>Fifth level</a:t>
             </a:r>
             <a:endParaRPr lang="en-US" dirty="0"/>
@@ -3205,7 +4764,7 @@
           <a:p>
             <a:fld id="{BF613BD3-C5FD-9543-B738-679BF38D8C83}" type="datetime2">
               <a:rPr lang="en-US" smtClean="0"/>
-              <a:t>Monday, September 8, 14</a:t>
+              <a:t>Tuesday, September 9, 14</a:t>
             </a:fld>
             <a:endParaRPr lang="en-US" dirty="0"/>
           </a:p>
@@ -3330,8 +4889,8 @@
         </p:nvSpPr>
         <p:spPr>
           <a:xfrm>
-            <a:off x="457200" y="1676400"/>
-            <a:ext cx="3931920" cy="639762"/>
+            <a:off x="261865" y="914400"/>
+            <a:ext cx="4114800" cy="639762"/>
           </a:xfrm>
           <a:noFill/>
           <a:ln>
@@ -3418,8 +4977,8 @@
         </p:nvSpPr>
         <p:spPr>
           <a:xfrm>
-            <a:off x="457200" y="2438400"/>
-            <a:ext cx="3931920" cy="3951288"/>
+            <a:off x="261865" y="1714500"/>
+            <a:ext cx="4114800" cy="4675188"/>
           </a:xfrm>
         </p:spPr>
         <p:txBody>
@@ -3503,8 +5062,8 @@
         </p:nvSpPr>
         <p:spPr>
           <a:xfrm>
-            <a:off x="4754880" y="1676400"/>
-            <a:ext cx="3931920" cy="639762"/>
+            <a:off x="4737100" y="914400"/>
+            <a:ext cx="4140125" cy="639762"/>
           </a:xfrm>
           <a:noFill/>
           <a:ln>
@@ -3594,8 +5153,8 @@
         </p:nvSpPr>
         <p:spPr>
           <a:xfrm>
-            <a:off x="4754880" y="2438400"/>
-            <a:ext cx="3931920" cy="3951288"/>
+            <a:off x="4737100" y="1714500"/>
+            <a:ext cx="4140125" cy="4675188"/>
           </a:xfrm>
         </p:spPr>
         <p:txBody>
@@ -3684,7 +5243,7 @@
           <a:p>
             <a:fld id="{4B5E4F0C-9A9C-5448-99FD-D30288B385C9}" type="datetime2">
               <a:rPr lang="en-US" smtClean="0"/>
-              <a:t>Monday, September 8, 14</a:t>
+              <a:t>Tuesday, September 9, 14</a:t>
             </a:fld>
             <a:endParaRPr lang="en-US"/>
           </a:p>
@@ -3747,7 +5306,7 @@
 </file>
 
 <file path=ppt/slideLayouts/slideLayout7.xml><?xml version="1.0" encoding="utf-8"?>
-<p:sldLayout xmlns:a="http://schemas.openxmlformats.org/drawingml/2006/main" xmlns:r="http://schemas.openxmlformats.org/officeDocument/2006/relationships" xmlns:p="http://schemas.openxmlformats.org/presentationml/2006/main" preserve="1" userDrawn="1">
+<p:sldLayout xmlns:a="http://schemas.openxmlformats.org/drawingml/2006/main" xmlns:r="http://schemas.openxmlformats.org/officeDocument/2006/relationships" xmlns:p="http://schemas.openxmlformats.org/presentationml/2006/main" preserve="1">
   <p:cSld name="1_Two Content">
     <p:spTree>
       <p:nvGrpSpPr>
@@ -3779,7 +5338,7 @@
           <a:lstStyle/>
           <a:p>
             <a:r>
-              <a:rPr lang="en-US" dirty="0" smtClean="0"/>
+              <a:rPr lang="en-US" smtClean="0"/>
               <a:t>Click to edit Master title style</a:t>
             </a:r>
             <a:endParaRPr lang="en-US" dirty="0"/>
@@ -3798,8 +5357,8 @@
         </p:nvSpPr>
         <p:spPr>
           <a:xfrm>
-            <a:off x="457200" y="935846"/>
-            <a:ext cx="4038600" cy="3140187"/>
+            <a:off x="261866" y="935846"/>
+            <a:ext cx="4114800" cy="3140187"/>
           </a:xfrm>
         </p:spPr>
         <p:txBody>
@@ -3836,35 +5395,35 @@
           <a:p>
             <a:pPr lvl="0"/>
             <a:r>
-              <a:rPr lang="en-US" dirty="0" smtClean="0"/>
+              <a:rPr lang="en-US" smtClean="0"/>
               <a:t>Click to edit Master text styles</a:t>
             </a:r>
           </a:p>
           <a:p>
             <a:pPr lvl="1"/>
             <a:r>
-              <a:rPr lang="en-US" dirty="0" smtClean="0"/>
+              <a:rPr lang="en-US" smtClean="0"/>
               <a:t>Second level</a:t>
             </a:r>
           </a:p>
           <a:p>
             <a:pPr lvl="2"/>
             <a:r>
-              <a:rPr lang="en-US" dirty="0" smtClean="0"/>
+              <a:rPr lang="en-US" smtClean="0"/>
               <a:t>Third level</a:t>
             </a:r>
           </a:p>
           <a:p>
             <a:pPr lvl="3"/>
             <a:r>
-              <a:rPr lang="en-US" dirty="0" smtClean="0"/>
+              <a:rPr lang="en-US" smtClean="0"/>
               <a:t>Fourth level</a:t>
             </a:r>
           </a:p>
           <a:p>
             <a:pPr lvl="4"/>
             <a:r>
-              <a:rPr lang="en-US" dirty="0" smtClean="0"/>
+              <a:rPr lang="en-US" smtClean="0"/>
               <a:t>Fifth level</a:t>
             </a:r>
             <a:endParaRPr lang="en-US" dirty="0"/>
@@ -3883,8 +5442,8 @@
         </p:nvSpPr>
         <p:spPr>
           <a:xfrm>
-            <a:off x="4648200" y="935846"/>
-            <a:ext cx="4038600" cy="3140187"/>
+            <a:off x="4737100" y="935846"/>
+            <a:ext cx="4140124" cy="3140187"/>
           </a:xfrm>
         </p:spPr>
         <p:txBody>
@@ -3921,35 +5480,35 @@
           <a:p>
             <a:pPr lvl="0"/>
             <a:r>
-              <a:rPr lang="en-US" dirty="0" smtClean="0"/>
+              <a:rPr lang="en-US" smtClean="0"/>
               <a:t>Click to edit Master text styles</a:t>
             </a:r>
           </a:p>
           <a:p>
             <a:pPr lvl="1"/>
             <a:r>
-              <a:rPr lang="en-US" dirty="0" smtClean="0"/>
+              <a:rPr lang="en-US" smtClean="0"/>
               <a:t>Second level</a:t>
             </a:r>
           </a:p>
           <a:p>
             <a:pPr lvl="2"/>
             <a:r>
-              <a:rPr lang="en-US" dirty="0" smtClean="0"/>
+              <a:rPr lang="en-US" smtClean="0"/>
               <a:t>Third level</a:t>
             </a:r>
           </a:p>
           <a:p>
             <a:pPr lvl="3"/>
             <a:r>
-              <a:rPr lang="en-US" dirty="0" smtClean="0"/>
+              <a:rPr lang="en-US" smtClean="0"/>
               <a:t>Fourth level</a:t>
             </a:r>
           </a:p>
           <a:p>
             <a:pPr lvl="4"/>
             <a:r>
-              <a:rPr lang="en-US" dirty="0" smtClean="0"/>
+              <a:rPr lang="en-US" smtClean="0"/>
               <a:t>Fifth level</a:t>
             </a:r>
             <a:endParaRPr lang="en-US" dirty="0"/>
@@ -3980,7 +5539,7 @@
           <a:p>
             <a:fld id="{30545249-FD76-6844-B252-CAB05FC2DAA8}" type="datetime2">
               <a:rPr lang="en-US" smtClean="0"/>
-              <a:t>Monday, September 8, 14</a:t>
+              <a:t>Tuesday, September 9, 14</a:t>
             </a:fld>
             <a:endParaRPr lang="en-US" dirty="0"/>
           </a:p>
@@ -4053,8 +5612,8 @@
         </p:nvSpPr>
         <p:spPr>
           <a:xfrm>
-            <a:off x="457200" y="4829213"/>
-            <a:ext cx="8229600" cy="1550950"/>
+            <a:off x="261865" y="4829213"/>
+            <a:ext cx="8615360" cy="1550950"/>
           </a:xfrm>
           <a:solidFill>
             <a:schemeClr val="tx2">
@@ -4074,35 +5633,35 @@
           <a:p>
             <a:pPr lvl="0"/>
             <a:r>
-              <a:rPr lang="en-US" dirty="0" smtClean="0"/>
+              <a:rPr lang="en-US" smtClean="0"/>
               <a:t>Click to edit Master text styles</a:t>
             </a:r>
           </a:p>
           <a:p>
             <a:pPr lvl="1"/>
             <a:r>
-              <a:rPr lang="en-US" dirty="0" smtClean="0"/>
+              <a:rPr lang="en-US" smtClean="0"/>
               <a:t>Second level</a:t>
             </a:r>
           </a:p>
           <a:p>
             <a:pPr lvl="2"/>
             <a:r>
-              <a:rPr lang="en-US" dirty="0" smtClean="0"/>
+              <a:rPr lang="en-US" smtClean="0"/>
               <a:t>Third level</a:t>
             </a:r>
           </a:p>
           <a:p>
             <a:pPr lvl="3"/>
             <a:r>
-              <a:rPr lang="en-US" dirty="0" smtClean="0"/>
+              <a:rPr lang="en-US" smtClean="0"/>
               <a:t>Fourth level</a:t>
             </a:r>
           </a:p>
           <a:p>
             <a:pPr lvl="4"/>
             <a:r>
-              <a:rPr lang="en-US" dirty="0" smtClean="0"/>
+              <a:rPr lang="en-US" smtClean="0"/>
               <a:t>Fifth level</a:t>
             </a:r>
             <a:endParaRPr lang="en-US" dirty="0"/>
@@ -4121,8 +5680,8 @@
         </p:nvSpPr>
         <p:spPr>
           <a:xfrm>
-            <a:off x="457200" y="4238625"/>
-            <a:ext cx="8229600" cy="590550"/>
+            <a:off x="261865" y="4238625"/>
+            <a:ext cx="8615359" cy="590550"/>
           </a:xfrm>
           <a:solidFill>
             <a:schemeClr val="tx2">
@@ -4147,10 +5706,9 @@
           <a:p>
             <a:pPr lvl="0"/>
             <a:r>
-              <a:rPr lang="en-US" dirty="0" smtClean="0"/>
+              <a:rPr lang="en-US" smtClean="0"/>
               <a:t>Click to edit Master text styles</a:t>
             </a:r>
-            <a:endParaRPr lang="en-US" dirty="0"/>
           </a:p>
         </p:txBody>
       </p:sp>
@@ -4224,7 +5782,7 @@
           <a:p>
             <a:fld id="{CC859171-EEDD-0B48-A5C0-E7218AE20EA7}" type="datetime2">
               <a:rPr lang="en-US" smtClean="0"/>
-              <a:t>Monday, September 8, 14</a:t>
+              <a:t>Tuesday, September 9, 14</a:t>
             </a:fld>
             <a:endParaRPr lang="en-US"/>
           </a:p>
@@ -4320,7 +5878,7 @@
           <a:p>
             <a:fld id="{C32F9216-0342-7440-9504-BD6C1382BF27}" type="datetime2">
               <a:rPr lang="en-US" smtClean="0"/>
-              <a:t>Monday, September 8, 14</a:t>
+              <a:t>Tuesday, September 9, 14</a:t>
             </a:fld>
             <a:endParaRPr lang="en-US"/>
           </a:p>
@@ -4412,7 +5970,7 @@
         </p:nvSpPr>
         <p:spPr>
           <a:xfrm>
-            <a:off x="0" y="6506351"/>
+            <a:off x="0" y="6469775"/>
             <a:ext cx="9144000" cy="365760"/>
           </a:xfrm>
           <a:prstGeom prst="rect">
@@ -4457,18 +6015,62 @@
       </p:sp>
       <p:sp>
         <p:nvSpPr>
-          <p:cNvPr id="2" name="Title Placeholder 1"/>
-          <p:cNvSpPr>
-            <a:spLocks noGrp="1"/>
-          </p:cNvSpPr>
-          <p:nvPr>
-            <p:ph type="title"/>
+          <p:cNvPr id="5" name="Footer Placeholder 4"/>
+          <p:cNvSpPr>
+            <a:spLocks noGrp="1"/>
+          </p:cNvSpPr>
+          <p:nvPr>
+            <p:ph type="ftr" sz="quarter" idx="3"/>
           </p:nvPr>
         </p:nvSpPr>
         <p:spPr>
           <a:xfrm>
-            <a:off x="0" y="0"/>
-            <a:ext cx="9144000" cy="678666"/>
+            <a:off x="261865" y="6501045"/>
+            <a:ext cx="4114800" cy="329184"/>
+          </a:xfrm>
+          <a:prstGeom prst="rect">
+            <a:avLst/>
+          </a:prstGeom>
+          <a:solidFill>
+            <a:srgbClr val="A53926"/>
+          </a:solidFill>
+        </p:spPr>
+        <p:txBody>
+          <a:bodyPr vert="horz" lIns="91440" tIns="45720" rIns="91440" bIns="45720" rtlCol="0" anchor="ctr"/>
+          <a:lstStyle>
+            <a:lvl1pPr algn="ctr">
+              <a:defRPr sz="1200" b="1">
+                <a:solidFill>
+                  <a:srgbClr val="FFFFFF"/>
+                </a:solidFill>
+                <a:latin typeface="Times New Roman"/>
+                <a:cs typeface="Times New Roman"/>
+              </a:defRPr>
+            </a:lvl1pPr>
+          </a:lstStyle>
+          <a:p>
+            <a:r>
+              <a:rPr lang="en-US" smtClean="0"/>
+              <a:t>Sanjay Kalé and PPL (UIUC) – Parallel Migratable Objects </a:t>
+            </a:r>
+            <a:endParaRPr lang="en-US" dirty="0"/>
+          </a:p>
+        </p:txBody>
+      </p:sp>
+      <p:sp>
+        <p:nvSpPr>
+          <p:cNvPr id="2" name="Title Placeholder 1"/>
+          <p:cNvSpPr>
+            <a:spLocks noGrp="1"/>
+          </p:cNvSpPr>
+          <p:nvPr>
+            <p:ph type="title"/>
+          </p:nvPr>
+        </p:nvSpPr>
+        <p:spPr>
+          <a:xfrm>
+            <a:off x="0" y="-1"/>
+            <a:ext cx="9144000" cy="741859"/>
           </a:xfrm>
           <a:prstGeom prst="rect">
             <a:avLst/>
@@ -4487,7 +6089,7 @@
           <a:lstStyle/>
           <a:p>
             <a:r>
-              <a:rPr lang="en-US" dirty="0" smtClean="0"/>
+              <a:rPr lang="en-US" smtClean="0"/>
               <a:t>Click to edit Master title style</a:t>
             </a:r>
             <a:endParaRPr lang="en-US" dirty="0"/>
@@ -4506,50 +6108,50 @@
         </p:nvSpPr>
         <p:spPr>
           <a:xfrm>
-            <a:off x="457200" y="1143000"/>
-            <a:ext cx="8229600" cy="5235222"/>
+            <a:off x="261865" y="942770"/>
+            <a:ext cx="8615360" cy="5435452"/>
           </a:xfrm>
           <a:prstGeom prst="rect">
             <a:avLst/>
           </a:prstGeom>
         </p:spPr>
         <p:txBody>
-          <a:bodyPr vert="horz" lIns="91440" tIns="45720" rIns="91440" bIns="45720" rtlCol="0">
+          <a:bodyPr vert="horz" lIns="91440" tIns="45720" rIns="91440" bIns="45720" rtlCol="0" anchor="ctr">
             <a:normAutofit/>
           </a:bodyPr>
           <a:lstStyle/>
           <a:p>
             <a:pPr lvl="0"/>
             <a:r>
-              <a:rPr lang="en-US" dirty="0" smtClean="0"/>
+              <a:rPr lang="en-US" smtClean="0"/>
               <a:t>Click to edit Master text styles</a:t>
             </a:r>
           </a:p>
           <a:p>
             <a:pPr lvl="1"/>
             <a:r>
-              <a:rPr lang="en-US" dirty="0" smtClean="0"/>
+              <a:rPr lang="en-US" smtClean="0"/>
               <a:t>Second level</a:t>
             </a:r>
           </a:p>
           <a:p>
             <a:pPr lvl="2"/>
             <a:r>
-              <a:rPr lang="en-US" dirty="0" smtClean="0"/>
+              <a:rPr lang="en-US" smtClean="0"/>
               <a:t>Third level</a:t>
             </a:r>
           </a:p>
           <a:p>
             <a:pPr lvl="3"/>
             <a:r>
-              <a:rPr lang="en-US" dirty="0" smtClean="0"/>
+              <a:rPr lang="en-US" smtClean="0"/>
               <a:t>Fourth level</a:t>
             </a:r>
           </a:p>
           <a:p>
             <a:pPr lvl="4"/>
             <a:r>
-              <a:rPr lang="en-US" dirty="0" smtClean="0"/>
+              <a:rPr lang="en-US" smtClean="0"/>
               <a:t>Fifth level</a:t>
             </a:r>
             <a:endParaRPr lang="en-US" dirty="0"/>
@@ -4568,8 +6170,8 @@
         </p:nvSpPr>
         <p:spPr>
           <a:xfrm>
-            <a:off x="457200" y="6506351"/>
-            <a:ext cx="2895600" cy="329184"/>
+            <a:off x="4737100" y="6501045"/>
+            <a:ext cx="2726982" cy="329184"/>
           </a:xfrm>
           <a:prstGeom prst="rect">
             <a:avLst/>
@@ -4591,7 +6193,7 @@
           <a:p>
             <a:fld id="{D36DC8F2-AD63-E841-8C23-5DC3A41041BE}" type="datetime2">
               <a:rPr lang="en-US" smtClean="0"/>
-              <a:t>Monday, September 8, 14</a:t>
+              <a:t>Tuesday, September 9, 14</a:t>
             </a:fld>
             <a:endParaRPr lang="en-US" dirty="0"/>
           </a:p>
@@ -4599,62 +6201,18 @@
       </p:sp>
       <p:sp>
         <p:nvSpPr>
-          <p:cNvPr id="5" name="Footer Placeholder 4"/>
-          <p:cNvSpPr>
-            <a:spLocks noGrp="1"/>
-          </p:cNvSpPr>
-          <p:nvPr>
-            <p:ph type="ftr" sz="quarter" idx="3"/>
+          <p:cNvPr id="6" name="Slide Number Placeholder 5"/>
+          <p:cNvSpPr>
+            <a:spLocks noGrp="1"/>
+          </p:cNvSpPr>
+          <p:nvPr>
+            <p:ph type="sldNum" sz="quarter" idx="4"/>
           </p:nvPr>
         </p:nvSpPr>
         <p:spPr>
           <a:xfrm>
-            <a:off x="3429000" y="6501045"/>
-            <a:ext cx="4114800" cy="329184"/>
-          </a:xfrm>
-          <a:prstGeom prst="rect">
-            <a:avLst/>
-          </a:prstGeom>
-          <a:solidFill>
-            <a:srgbClr val="A53926"/>
-          </a:solidFill>
-        </p:spPr>
-        <p:txBody>
-          <a:bodyPr vert="horz" lIns="91440" tIns="45720" rIns="91440" bIns="45720" rtlCol="0" anchor="ctr"/>
-          <a:lstStyle>
-            <a:lvl1pPr algn="ctr">
-              <a:defRPr sz="1200" b="1">
-                <a:solidFill>
-                  <a:srgbClr val="FFFFFF"/>
-                </a:solidFill>
-                <a:latin typeface="Times New Roman"/>
-                <a:cs typeface="Times New Roman"/>
-              </a:defRPr>
-            </a:lvl1pPr>
-          </a:lstStyle>
-          <a:p>
-            <a:r>
-              <a:rPr lang="en-US" smtClean="0"/>
-              <a:t>Sanjay Kalé and PPL (UIUC) – Parallel Migratable Objects </a:t>
-            </a:r>
-            <a:endParaRPr lang="en-US" dirty="0"/>
-          </a:p>
-        </p:txBody>
-      </p:sp>
-      <p:sp>
-        <p:nvSpPr>
-          <p:cNvPr id="6" name="Slide Number Placeholder 5"/>
-          <p:cNvSpPr>
-            <a:spLocks noGrp="1"/>
-          </p:cNvSpPr>
-          <p:nvPr>
-            <p:ph type="sldNum" sz="quarter" idx="4"/>
-          </p:nvPr>
-        </p:nvSpPr>
-        <p:spPr>
-          <a:xfrm>
-            <a:off x="7620000" y="6506351"/>
-            <a:ext cx="1066800" cy="329184"/>
+            <a:off x="7646459" y="6506351"/>
+            <a:ext cx="1230766" cy="329184"/>
           </a:xfrm>
           <a:prstGeom prst="rect">
             <a:avLst/>
@@ -4687,19 +6245,22 @@
   </p:cSld>
   <p:clrMap bg1="lt1" tx1="dk1" bg2="lt2" tx2="dk2" accent1="accent1" accent2="accent2" accent3="accent3" accent4="accent4" accent5="accent5" accent6="accent6" hlink="hlink" folHlink="folHlink"/>
   <p:sldLayoutIdLst>
-    <p:sldLayoutId id="2147483961" r:id="rId1"/>
-    <p:sldLayoutId id="2147483962" r:id="rId2"/>
-    <p:sldLayoutId id="2147483973" r:id="rId3"/>
-    <p:sldLayoutId id="2147483963" r:id="rId4"/>
-    <p:sldLayoutId id="2147483964" r:id="rId5"/>
-    <p:sldLayoutId id="2147483965" r:id="rId6"/>
-    <p:sldLayoutId id="2147483972" r:id="rId7"/>
-    <p:sldLayoutId id="2147483966" r:id="rId8"/>
-    <p:sldLayoutId id="2147483967" r:id="rId9"/>
-    <p:sldLayoutId id="2147483968" r:id="rId10"/>
-    <p:sldLayoutId id="2147483969" r:id="rId11"/>
-    <p:sldLayoutId id="2147483970" r:id="rId12"/>
-    <p:sldLayoutId id="2147483971" r:id="rId13"/>
+    <p:sldLayoutId id="2147483975" r:id="rId1"/>
+    <p:sldLayoutId id="2147483976" r:id="rId2"/>
+    <p:sldLayoutId id="2147483977" r:id="rId3"/>
+    <p:sldLayoutId id="2147483978" r:id="rId4"/>
+    <p:sldLayoutId id="2147483979" r:id="rId5"/>
+    <p:sldLayoutId id="2147483980" r:id="rId6"/>
+    <p:sldLayoutId id="2147483981" r:id="rId7"/>
+    <p:sldLayoutId id="2147483982" r:id="rId8"/>
+    <p:sldLayoutId id="2147483983" r:id="rId9"/>
+    <p:sldLayoutId id="2147483984" r:id="rId10"/>
+    <p:sldLayoutId id="2147483985" r:id="rId11"/>
+    <p:sldLayoutId id="2147483986" r:id="rId12"/>
+    <p:sldLayoutId id="2147483987" r:id="rId13"/>
+    <p:sldLayoutId id="2147483961" r:id="rId14"/>
+    <p:sldLayoutId id="2147483973" r:id="rId15"/>
+    <p:sldLayoutId id="2147483972" r:id="rId16"/>
   </p:sldLayoutIdLst>
   <p:hf hdr="0"/>
   <p:txStyles>
@@ -5016,7 +6577,7 @@
         <p:spPr/>
         <p:txBody>
           <a:bodyPr>
-            <a:normAutofit fontScale="90000"/>
+            <a:normAutofit/>
           </a:bodyPr>
           <a:lstStyle/>
           <a:p>
@@ -5310,7 +6871,7 @@
           <a:p>
             <a:fld id="{8ADAB7C0-00B4-3F4D-A690-E12D330195D4}" type="datetime2">
               <a:rPr lang="en-US" smtClean="0"/>
-              <a:t>Monday, September 8, 14</a:t>
+              <a:t>Tuesday, September 9, 14</a:t>
             </a:fld>
             <a:endParaRPr lang="en-US"/>
           </a:p>
@@ -5489,7 +7050,7 @@
         <p:spPr/>
         <p:txBody>
           <a:bodyPr>
-            <a:normAutofit fontScale="90000"/>
+            <a:normAutofit/>
           </a:bodyPr>
           <a:lstStyle/>
           <a:p>
@@ -5523,7 +7084,7 @@
               </a:ext>
             </a:extLst>
           </a:blip>
-          <a:srcRect l="-6340" r="-6340"/>
+          <a:srcRect l="-6808" r="-6808"/>
           <a:stretch>
             <a:fillRect/>
           </a:stretch>
@@ -5547,7 +7108,7 @@
           <a:p>
             <a:fld id="{34621E95-60A9-FF44-9869-513D9D7A859F}" type="datetime2">
               <a:rPr lang="en-US" smtClean="0"/>
-              <a:t>Monday, September 8, 14</a:t>
+              <a:t>Tuesday, September 9, 14</a:t>
             </a:fld>
             <a:endParaRPr lang="en-US"/>
           </a:p>
@@ -5644,7 +7205,7 @@
         <p:spPr/>
         <p:txBody>
           <a:bodyPr>
-            <a:normAutofit fontScale="90000"/>
+            <a:normAutofit/>
           </a:bodyPr>
           <a:lstStyle/>
           <a:p>
@@ -5677,7 +7238,7 @@
               </a:ext>
             </a:extLst>
           </a:blip>
-          <a:srcRect l="-4894" r="-4894"/>
+          <a:srcRect l="-5350" r="-5350"/>
           <a:stretch>
             <a:fillRect/>
           </a:stretch>
@@ -5701,7 +7262,7 @@
           <a:p>
             <a:fld id="{34621E95-60A9-FF44-9869-513D9D7A859F}" type="datetime2">
               <a:rPr lang="en-US" smtClean="0"/>
-              <a:t>Monday, September 8, 14</a:t>
+              <a:t>Tuesday, September 9, 14</a:t>
             </a:fld>
             <a:endParaRPr lang="en-US"/>
           </a:p>
@@ -5798,7 +7359,7 @@
         <p:spPr/>
         <p:txBody>
           <a:bodyPr>
-            <a:normAutofit fontScale="90000"/>
+            <a:normAutofit/>
           </a:bodyPr>
           <a:lstStyle/>
           <a:p>
@@ -5830,7 +7391,7 @@
           <a:p>
             <a:fld id="{BD5AFB16-13FE-DF4A-8CB7-09756A57B2EA}" type="datetime2">
               <a:rPr lang="en-US" smtClean="0"/>
-              <a:t>Monday, September 8, 14</a:t>
+              <a:t>Tuesday, September 9, 14</a:t>
             </a:fld>
             <a:endParaRPr lang="en-US" dirty="0"/>
           </a:p>
@@ -5918,7 +7479,7 @@
             <a:picLocks noGrp="1" noChangeAspect="1"/>
           </p:cNvPicPr>
           <p:nvPr>
-            <p:ph sz="quarter" idx="15"/>
+            <p:ph sz="quarter" idx="14"/>
           </p:nvPr>
         </p:nvPicPr>
         <p:blipFill rotWithShape="1">
@@ -5946,7 +7507,7 @@
             <a:spLocks noGrp="1"/>
           </p:cNvSpPr>
           <p:nvPr>
-            <p:ph sz="quarter" idx="16"/>
+            <p:ph sz="quarter" idx="15"/>
           </p:nvPr>
         </p:nvSpPr>
         <p:spPr>
@@ -6020,7 +7581,7 @@
         <p:spPr/>
         <p:txBody>
           <a:bodyPr>
-            <a:normAutofit fontScale="90000"/>
+            <a:normAutofit/>
           </a:bodyPr>
           <a:lstStyle/>
           <a:p>
@@ -6045,12 +7606,7 @@
             <p:ph type="body" idx="1"/>
           </p:nvPr>
         </p:nvSpPr>
-        <p:spPr>
-          <a:xfrm>
-            <a:off x="457200" y="1676400"/>
-            <a:ext cx="5305424" cy="639762"/>
-          </a:xfrm>
-        </p:spPr>
+        <p:spPr/>
         <p:txBody>
           <a:bodyPr/>
           <a:lstStyle/>
@@ -6080,17 +7636,12 @@
               </a:ext>
             </a:extLst>
           </a:blip>
-          <a:srcRect t="2184" b="2184"/>
+          <a:srcRect t="-22947" b="-22947"/>
           <a:stretch>
             <a:fillRect/>
           </a:stretch>
         </p:blipFill>
-        <p:spPr>
-          <a:xfrm>
-            <a:off x="457200" y="2438400"/>
-            <a:ext cx="5305425" cy="3951288"/>
-          </a:xfrm>
-        </p:spPr>
+        <p:spPr/>
       </p:pic>
       <p:sp>
         <p:nvSpPr>
@@ -6102,12 +7653,7 @@
             <p:ph type="body" sz="quarter" idx="3"/>
           </p:nvPr>
         </p:nvSpPr>
-        <p:spPr>
-          <a:xfrm>
-            <a:off x="5873750" y="1676400"/>
-            <a:ext cx="2813050" cy="639762"/>
-          </a:xfrm>
-        </p:spPr>
+        <p:spPr/>
         <p:txBody>
           <a:bodyPr/>
           <a:lstStyle/>
@@ -6130,12 +7676,7 @@
             <p:ph sz="quarter" idx="4"/>
           </p:nvPr>
         </p:nvSpPr>
-        <p:spPr>
-          <a:xfrm>
-            <a:off x="5873750" y="2438400"/>
-            <a:ext cx="2813050" cy="3951288"/>
-          </a:xfrm>
-        </p:spPr>
+        <p:spPr/>
         <p:txBody>
           <a:bodyPr/>
           <a:lstStyle/>
@@ -6164,7 +7705,7 @@
           <a:p>
             <a:fld id="{4B5E4F0C-9A9C-5448-99FD-D30288B385C9}" type="datetime2">
               <a:rPr lang="en-US" smtClean="0"/>
-              <a:t>Monday, September 8, 14</a:t>
+              <a:t>Tuesday, September 9, 14</a:t>
             </a:fld>
             <a:endParaRPr lang="en-US"/>
           </a:p>
@@ -6261,7 +7802,7 @@
         <p:spPr/>
         <p:txBody>
           <a:bodyPr>
-            <a:normAutofit fontScale="90000"/>
+            <a:normAutofit/>
           </a:bodyPr>
           <a:lstStyle/>
           <a:p>
@@ -6349,7 +7890,7 @@
           <a:p>
             <a:fld id="{34621E95-60A9-FF44-9869-513D9D7A859F}" type="datetime2">
               <a:rPr lang="en-US" smtClean="0"/>
-              <a:t>Monday, September 8, 14</a:t>
+              <a:t>Tuesday, September 9, 14</a:t>
             </a:fld>
             <a:endParaRPr lang="en-US"/>
           </a:p>
@@ -6476,7 +8017,7 @@
         <p:spPr/>
         <p:txBody>
           <a:bodyPr>
-            <a:normAutofit fontScale="90000"/>
+            <a:normAutofit/>
           </a:bodyPr>
           <a:lstStyle/>
           <a:p>
@@ -6504,7 +8045,7 @@
           <a:p>
             <a:fld id="{CC859171-EEDD-0B48-A5C0-E7218AE20EA7}" type="datetime2">
               <a:rPr lang="en-US" smtClean="0"/>
-              <a:t>Monday, September 8, 14</a:t>
+              <a:t>Tuesday, September 9, 14</a:t>
             </a:fld>
             <a:endParaRPr lang="en-US"/>
           </a:p>
@@ -6631,7 +8172,7 @@
         <p:spPr/>
         <p:txBody>
           <a:bodyPr>
-            <a:normAutofit fontScale="90000"/>
+            <a:normAutofit/>
           </a:bodyPr>
           <a:lstStyle/>
           <a:p>
@@ -6850,7 +8391,7 @@
           <a:p>
             <a:fld id="{34621E95-60A9-FF44-9869-513D9D7A859F}" type="datetime2">
               <a:rPr lang="en-US" smtClean="0"/>
-              <a:t>Monday, September 8, 14</a:t>
+              <a:t>Tuesday, September 9, 14</a:t>
             </a:fld>
             <a:endParaRPr lang="en-US"/>
           </a:p>
@@ -6913,20 +8454,20 @@
           <p:nvPr>
             <p:extLst>
               <p:ext uri="{D42A27DB-BD31-4B8C-83A1-F6EECF244321}">
-                <p14:modId xmlns:p14="http://schemas.microsoft.com/office/powerpoint/2010/main" val="772407230"/>
+                <p14:modId xmlns:p14="http://schemas.microsoft.com/office/powerpoint/2010/main" val="3463615058"/>
               </p:ext>
             </p:extLst>
           </p:nvPr>
         </p:nvGraphicFramePr>
         <p:xfrm>
-          <a:off x="3270250" y="3110852"/>
+          <a:off x="3047225" y="3326752"/>
           <a:ext cx="165100" cy="431800"/>
         </p:xfrm>
         <a:graphic>
           <a:graphicData uri="http://schemas.openxmlformats.org/presentationml/2006/ole">
             <mc:AlternateContent xmlns:mc="http://schemas.openxmlformats.org/markup-compatibility/2006">
               <mc:Choice xmlns:v="urn:schemas-microsoft-com:vml" Requires="v">
-                <p:oleObj spid="_x0000_s3124" name="Equation" r:id="rId3" imgW="165100" imgH="431800" progId="Equation.3">
+                <p:oleObj spid="_x0000_s3127" name="Equation" r:id="rId3" imgW="165100" imgH="431800" progId="Equation.3">
                   <p:embed/>
                 </p:oleObj>
               </mc:Choice>
@@ -6947,7 +8488,7 @@
                     </p:blipFill>
                     <p:spPr>
                       <a:xfrm>
-                        <a:off x="3270250" y="3110852"/>
+                        <a:off x="3047225" y="3326752"/>
                         <a:ext cx="165100" cy="431800"/>
                       </a:xfrm>
                       <a:prstGeom prst="rect">
@@ -7004,7 +8545,7 @@
         <p:spPr/>
         <p:txBody>
           <a:bodyPr>
-            <a:normAutofit fontScale="90000"/>
+            <a:normAutofit/>
           </a:bodyPr>
           <a:lstStyle/>
           <a:p>
@@ -7032,7 +8573,7 @@
           <a:p>
             <a:fld id="{BD5AFB16-13FE-DF4A-8CB7-09756A57B2EA}" type="datetime2">
               <a:rPr lang="en-US" smtClean="0"/>
-              <a:t>Monday, September 8, 14</a:t>
+              <a:t>Tuesday, September 9, 14</a:t>
             </a:fld>
             <a:endParaRPr lang="en-US" dirty="0"/>
           </a:p>
@@ -7149,7 +8690,7 @@
             <a:picLocks noGrp="1" noChangeAspect="1"/>
           </p:cNvPicPr>
           <p:nvPr>
-            <p:ph sz="quarter" idx="15"/>
+            <p:ph sz="quarter" idx="14"/>
           </p:nvPr>
         </p:nvPicPr>
         <p:blipFill rotWithShape="1">
@@ -7177,7 +8718,7 @@
             <a:spLocks noGrp="1"/>
           </p:cNvSpPr>
           <p:nvPr>
-            <p:ph sz="quarter" idx="16"/>
+            <p:ph sz="quarter" idx="15"/>
           </p:nvPr>
         </p:nvSpPr>
         <p:spPr>
@@ -7274,7 +8815,7 @@
         <p:spPr/>
         <p:txBody>
           <a:bodyPr>
-            <a:normAutofit fontScale="90000"/>
+            <a:normAutofit/>
           </a:bodyPr>
           <a:lstStyle/>
           <a:p>
@@ -7409,7 +8950,7 @@
           <a:p>
             <a:fld id="{34621E95-60A9-FF44-9869-513D9D7A859F}" type="datetime2">
               <a:rPr lang="en-US" smtClean="0"/>
-              <a:t>Monday, September 8, 14</a:t>
+              <a:t>Tuesday, September 9, 14</a:t>
             </a:fld>
             <a:endParaRPr lang="en-US"/>
           </a:p>
@@ -7513,7 +9054,7 @@
         <p:spPr/>
         <p:txBody>
           <a:bodyPr>
-            <a:normAutofit fontScale="90000"/>
+            <a:normAutofit/>
           </a:bodyPr>
           <a:lstStyle/>
           <a:p>
@@ -7694,7 +9235,7 @@
           <a:p>
             <a:fld id="{34621E95-60A9-FF44-9869-513D9D7A859F}" type="datetime2">
               <a:rPr lang="en-US" smtClean="0"/>
-              <a:t>Monday, September 8, 14</a:t>
+              <a:t>Tuesday, September 9, 14</a:t>
             </a:fld>
             <a:endParaRPr lang="en-US"/>
           </a:p>
@@ -7798,7 +9339,7 @@
         <p:spPr/>
         <p:txBody>
           <a:bodyPr>
-            <a:normAutofit fontScale="90000"/>
+            <a:normAutofit/>
           </a:bodyPr>
           <a:lstStyle/>
           <a:p>
@@ -7857,7 +9398,7 @@
           <a:p>
             <a:fld id="{34621E95-60A9-FF44-9869-513D9D7A859F}" type="datetime2">
               <a:rPr lang="en-US" smtClean="0"/>
-              <a:t>Monday, September 8, 14</a:t>
+              <a:t>Tuesday, September 9, 14</a:t>
             </a:fld>
             <a:endParaRPr lang="en-US"/>
           </a:p>
@@ -8708,7 +10249,7 @@
           <a:p>
             <a:fld id="{37383D84-F1D7-9848-A849-D0882C7D6C8D}" type="datetime2">
               <a:rPr lang="en-US" smtClean="0"/>
-              <a:t>Monday, September 8, 14</a:t>
+              <a:t>Tuesday, September 9, 14</a:t>
             </a:fld>
             <a:endParaRPr lang="en-US"/>
           </a:p>
@@ -8846,7 +10387,7 @@
         <p:spPr/>
         <p:txBody>
           <a:bodyPr>
-            <a:normAutofit fontScale="90000"/>
+            <a:normAutofit/>
           </a:bodyPr>
           <a:lstStyle/>
           <a:p>
@@ -8970,7 +10511,7 @@
           <a:p>
             <a:fld id="{34621E95-60A9-FF44-9869-513D9D7A859F}" type="datetime2">
               <a:rPr lang="en-US" smtClean="0"/>
-              <a:t>Monday, September 8, 14</a:t>
+              <a:t>Tuesday, September 9, 14</a:t>
             </a:fld>
             <a:endParaRPr lang="en-US"/>
           </a:p>
@@ -9067,7 +10608,7 @@
         <p:spPr/>
         <p:txBody>
           <a:bodyPr>
-            <a:normAutofit fontScale="90000"/>
+            <a:normAutofit/>
           </a:bodyPr>
           <a:lstStyle/>
           <a:p>
@@ -9256,7 +10797,7 @@
           <a:p>
             <a:fld id="{34621E95-60A9-FF44-9869-513D9D7A859F}" type="datetime2">
               <a:rPr lang="en-US" smtClean="0"/>
-              <a:t>Monday, September 8, 14</a:t>
+              <a:t>Tuesday, September 9, 14</a:t>
             </a:fld>
             <a:endParaRPr lang="en-US"/>
           </a:p>
@@ -9319,20 +10860,20 @@
           <p:nvPr>
             <p:extLst>
               <p:ext uri="{D42A27DB-BD31-4B8C-83A1-F6EECF244321}">
-                <p14:modId xmlns:p14="http://schemas.microsoft.com/office/powerpoint/2010/main" val="4170678263"/>
+                <p14:modId xmlns:p14="http://schemas.microsoft.com/office/powerpoint/2010/main" val="3794515057"/>
               </p:ext>
             </p:extLst>
           </p:nvPr>
         </p:nvGraphicFramePr>
         <p:xfrm>
-          <a:off x="7766050" y="1579803"/>
+          <a:off x="7570439" y="2023916"/>
           <a:ext cx="292100" cy="393700"/>
         </p:xfrm>
         <a:graphic>
           <a:graphicData uri="http://schemas.openxmlformats.org/presentationml/2006/ole">
             <mc:AlternateContent xmlns:mc="http://schemas.openxmlformats.org/markup-compatibility/2006">
               <mc:Choice xmlns:v="urn:schemas-microsoft-com:vml" Requires="v">
-                <p:oleObj spid="_x0000_s1129" name="Equation" r:id="rId3" imgW="292100" imgH="393700" progId="Equation.3">
+                <p:oleObj spid="_x0000_s1134" name="Equation" r:id="rId3" imgW="292100" imgH="393700" progId="Equation.3">
                   <p:embed/>
                 </p:oleObj>
               </mc:Choice>
@@ -9353,7 +10894,7 @@
                     </p:blipFill>
                     <p:spPr>
                       <a:xfrm>
-                        <a:off x="7766050" y="1579803"/>
+                        <a:off x="7570439" y="2023916"/>
                         <a:ext cx="292100" cy="393700"/>
                       </a:xfrm>
                       <a:prstGeom prst="rect">
@@ -9376,20 +10917,20 @@
           <p:nvPr>
             <p:extLst>
               <p:ext uri="{D42A27DB-BD31-4B8C-83A1-F6EECF244321}">
-                <p14:modId xmlns:p14="http://schemas.microsoft.com/office/powerpoint/2010/main" val="3107585539"/>
+                <p14:modId xmlns:p14="http://schemas.microsoft.com/office/powerpoint/2010/main" val="2935676428"/>
               </p:ext>
             </p:extLst>
           </p:nvPr>
         </p:nvGraphicFramePr>
         <p:xfrm>
-          <a:off x="3352800" y="3385014"/>
+          <a:off x="3114907" y="3822932"/>
           <a:ext cx="355600" cy="393700"/>
         </p:xfrm>
         <a:graphic>
           <a:graphicData uri="http://schemas.openxmlformats.org/presentationml/2006/ole">
             <mc:AlternateContent xmlns:mc="http://schemas.openxmlformats.org/markup-compatibility/2006">
               <mc:Choice xmlns:v="urn:schemas-microsoft-com:vml" Requires="v">
-                <p:oleObj spid="_x0000_s1130" name="Equation" r:id="rId5" imgW="355600" imgH="393700" progId="Equation.3">
+                <p:oleObj spid="_x0000_s1135" name="Equation" r:id="rId5" imgW="355600" imgH="393700" progId="Equation.3">
                   <p:embed/>
                 </p:oleObj>
               </mc:Choice>
@@ -9410,7 +10951,7 @@
                     </p:blipFill>
                     <p:spPr>
                       <a:xfrm>
-                        <a:off x="3352800" y="3385014"/>
+                        <a:off x="3114907" y="3822932"/>
                         <a:ext cx="355600" cy="393700"/>
                       </a:xfrm>
                       <a:prstGeom prst="rect">
@@ -9467,7 +11008,7 @@
         <p:spPr/>
         <p:txBody>
           <a:bodyPr>
-            <a:normAutofit fontScale="90000"/>
+            <a:normAutofit/>
           </a:bodyPr>
           <a:lstStyle/>
           <a:p>
@@ -9556,7 +11097,7 @@
           <a:p>
             <a:fld id="{34621E95-60A9-FF44-9869-513D9D7A859F}" type="datetime2">
               <a:rPr lang="en-US" smtClean="0"/>
-              <a:t>Monday, September 8, 14</a:t>
+              <a:t>Tuesday, September 9, 14</a:t>
             </a:fld>
             <a:endParaRPr lang="en-US"/>
           </a:p>
@@ -9653,7 +11194,7 @@
         <p:spPr/>
         <p:txBody>
           <a:bodyPr>
-            <a:normAutofit fontScale="90000"/>
+            <a:normAutofit/>
           </a:bodyPr>
           <a:lstStyle/>
           <a:p>
@@ -9681,7 +11222,7 @@
         </p:nvSpPr>
         <p:spPr/>
         <p:txBody>
-          <a:bodyPr/>
+          <a:bodyPr anchor="t"/>
           <a:lstStyle/>
           <a:p>
             <a:r>
@@ -9723,7 +11264,7 @@
           <a:p>
             <a:fld id="{34621E95-60A9-FF44-9869-513D9D7A859F}" type="datetime2">
               <a:rPr lang="en-US" smtClean="0"/>
-              <a:t>Monday, September 8, 14</a:t>
+              <a:t>Tuesday, September 9, 14</a:t>
             </a:fld>
             <a:endParaRPr lang="en-US"/>
           </a:p>
@@ -9799,7 +11340,7 @@
           <a:graphicData uri="http://schemas.openxmlformats.org/presentationml/2006/ole">
             <mc:AlternateContent xmlns:mc="http://schemas.openxmlformats.org/markup-compatibility/2006">
               <mc:Choice xmlns:v="urn:schemas-microsoft-com:vml" Requires="v">
-                <p:oleObj spid="_x0000_s2204" name="Equation" r:id="rId3" imgW="825500" imgH="457200" progId="Equation.3">
+                <p:oleObj spid="_x0000_s2211" name="Equation" r:id="rId3" imgW="825500" imgH="457200" progId="Equation.3">
                   <p:embed/>
                 </p:oleObj>
               </mc:Choice>
@@ -9856,7 +11397,7 @@
           <a:graphicData uri="http://schemas.openxmlformats.org/presentationml/2006/ole">
             <mc:AlternateContent xmlns:mc="http://schemas.openxmlformats.org/markup-compatibility/2006">
               <mc:Choice xmlns:v="urn:schemas-microsoft-com:vml" Requires="v">
-                <p:oleObj spid="_x0000_s2205" name="Equation" r:id="rId5" imgW="1028700" imgH="457200" progId="Equation.3">
+                <p:oleObj spid="_x0000_s2212" name="Equation" r:id="rId5" imgW="1028700" imgH="457200" progId="Equation.3">
                   <p:embed/>
                 </p:oleObj>
               </mc:Choice>
@@ -9913,7 +11454,7 @@
           <a:graphicData uri="http://schemas.openxmlformats.org/presentationml/2006/ole">
             <mc:AlternateContent xmlns:mc="http://schemas.openxmlformats.org/markup-compatibility/2006">
               <mc:Choice xmlns:v="urn:schemas-microsoft-com:vml" Requires="v">
-                <p:oleObj spid="_x0000_s2206" name="Equation" r:id="rId7" imgW="1422400" imgH="914400" progId="Equation.3">
+                <p:oleObj spid="_x0000_s2213" name="Equation" r:id="rId7" imgW="1422400" imgH="914400" progId="Equation.3">
                   <p:embed/>
                 </p:oleObj>
               </mc:Choice>
@@ -10039,7 +11580,7 @@
 </file>
 
 <file path=ppt/theme/theme1.xml><?xml version="1.0" encoding="utf-8"?>
-<a:theme xmlns:a="http://schemas.openxmlformats.org/drawingml/2006/main" name="Clarity">
+<a:theme xmlns:a="http://schemas.openxmlformats.org/drawingml/2006/main" name="charm-pptx_theme">
   <a:themeElements>
     <a:clrScheme name="Clarity">
       <a:dk1>

--- a/tutorial-05-overdecomposition.pptx
+++ b/tutorial-05-overdecomposition.pptx
@@ -217,7 +217,7 @@
           <a:p>
             <a:fld id="{775CE290-E0F5-444C-B849-A8F17CD4104C}" type="datetimeFigureOut">
               <a:rPr lang="en-US" smtClean="0"/>
-              <a:t>9/9/14</a:t>
+              <a:t>9/10/14</a:t>
             </a:fld>
             <a:endParaRPr lang="en-US"/>
           </a:p>
@@ -383,7 +383,7 @@
           <a:p>
             <a:fld id="{AD53A24C-4135-094C-957B-35852E7EDFA4}" type="datetimeFigureOut">
               <a:rPr lang="en-US" smtClean="0"/>
-              <a:t>9/9/14</a:t>
+              <a:t>9/10/14</a:t>
             </a:fld>
             <a:endParaRPr lang="en-US"/>
           </a:p>
@@ -844,7 +844,7 @@
           <a:p>
             <a:fld id="{B594EA25-E4F4-3746-A0BA-A11E27330E0F}" type="datetime2">
               <a:rPr lang="en-US" smtClean="0"/>
-              <a:t>Tuesday, September 9, 14</a:t>
+              <a:t>Wednesday, September 10, 14</a:t>
             </a:fld>
             <a:endParaRPr lang="en-US"/>
           </a:p>
@@ -1147,7 +1147,7 @@
                 <a:latin typeface="Times New Roman"/>
                 <a:cs typeface="Times New Roman"/>
               </a:rPr>
-              <a:t>September 9, 2014</a:t>
+              <a:t>September 10, 2014</a:t>
             </a:fld>
             <a:endParaRPr lang="en-US" dirty="0">
               <a:latin typeface="Times New Roman"/>
@@ -1421,7 +1421,7 @@
                 <a:latin typeface="Times New Roman"/>
                 <a:cs typeface="Times New Roman"/>
               </a:rPr>
-              <a:t>September 9, 2014</a:t>
+              <a:t>September 10, 2014</a:t>
             </a:fld>
             <a:endParaRPr lang="en-US" dirty="0">
               <a:latin typeface="Times New Roman"/>
@@ -1656,7 +1656,7 @@
           <a:p>
             <a:fld id="{EA699BF9-66CB-F244-8E74-7B1BE1C77046}" type="datetime2">
               <a:rPr lang="en-US" smtClean="0"/>
-              <a:t>Tuesday, September 9, 14</a:t>
+              <a:t>Wednesday, September 10, 14</a:t>
             </a:fld>
             <a:endParaRPr lang="en-US"/>
           </a:p>
@@ -1967,7 +1967,7 @@
           <a:p>
             <a:fld id="{D300BE84-9843-8B4F-B3C8-647B06AC46C9}" type="datetime2">
               <a:rPr lang="en-US" smtClean="0"/>
-              <a:t>Tuesday, September 9, 14</a:t>
+              <a:t>Wednesday, September 10, 14</a:t>
             </a:fld>
             <a:endParaRPr lang="en-US"/>
           </a:p>
@@ -2138,7 +2138,7 @@
           <a:p>
             <a:fld id="{C460AE39-2092-A945-8296-F25085B9A0F1}" type="datetime2">
               <a:rPr lang="en-US" smtClean="0"/>
-              <a:t>Tuesday, September 9, 14</a:t>
+              <a:t>Wednesday, September 10, 14</a:t>
             </a:fld>
             <a:endParaRPr lang="en-US"/>
           </a:p>
@@ -2319,7 +2319,7 @@
           <a:p>
             <a:fld id="{63BC7E9D-3218-5E49-A867-E087AB2F4618}" type="datetime2">
               <a:rPr lang="en-US" smtClean="0"/>
-              <a:t>Tuesday, September 9, 14</a:t>
+              <a:t>Wednesday, September 10, 14</a:t>
             </a:fld>
             <a:endParaRPr lang="en-US"/>
           </a:p>
@@ -2573,7 +2573,7 @@
           <a:p>
             <a:fld id="{B594EA25-E4F4-3746-A0BA-A11E27330E0F}" type="datetime2">
               <a:rPr lang="en-US" smtClean="0"/>
-              <a:t>Tuesday, September 9, 14</a:t>
+              <a:t>Wednesday, September 10, 14</a:t>
             </a:fld>
             <a:endParaRPr lang="en-US"/>
           </a:p>
@@ -2876,7 +2876,7 @@
                 <a:latin typeface="Times New Roman"/>
                 <a:cs typeface="Times New Roman"/>
               </a:rPr>
-              <a:t>September 9, 2014</a:t>
+              <a:t>September 10, 2014</a:t>
             </a:fld>
             <a:endParaRPr lang="en-US" dirty="0">
               <a:latin typeface="Times New Roman"/>
@@ -3002,7 +3002,7 @@
           <a:p>
             <a:fld id="{BD5AFB16-13FE-DF4A-8CB7-09756A57B2EA}" type="datetime2">
               <a:rPr lang="en-US" smtClean="0"/>
-              <a:t>Tuesday, September 9, 14</a:t>
+              <a:t>Wednesday, September 10, 14</a:t>
             </a:fld>
             <a:endParaRPr lang="en-US" dirty="0"/>
           </a:p>
@@ -3531,7 +3531,7 @@
           <a:p>
             <a:fld id="{30545249-FD76-6844-B252-CAB05FC2DAA8}" type="datetime2">
               <a:rPr lang="en-US" smtClean="0"/>
-              <a:t>Tuesday, September 9, 14</a:t>
+              <a:t>Wednesday, September 10, 14</a:t>
             </a:fld>
             <a:endParaRPr lang="en-US" dirty="0"/>
           </a:p>
@@ -3827,7 +3827,7 @@
           <a:p>
             <a:fld id="{34621E95-60A9-FF44-9869-513D9D7A859F}" type="datetime2">
               <a:rPr lang="en-US" smtClean="0"/>
-              <a:t>Tuesday, September 9, 14</a:t>
+              <a:t>Wednesday, September 10, 14</a:t>
             </a:fld>
             <a:endParaRPr lang="en-US"/>
           </a:p>
@@ -3946,7 +3946,7 @@
           <a:p>
             <a:fld id="{BD5AFB16-13FE-DF4A-8CB7-09756A57B2EA}" type="datetime2">
               <a:rPr lang="en-US" smtClean="0"/>
-              <a:t>Tuesday, September 9, 14</a:t>
+              <a:t>Wednesday, September 10, 14</a:t>
             </a:fld>
             <a:endParaRPr lang="en-US" dirty="0"/>
           </a:p>
@@ -4433,7 +4433,7 @@
           <a:p>
             <a:fld id="{1BDEC705-8EA9-6C46-8E3B-2CAC7E2C0F7D}" type="datetime2">
               <a:rPr lang="en-US" smtClean="0"/>
-              <a:t>Tuesday, September 9, 14</a:t>
+              <a:t>Wednesday, September 10, 14</a:t>
             </a:fld>
             <a:endParaRPr lang="en-US"/>
           </a:p>
@@ -4764,7 +4764,7 @@
           <a:p>
             <a:fld id="{BF613BD3-C5FD-9543-B738-679BF38D8C83}" type="datetime2">
               <a:rPr lang="en-US" smtClean="0"/>
-              <a:t>Tuesday, September 9, 14</a:t>
+              <a:t>Wednesday, September 10, 14</a:t>
             </a:fld>
             <a:endParaRPr lang="en-US" dirty="0"/>
           </a:p>
@@ -5243,7 +5243,7 @@
           <a:p>
             <a:fld id="{4B5E4F0C-9A9C-5448-99FD-D30288B385C9}" type="datetime2">
               <a:rPr lang="en-US" smtClean="0"/>
-              <a:t>Tuesday, September 9, 14</a:t>
+              <a:t>Wednesday, September 10, 14</a:t>
             </a:fld>
             <a:endParaRPr lang="en-US"/>
           </a:p>
@@ -5539,7 +5539,7 @@
           <a:p>
             <a:fld id="{30545249-FD76-6844-B252-CAB05FC2DAA8}" type="datetime2">
               <a:rPr lang="en-US" smtClean="0"/>
-              <a:t>Tuesday, September 9, 14</a:t>
+              <a:t>Wednesday, September 10, 14</a:t>
             </a:fld>
             <a:endParaRPr lang="en-US" dirty="0"/>
           </a:p>
@@ -5782,7 +5782,7 @@
           <a:p>
             <a:fld id="{CC859171-EEDD-0B48-A5C0-E7218AE20EA7}" type="datetime2">
               <a:rPr lang="en-US" smtClean="0"/>
-              <a:t>Tuesday, September 9, 14</a:t>
+              <a:t>Wednesday, September 10, 14</a:t>
             </a:fld>
             <a:endParaRPr lang="en-US"/>
           </a:p>
@@ -5878,7 +5878,7 @@
           <a:p>
             <a:fld id="{C32F9216-0342-7440-9504-BD6C1382BF27}" type="datetime2">
               <a:rPr lang="en-US" smtClean="0"/>
-              <a:t>Tuesday, September 9, 14</a:t>
+              <a:t>Wednesday, September 10, 14</a:t>
             </a:fld>
             <a:endParaRPr lang="en-US"/>
           </a:p>
@@ -6193,7 +6193,7 @@
           <a:p>
             <a:fld id="{D36DC8F2-AD63-E841-8C23-5DC3A41041BE}" type="datetime2">
               <a:rPr lang="en-US" smtClean="0"/>
-              <a:t>Tuesday, September 9, 14</a:t>
+              <a:t>Wednesday, September 10, 14</a:t>
             </a:fld>
             <a:endParaRPr lang="en-US" dirty="0"/>
           </a:p>
@@ -6871,7 +6871,7 @@
           <a:p>
             <a:fld id="{8ADAB7C0-00B4-3F4D-A690-E12D330195D4}" type="datetime2">
               <a:rPr lang="en-US" smtClean="0"/>
-              <a:t>Tuesday, September 9, 14</a:t>
+              <a:t>Wednesday, September 10, 14</a:t>
             </a:fld>
             <a:endParaRPr lang="en-US"/>
           </a:p>
@@ -7108,7 +7108,7 @@
           <a:p>
             <a:fld id="{34621E95-60A9-FF44-9869-513D9D7A859F}" type="datetime2">
               <a:rPr lang="en-US" smtClean="0"/>
-              <a:t>Tuesday, September 9, 14</a:t>
+              <a:t>Wednesday, September 10, 14</a:t>
             </a:fld>
             <a:endParaRPr lang="en-US"/>
           </a:p>
@@ -7262,7 +7262,7 @@
           <a:p>
             <a:fld id="{34621E95-60A9-FF44-9869-513D9D7A859F}" type="datetime2">
               <a:rPr lang="en-US" smtClean="0"/>
-              <a:t>Tuesday, September 9, 14</a:t>
+              <a:t>Wednesday, September 10, 14</a:t>
             </a:fld>
             <a:endParaRPr lang="en-US"/>
           </a:p>
@@ -7391,7 +7391,7 @@
           <a:p>
             <a:fld id="{BD5AFB16-13FE-DF4A-8CB7-09756A57B2EA}" type="datetime2">
               <a:rPr lang="en-US" smtClean="0"/>
-              <a:t>Tuesday, September 9, 14</a:t>
+              <a:t>Wednesday, September 10, 14</a:t>
             </a:fld>
             <a:endParaRPr lang="en-US" dirty="0"/>
           </a:p>
@@ -7457,8 +7457,8 @@
         </p:nvSpPr>
         <p:spPr>
           <a:xfrm>
-            <a:off x="457200" y="678666"/>
-            <a:ext cx="8229600" cy="518773"/>
+            <a:off x="261865" y="678666"/>
+            <a:ext cx="8615360" cy="518773"/>
           </a:xfrm>
         </p:spPr>
         <p:txBody>
@@ -7490,13 +7490,13 @@
               </a:ext>
             </a:extLst>
           </a:blip>
-          <a:srcRect l="-14694" r="-14694"/>
+          <a:srcRect l="-17726" r="-17726"/>
           <a:stretch/>
         </p:blipFill>
         <p:spPr>
           <a:xfrm>
-            <a:off x="457200" y="1197439"/>
-            <a:ext cx="8229600" cy="4436599"/>
+            <a:off x="261865" y="1197439"/>
+            <a:ext cx="8615359" cy="4436599"/>
           </a:xfrm>
         </p:spPr>
       </p:pic>
@@ -7512,8 +7512,8 @@
         </p:nvSpPr>
         <p:spPr>
           <a:xfrm>
-            <a:off x="457200" y="5660191"/>
-            <a:ext cx="8229600" cy="846160"/>
+            <a:off x="261865" y="5660191"/>
+            <a:ext cx="8615360" cy="846160"/>
           </a:xfrm>
         </p:spPr>
         <p:txBody>
@@ -7705,7 +7705,7 @@
           <a:p>
             <a:fld id="{4B5E4F0C-9A9C-5448-99FD-D30288B385C9}" type="datetime2">
               <a:rPr lang="en-US" smtClean="0"/>
-              <a:t>Tuesday, September 9, 14</a:t>
+              <a:t>Wednesday, September 10, 14</a:t>
             </a:fld>
             <a:endParaRPr lang="en-US"/>
           </a:p>
@@ -7829,8 +7829,8 @@
         </p:nvSpPr>
         <p:spPr>
           <a:xfrm>
-            <a:off x="457200" y="1143000"/>
-            <a:ext cx="8229600" cy="1718006"/>
+            <a:off x="261865" y="1143000"/>
+            <a:ext cx="8615360" cy="1718006"/>
           </a:xfrm>
         </p:spPr>
         <p:txBody>
@@ -7890,7 +7890,7 @@
           <a:p>
             <a:fld id="{34621E95-60A9-FF44-9869-513D9D7A859F}" type="datetime2">
               <a:rPr lang="en-US" smtClean="0"/>
-              <a:t>Tuesday, September 9, 14</a:t>
+              <a:t>Wednesday, September 10, 14</a:t>
             </a:fld>
             <a:endParaRPr lang="en-US"/>
           </a:p>
@@ -7966,7 +7966,7 @@
         </p:blipFill>
         <p:spPr>
           <a:xfrm>
-            <a:off x="137705" y="3245649"/>
+            <a:off x="137705" y="3002469"/>
             <a:ext cx="8889628" cy="3260702"/>
           </a:xfrm>
           <a:prstGeom prst="rect">
@@ -8045,7 +8045,7 @@
           <a:p>
             <a:fld id="{CC859171-EEDD-0B48-A5C0-E7218AE20EA7}" type="datetime2">
               <a:rPr lang="en-US" smtClean="0"/>
-              <a:t>Tuesday, September 9, 14</a:t>
+              <a:t>Wednesday, September 10, 14</a:t>
             </a:fld>
             <a:endParaRPr lang="en-US"/>
           </a:p>
@@ -8391,7 +8391,7 @@
           <a:p>
             <a:fld id="{34621E95-60A9-FF44-9869-513D9D7A859F}" type="datetime2">
               <a:rPr lang="en-US" smtClean="0"/>
-              <a:t>Tuesday, September 9, 14</a:t>
+              <a:t>Wednesday, September 10, 14</a:t>
             </a:fld>
             <a:endParaRPr lang="en-US"/>
           </a:p>
@@ -8467,7 +8467,7 @@
           <a:graphicData uri="http://schemas.openxmlformats.org/presentationml/2006/ole">
             <mc:AlternateContent xmlns:mc="http://schemas.openxmlformats.org/markup-compatibility/2006">
               <mc:Choice xmlns:v="urn:schemas-microsoft-com:vml" Requires="v">
-                <p:oleObj spid="_x0000_s3127" name="Equation" r:id="rId3" imgW="165100" imgH="431800" progId="Equation.3">
+                <p:oleObj spid="_x0000_s3129" name="Equation" r:id="rId3" imgW="165100" imgH="431800" progId="Equation.3">
                   <p:embed/>
                 </p:oleObj>
               </mc:Choice>
@@ -8573,7 +8573,7 @@
           <a:p>
             <a:fld id="{BD5AFB16-13FE-DF4A-8CB7-09756A57B2EA}" type="datetime2">
               <a:rPr lang="en-US" smtClean="0"/>
-              <a:t>Tuesday, September 9, 14</a:t>
+              <a:t>Wednesday, September 10, 14</a:t>
             </a:fld>
             <a:endParaRPr lang="en-US" dirty="0"/>
           </a:p>
@@ -8639,8 +8639,8 @@
         </p:nvSpPr>
         <p:spPr>
           <a:xfrm>
-            <a:off x="457200" y="909977"/>
-            <a:ext cx="8229600" cy="954399"/>
+            <a:off x="261865" y="909977"/>
+            <a:ext cx="8615360" cy="954399"/>
           </a:xfrm>
         </p:spPr>
         <p:txBody>
@@ -8701,13 +8701,13 @@
               </a:ext>
             </a:extLst>
           </a:blip>
-          <a:srcRect l="-18768" r="-18768"/>
+          <a:srcRect l="-21992" r="-21992"/>
           <a:stretch/>
         </p:blipFill>
         <p:spPr>
           <a:xfrm>
-            <a:off x="457200" y="1864376"/>
-            <a:ext cx="8229600" cy="3093783"/>
+            <a:off x="261865" y="1864376"/>
+            <a:ext cx="8615360" cy="3093783"/>
           </a:xfrm>
         </p:spPr>
       </p:pic>
@@ -8723,8 +8723,8 @@
         </p:nvSpPr>
         <p:spPr>
           <a:xfrm>
-            <a:off x="457200" y="4958159"/>
-            <a:ext cx="8229600" cy="1542885"/>
+            <a:off x="261865" y="4958159"/>
+            <a:ext cx="8615360" cy="1542885"/>
           </a:xfrm>
         </p:spPr>
         <p:txBody>
@@ -8950,7 +8950,7 @@
           <a:p>
             <a:fld id="{34621E95-60A9-FF44-9869-513D9D7A859F}" type="datetime2">
               <a:rPr lang="en-US" smtClean="0"/>
-              <a:t>Tuesday, September 9, 14</a:t>
+              <a:t>Wednesday, September 10, 14</a:t>
             </a:fld>
             <a:endParaRPr lang="en-US"/>
           </a:p>
@@ -9235,7 +9235,7 @@
           <a:p>
             <a:fld id="{34621E95-60A9-FF44-9869-513D9D7A859F}" type="datetime2">
               <a:rPr lang="en-US" smtClean="0"/>
-              <a:t>Tuesday, September 9, 14</a:t>
+              <a:t>Wednesday, September 10, 14</a:t>
             </a:fld>
             <a:endParaRPr lang="en-US"/>
           </a:p>
@@ -9398,7 +9398,7 @@
           <a:p>
             <a:fld id="{34621E95-60A9-FF44-9869-513D9D7A859F}" type="datetime2">
               <a:rPr lang="en-US" smtClean="0"/>
-              <a:t>Tuesday, September 9, 14</a:t>
+              <a:t>Wednesday, September 10, 14</a:t>
             </a:fld>
             <a:endParaRPr lang="en-US"/>
           </a:p>
@@ -10249,7 +10249,7 @@
           <a:p>
             <a:fld id="{37383D84-F1D7-9848-A849-D0882C7D6C8D}" type="datetime2">
               <a:rPr lang="en-US" smtClean="0"/>
-              <a:t>Tuesday, September 9, 14</a:t>
+              <a:t>Wednesday, September 10, 14</a:t>
             </a:fld>
             <a:endParaRPr lang="en-US"/>
           </a:p>
@@ -10511,7 +10511,7 @@
           <a:p>
             <a:fld id="{34621E95-60A9-FF44-9869-513D9D7A859F}" type="datetime2">
               <a:rPr lang="en-US" smtClean="0"/>
-              <a:t>Tuesday, September 9, 14</a:t>
+              <a:t>Wednesday, September 10, 14</a:t>
             </a:fld>
             <a:endParaRPr lang="en-US"/>
           </a:p>
@@ -10797,7 +10797,7 @@
           <a:p>
             <a:fld id="{34621E95-60A9-FF44-9869-513D9D7A859F}" type="datetime2">
               <a:rPr lang="en-US" smtClean="0"/>
-              <a:t>Tuesday, September 9, 14</a:t>
+              <a:t>Wednesday, September 10, 14</a:t>
             </a:fld>
             <a:endParaRPr lang="en-US"/>
           </a:p>
@@ -10873,7 +10873,7 @@
           <a:graphicData uri="http://schemas.openxmlformats.org/presentationml/2006/ole">
             <mc:AlternateContent xmlns:mc="http://schemas.openxmlformats.org/markup-compatibility/2006">
               <mc:Choice xmlns:v="urn:schemas-microsoft-com:vml" Requires="v">
-                <p:oleObj spid="_x0000_s1134" name="Equation" r:id="rId3" imgW="292100" imgH="393700" progId="Equation.3">
+                <p:oleObj spid="_x0000_s1137" name="Equation" r:id="rId3" imgW="292100" imgH="393700" progId="Equation.3">
                   <p:embed/>
                 </p:oleObj>
               </mc:Choice>
@@ -10930,7 +10930,7 @@
           <a:graphicData uri="http://schemas.openxmlformats.org/presentationml/2006/ole">
             <mc:AlternateContent xmlns:mc="http://schemas.openxmlformats.org/markup-compatibility/2006">
               <mc:Choice xmlns:v="urn:schemas-microsoft-com:vml" Requires="v">
-                <p:oleObj spid="_x0000_s1135" name="Equation" r:id="rId5" imgW="355600" imgH="393700" progId="Equation.3">
+                <p:oleObj spid="_x0000_s1138" name="Equation" r:id="rId5" imgW="355600" imgH="393700" progId="Equation.3">
                   <p:embed/>
                 </p:oleObj>
               </mc:Choice>
@@ -11097,7 +11097,7 @@
           <a:p>
             <a:fld id="{34621E95-60A9-FF44-9869-513D9D7A859F}" type="datetime2">
               <a:rPr lang="en-US" smtClean="0"/>
-              <a:t>Tuesday, September 9, 14</a:t>
+              <a:t>Wednesday, September 10, 14</a:t>
             </a:fld>
             <a:endParaRPr lang="en-US"/>
           </a:p>
@@ -11264,7 +11264,7 @@
           <a:p>
             <a:fld id="{34621E95-60A9-FF44-9869-513D9D7A859F}" type="datetime2">
               <a:rPr lang="en-US" smtClean="0"/>
-              <a:t>Tuesday, September 9, 14</a:t>
+              <a:t>Wednesday, September 10, 14</a:t>
             </a:fld>
             <a:endParaRPr lang="en-US"/>
           </a:p>
@@ -11340,7 +11340,7 @@
           <a:graphicData uri="http://schemas.openxmlformats.org/presentationml/2006/ole">
             <mc:AlternateContent xmlns:mc="http://schemas.openxmlformats.org/markup-compatibility/2006">
               <mc:Choice xmlns:v="urn:schemas-microsoft-com:vml" Requires="v">
-                <p:oleObj spid="_x0000_s2211" name="Equation" r:id="rId3" imgW="825500" imgH="457200" progId="Equation.3">
+                <p:oleObj spid="_x0000_s2215" name="Equation" r:id="rId3" imgW="825500" imgH="457200" progId="Equation.3">
                   <p:embed/>
                 </p:oleObj>
               </mc:Choice>
@@ -11397,7 +11397,7 @@
           <a:graphicData uri="http://schemas.openxmlformats.org/presentationml/2006/ole">
             <mc:AlternateContent xmlns:mc="http://schemas.openxmlformats.org/markup-compatibility/2006">
               <mc:Choice xmlns:v="urn:schemas-microsoft-com:vml" Requires="v">
-                <p:oleObj spid="_x0000_s2212" name="Equation" r:id="rId5" imgW="1028700" imgH="457200" progId="Equation.3">
+                <p:oleObj spid="_x0000_s2216" name="Equation" r:id="rId5" imgW="1028700" imgH="457200" progId="Equation.3">
                   <p:embed/>
                 </p:oleObj>
               </mc:Choice>
@@ -11454,7 +11454,7 @@
           <a:graphicData uri="http://schemas.openxmlformats.org/presentationml/2006/ole">
             <mc:AlternateContent xmlns:mc="http://schemas.openxmlformats.org/markup-compatibility/2006">
               <mc:Choice xmlns:v="urn:schemas-microsoft-com:vml" Requires="v">
-                <p:oleObj spid="_x0000_s2213" name="Equation" r:id="rId7" imgW="1422400" imgH="914400" progId="Equation.3">
+                <p:oleObj spid="_x0000_s2217" name="Equation" r:id="rId7" imgW="1422400" imgH="914400" progId="Equation.3">
                   <p:embed/>
                 </p:oleObj>
               </mc:Choice>

--- a/tutorial-05-overdecomposition.pptx
+++ b/tutorial-05-overdecomposition.pptx
@@ -6959,18 +6959,17 @@
                             </p:stCondLst>
                             <p:childTnLst>
                               <p:par>
-                                <p:cTn id="5" presetID="1" presetClass="entr" presetSubtype="0" fill="hold" nodeType="withEffect">
+                                <p:cTn id="5" presetID="15" presetClass="emph" presetSubtype="0" nodeType="withEffect">
                                   <p:stCondLst>
                                     <p:cond delay="0"/>
                                   </p:stCondLst>
+                                  <p:iterate type="lt">
+                                    <p:tmAbs val="25"/>
+                                  </p:iterate>
                                   <p:childTnLst>
                                     <p:set>
-                                      <p:cBhvr>
-                                        <p:cTn id="6" dur="1" fill="hold">
-                                          <p:stCondLst>
-                                            <p:cond delay="0"/>
-                                          </p:stCondLst>
-                                        </p:cTn>
+                                      <p:cBhvr override="childStyle">
+                                        <p:cTn id="6" dur="indefinite"/>
                                         <p:tgtEl>
                                           <p:spTgt spid="3">
                                             <p:txEl>
@@ -6979,11 +6978,11 @@
                                           </p:spTgt>
                                         </p:tgtEl>
                                         <p:attrNameLst>
-                                          <p:attrName>style.visibility</p:attrName>
+                                          <p:attrName>style.fontWeight</p:attrName>
                                         </p:attrNameLst>
                                       </p:cBhvr>
                                       <p:to>
-                                        <p:strVal val="visible"/>
+                                        <p:strVal val="bold"/>
                                       </p:to>
                                     </p:set>
                                   </p:childTnLst>
@@ -8467,7 +8466,7 @@
           <a:graphicData uri="http://schemas.openxmlformats.org/presentationml/2006/ole">
             <mc:AlternateContent xmlns:mc="http://schemas.openxmlformats.org/markup-compatibility/2006">
               <mc:Choice xmlns:v="urn:schemas-microsoft-com:vml" Requires="v">
-                <p:oleObj spid="_x0000_s3129" name="Equation" r:id="rId3" imgW="165100" imgH="431800" progId="Equation.3">
+                <p:oleObj spid="_x0000_s3131" name="Equation" r:id="rId3" imgW="165100" imgH="431800" progId="Equation.3">
                   <p:embed/>
                 </p:oleObj>
               </mc:Choice>
@@ -10873,7 +10872,7 @@
           <a:graphicData uri="http://schemas.openxmlformats.org/presentationml/2006/ole">
             <mc:AlternateContent xmlns:mc="http://schemas.openxmlformats.org/markup-compatibility/2006">
               <mc:Choice xmlns:v="urn:schemas-microsoft-com:vml" Requires="v">
-                <p:oleObj spid="_x0000_s1137" name="Equation" r:id="rId3" imgW="292100" imgH="393700" progId="Equation.3">
+                <p:oleObj spid="_x0000_s1140" name="Equation" r:id="rId3" imgW="292100" imgH="393700" progId="Equation.3">
                   <p:embed/>
                 </p:oleObj>
               </mc:Choice>
@@ -10930,7 +10929,7 @@
           <a:graphicData uri="http://schemas.openxmlformats.org/presentationml/2006/ole">
             <mc:AlternateContent xmlns:mc="http://schemas.openxmlformats.org/markup-compatibility/2006">
               <mc:Choice xmlns:v="urn:schemas-microsoft-com:vml" Requires="v">
-                <p:oleObj spid="_x0000_s1138" name="Equation" r:id="rId5" imgW="355600" imgH="393700" progId="Equation.3">
+                <p:oleObj spid="_x0000_s1141" name="Equation" r:id="rId5" imgW="355600" imgH="393700" progId="Equation.3">
                   <p:embed/>
                 </p:oleObj>
               </mc:Choice>
@@ -11340,7 +11339,7 @@
           <a:graphicData uri="http://schemas.openxmlformats.org/presentationml/2006/ole">
             <mc:AlternateContent xmlns:mc="http://schemas.openxmlformats.org/markup-compatibility/2006">
               <mc:Choice xmlns:v="urn:schemas-microsoft-com:vml" Requires="v">
-                <p:oleObj spid="_x0000_s2215" name="Equation" r:id="rId3" imgW="825500" imgH="457200" progId="Equation.3">
+                <p:oleObj spid="_x0000_s2219" name="Equation" r:id="rId3" imgW="825500" imgH="457200" progId="Equation.3">
                   <p:embed/>
                 </p:oleObj>
               </mc:Choice>
@@ -11397,7 +11396,7 @@
           <a:graphicData uri="http://schemas.openxmlformats.org/presentationml/2006/ole">
             <mc:AlternateContent xmlns:mc="http://schemas.openxmlformats.org/markup-compatibility/2006">
               <mc:Choice xmlns:v="urn:schemas-microsoft-com:vml" Requires="v">
-                <p:oleObj spid="_x0000_s2216" name="Equation" r:id="rId5" imgW="1028700" imgH="457200" progId="Equation.3">
+                <p:oleObj spid="_x0000_s2220" name="Equation" r:id="rId5" imgW="1028700" imgH="457200" progId="Equation.3">
                   <p:embed/>
                 </p:oleObj>
               </mc:Choice>
@@ -11454,7 +11453,7 @@
           <a:graphicData uri="http://schemas.openxmlformats.org/presentationml/2006/ole">
             <mc:AlternateContent xmlns:mc="http://schemas.openxmlformats.org/markup-compatibility/2006">
               <mc:Choice xmlns:v="urn:schemas-microsoft-com:vml" Requires="v">
-                <p:oleObj spid="_x0000_s2217" name="Equation" r:id="rId7" imgW="1422400" imgH="914400" progId="Equation.3">
+                <p:oleObj spid="_x0000_s2221" name="Equation" r:id="rId7" imgW="1422400" imgH="914400" progId="Equation.3">
                   <p:embed/>
                 </p:oleObj>
               </mc:Choice>

--- a/tutorial-05-overdecomposition.pptx
+++ b/tutorial-05-overdecomposition.pptx
@@ -2,7 +2,7 @@
 <file path=ppt/presentation.xml><?xml version="1.0" encoding="utf-8"?>
 <p:presentation xmlns:a="http://schemas.openxmlformats.org/drawingml/2006/main" xmlns:r="http://schemas.openxmlformats.org/officeDocument/2006/relationships" xmlns:p="http://schemas.openxmlformats.org/presentationml/2006/main" showSpecialPlsOnTitleSld="0" saveSubsetFonts="1">
   <p:sldMasterIdLst>
-    <p:sldMasterId id="2147483974" r:id="rId1"/>
+    <p:sldMasterId id="2147483988" r:id="rId1"/>
   </p:sldMasterIdLst>
   <p:notesMasterIdLst>
     <p:notesMasterId r:id="rId19"/>
@@ -6039,7 +6039,7 @@
           <a:bodyPr vert="horz" lIns="91440" tIns="45720" rIns="91440" bIns="45720" rtlCol="0" anchor="ctr"/>
           <a:lstStyle>
             <a:lvl1pPr algn="ctr">
-              <a:defRPr sz="1200" b="1">
+              <a:defRPr sz="1200" b="0">
                 <a:solidFill>
                   <a:srgbClr val="FFFFFF"/>
                 </a:solidFill>
@@ -6245,19 +6245,19 @@
   </p:cSld>
   <p:clrMap bg1="lt1" tx1="dk1" bg2="lt2" tx2="dk2" accent1="accent1" accent2="accent2" accent3="accent3" accent4="accent4" accent5="accent5" accent6="accent6" hlink="hlink" folHlink="folHlink"/>
   <p:sldLayoutIdLst>
-    <p:sldLayoutId id="2147483975" r:id="rId1"/>
-    <p:sldLayoutId id="2147483976" r:id="rId2"/>
-    <p:sldLayoutId id="2147483977" r:id="rId3"/>
-    <p:sldLayoutId id="2147483978" r:id="rId4"/>
-    <p:sldLayoutId id="2147483979" r:id="rId5"/>
-    <p:sldLayoutId id="2147483980" r:id="rId6"/>
-    <p:sldLayoutId id="2147483981" r:id="rId7"/>
-    <p:sldLayoutId id="2147483982" r:id="rId8"/>
-    <p:sldLayoutId id="2147483983" r:id="rId9"/>
-    <p:sldLayoutId id="2147483984" r:id="rId10"/>
-    <p:sldLayoutId id="2147483985" r:id="rId11"/>
-    <p:sldLayoutId id="2147483986" r:id="rId12"/>
-    <p:sldLayoutId id="2147483987" r:id="rId13"/>
+    <p:sldLayoutId id="2147483989" r:id="rId1"/>
+    <p:sldLayoutId id="2147483990" r:id="rId2"/>
+    <p:sldLayoutId id="2147483991" r:id="rId3"/>
+    <p:sldLayoutId id="2147483992" r:id="rId4"/>
+    <p:sldLayoutId id="2147483993" r:id="rId5"/>
+    <p:sldLayoutId id="2147483994" r:id="rId6"/>
+    <p:sldLayoutId id="2147483995" r:id="rId7"/>
+    <p:sldLayoutId id="2147483996" r:id="rId8"/>
+    <p:sldLayoutId id="2147483997" r:id="rId9"/>
+    <p:sldLayoutId id="2147483998" r:id="rId10"/>
+    <p:sldLayoutId id="2147483999" r:id="rId11"/>
+    <p:sldLayoutId id="2147484000" r:id="rId12"/>
+    <p:sldLayoutId id="2147484001" r:id="rId13"/>
     <p:sldLayoutId id="2147483961" r:id="rId14"/>
     <p:sldLayoutId id="2147483973" r:id="rId15"/>
     <p:sldLayoutId id="2147483972" r:id="rId16"/>
@@ -7083,7 +7083,7 @@
               </a:ext>
             </a:extLst>
           </a:blip>
-          <a:srcRect l="-6808" r="-6808"/>
+          <a:srcRect t="5991" b="5991"/>
           <a:stretch>
             <a:fillRect/>
           </a:stretch>
@@ -7171,6 +7171,13 @@
   <p:clrMapOvr>
     <a:masterClrMapping/>
   </p:clrMapOvr>
+  <p:timing>
+    <p:tnLst>
+      <p:par>
+        <p:cTn xmlns:p14="http://schemas.microsoft.com/office/powerpoint/2010/main" id="1" dur="indefinite" restart="never" nodeType="tmRoot"/>
+      </p:par>
+    </p:tnLst>
+  </p:timing>
 </p:sld>
 </file>
 
@@ -7237,7 +7244,7 @@
               </a:ext>
             </a:extLst>
           </a:blip>
-          <a:srcRect l="-5350" r="-5350"/>
+          <a:srcRect t="4832" b="4832"/>
           <a:stretch>
             <a:fillRect/>
           </a:stretch>
@@ -7325,6 +7332,13 @@
   <p:clrMapOvr>
     <a:masterClrMapping/>
   </p:clrMapOvr>
+  <p:timing>
+    <p:tnLst>
+      <p:par>
+        <p:cTn xmlns:p14="http://schemas.microsoft.com/office/powerpoint/2010/main" id="1" dur="indefinite" restart="never" nodeType="tmRoot"/>
+      </p:par>
+    </p:tnLst>
+  </p:timing>
 </p:sld>
 </file>
 
@@ -7489,15 +7503,10 @@
               </a:ext>
             </a:extLst>
           </a:blip>
-          <a:srcRect l="-17726" r="-17726"/>
+          <a:srcRect t="40688" b="40688"/>
           <a:stretch/>
         </p:blipFill>
-        <p:spPr>
-          <a:xfrm>
-            <a:off x="261865" y="1197439"/>
-            <a:ext cx="8615359" cy="4436599"/>
-          </a:xfrm>
-        </p:spPr>
+        <p:spPr/>
       </p:pic>
       <p:sp>
         <p:nvSpPr>
@@ -7547,6 +7556,13 @@
   <p:clrMapOvr>
     <a:masterClrMapping/>
   </p:clrMapOvr>
+  <p:timing>
+    <p:tnLst>
+      <p:par>
+        <p:cTn xmlns:p14="http://schemas.microsoft.com/office/powerpoint/2010/main" id="1" dur="indefinite" restart="never" nodeType="tmRoot"/>
+      </p:par>
+    </p:tnLst>
+  </p:timing>
 </p:sld>
 </file>
 
@@ -7635,7 +7651,7 @@
               </a:ext>
             </a:extLst>
           </a:blip>
-          <a:srcRect t="-22947" b="-22947"/>
+          <a:srcRect l="15729" r="15729"/>
           <a:stretch>
             <a:fillRect/>
           </a:stretch>
@@ -7768,6 +7784,13 @@
   <p:clrMapOvr>
     <a:masterClrMapping/>
   </p:clrMapOvr>
+  <p:timing>
+    <p:tnLst>
+      <p:par>
+        <p:cTn xmlns:p14="http://schemas.microsoft.com/office/powerpoint/2010/main" id="1" dur="indefinite" restart="never" nodeType="tmRoot"/>
+      </p:par>
+    </p:tnLst>
+  </p:timing>
 </p:sld>
 </file>
 
@@ -7983,6 +8006,13 @@
   <p:clrMapOvr>
     <a:masterClrMapping/>
   </p:clrMapOvr>
+  <p:timing>
+    <p:tnLst>
+      <p:par>
+        <p:cTn xmlns:p14="http://schemas.microsoft.com/office/powerpoint/2010/main" id="1" dur="indefinite" restart="never" nodeType="tmRoot"/>
+      </p:par>
+    </p:tnLst>
+  </p:timing>
 </p:sld>
 </file>
 
@@ -8138,6 +8168,13 @@
   <p:clrMapOvr>
     <a:masterClrMapping/>
   </p:clrMapOvr>
+  <p:timing>
+    <p:tnLst>
+      <p:par>
+        <p:cTn xmlns:p14="http://schemas.microsoft.com/office/powerpoint/2010/main" id="1" dur="indefinite" restart="never" nodeType="tmRoot"/>
+      </p:par>
+    </p:tnLst>
+  </p:timing>
 </p:sld>
 </file>
 
@@ -8466,7 +8503,7 @@
           <a:graphicData uri="http://schemas.openxmlformats.org/presentationml/2006/ole">
             <mc:AlternateContent xmlns:mc="http://schemas.openxmlformats.org/markup-compatibility/2006">
               <mc:Choice xmlns:v="urn:schemas-microsoft-com:vml" Requires="v">
-                <p:oleObj spid="_x0000_s3131" name="Equation" r:id="rId3" imgW="165100" imgH="431800" progId="Equation.3">
+                <p:oleObj spid="_x0000_s3133" name="Equation" r:id="rId3" imgW="165100" imgH="431800" progId="Equation.3">
                   <p:embed/>
                 </p:oleObj>
               </mc:Choice>
@@ -8511,6 +8548,13 @@
   <p:clrMapOvr>
     <a:masterClrMapping/>
   </p:clrMapOvr>
+  <p:timing>
+    <p:tnLst>
+      <p:par>
+        <p:cTn xmlns:p14="http://schemas.microsoft.com/office/powerpoint/2010/main" id="1" dur="indefinite" restart="never" nodeType="tmRoot"/>
+      </p:par>
+    </p:tnLst>
+  </p:timing>
 </p:sld>
 </file>
 
@@ -10574,6 +10618,13 @@
   <p:clrMapOvr>
     <a:masterClrMapping/>
   </p:clrMapOvr>
+  <p:timing>
+    <p:tnLst>
+      <p:par>
+        <p:cTn xmlns:p14="http://schemas.microsoft.com/office/powerpoint/2010/main" id="1" dur="indefinite" restart="never" nodeType="tmRoot"/>
+      </p:par>
+    </p:tnLst>
+  </p:timing>
 </p:sld>
 </file>
 
@@ -10872,7 +10923,7 @@
           <a:graphicData uri="http://schemas.openxmlformats.org/presentationml/2006/ole">
             <mc:AlternateContent xmlns:mc="http://schemas.openxmlformats.org/markup-compatibility/2006">
               <mc:Choice xmlns:v="urn:schemas-microsoft-com:vml" Requires="v">
-                <p:oleObj spid="_x0000_s1140" name="Equation" r:id="rId3" imgW="292100" imgH="393700" progId="Equation.3">
+                <p:oleObj spid="_x0000_s1143" name="Equation" r:id="rId3" imgW="292100" imgH="393700" progId="Equation.3">
                   <p:embed/>
                 </p:oleObj>
               </mc:Choice>
@@ -10929,7 +10980,7 @@
           <a:graphicData uri="http://schemas.openxmlformats.org/presentationml/2006/ole">
             <mc:AlternateContent xmlns:mc="http://schemas.openxmlformats.org/markup-compatibility/2006">
               <mc:Choice xmlns:v="urn:schemas-microsoft-com:vml" Requires="v">
-                <p:oleObj spid="_x0000_s1141" name="Equation" r:id="rId5" imgW="355600" imgH="393700" progId="Equation.3">
+                <p:oleObj spid="_x0000_s1144" name="Equation" r:id="rId5" imgW="355600" imgH="393700" progId="Equation.3">
                   <p:embed/>
                 </p:oleObj>
               </mc:Choice>
@@ -10974,6 +11025,13 @@
   <p:clrMapOvr>
     <a:masterClrMapping/>
   </p:clrMapOvr>
+  <p:timing>
+    <p:tnLst>
+      <p:par>
+        <p:cTn xmlns:p14="http://schemas.microsoft.com/office/powerpoint/2010/main" id="1" dur="indefinite" restart="never" nodeType="tmRoot"/>
+      </p:par>
+    </p:tnLst>
+  </p:timing>
 </p:sld>
 </file>
 
@@ -11160,6 +11218,13 @@
   <p:clrMapOvr>
     <a:masterClrMapping/>
   </p:clrMapOvr>
+  <p:timing>
+    <p:tnLst>
+      <p:par>
+        <p:cTn xmlns:p14="http://schemas.microsoft.com/office/powerpoint/2010/main" id="1" dur="indefinite" restart="never" nodeType="tmRoot"/>
+      </p:par>
+    </p:tnLst>
+  </p:timing>
 </p:sld>
 </file>
 
@@ -11339,7 +11404,7 @@
           <a:graphicData uri="http://schemas.openxmlformats.org/presentationml/2006/ole">
             <mc:AlternateContent xmlns:mc="http://schemas.openxmlformats.org/markup-compatibility/2006">
               <mc:Choice xmlns:v="urn:schemas-microsoft-com:vml" Requires="v">
-                <p:oleObj spid="_x0000_s2219" name="Equation" r:id="rId3" imgW="825500" imgH="457200" progId="Equation.3">
+                <p:oleObj spid="_x0000_s2223" name="Equation" r:id="rId3" imgW="825500" imgH="457200" progId="Equation.3">
                   <p:embed/>
                 </p:oleObj>
               </mc:Choice>
@@ -11396,7 +11461,7 @@
           <a:graphicData uri="http://schemas.openxmlformats.org/presentationml/2006/ole">
             <mc:AlternateContent xmlns:mc="http://schemas.openxmlformats.org/markup-compatibility/2006">
               <mc:Choice xmlns:v="urn:schemas-microsoft-com:vml" Requires="v">
-                <p:oleObj spid="_x0000_s2220" name="Equation" r:id="rId5" imgW="1028700" imgH="457200" progId="Equation.3">
+                <p:oleObj spid="_x0000_s2224" name="Equation" r:id="rId5" imgW="1028700" imgH="457200" progId="Equation.3">
                   <p:embed/>
                 </p:oleObj>
               </mc:Choice>
@@ -11453,7 +11518,7 @@
           <a:graphicData uri="http://schemas.openxmlformats.org/presentationml/2006/ole">
             <mc:AlternateContent xmlns:mc="http://schemas.openxmlformats.org/markup-compatibility/2006">
               <mc:Choice xmlns:v="urn:schemas-microsoft-com:vml" Requires="v">
-                <p:oleObj spid="_x0000_s2221" name="Equation" r:id="rId7" imgW="1422400" imgH="914400" progId="Equation.3">
+                <p:oleObj spid="_x0000_s2225" name="Equation" r:id="rId7" imgW="1422400" imgH="914400" progId="Equation.3">
                   <p:embed/>
                 </p:oleObj>
               </mc:Choice>
@@ -11575,6 +11640,13 @@
   <p:clrMapOvr>
     <a:masterClrMapping/>
   </p:clrMapOvr>
+  <p:timing>
+    <p:tnLst>
+      <p:par>
+        <p:cTn xmlns:p14="http://schemas.microsoft.com/office/powerpoint/2010/main" id="1" dur="indefinite" restart="never" nodeType="tmRoot"/>
+      </p:par>
+    </p:tnLst>
+  </p:timing>
 </p:sld>
 </file>
 

--- a/tutorial-05-overdecomposition.pptx
+++ b/tutorial-05-overdecomposition.pptx
@@ -7083,7 +7083,7 @@
               </a:ext>
             </a:extLst>
           </a:blip>
-          <a:srcRect t="5991" b="5991"/>
+          <a:srcRect l="-6808" r="-6808"/>
           <a:stretch>
             <a:fillRect/>
           </a:stretch>
@@ -7244,7 +7244,7 @@
               </a:ext>
             </a:extLst>
           </a:blip>
-          <a:srcRect t="4832" b="4832"/>
+          <a:srcRect l="-5350" r="-5350"/>
           <a:stretch>
             <a:fillRect/>
           </a:stretch>
@@ -7480,7 +7480,15 @@
           <a:p>
             <a:r>
               <a:rPr lang="en-US" dirty="0"/>
-              <a:t>Blue Waters (JYC) , 2 nodes, 32 cores each</a:t>
+              <a:t>Blue Waters (JYC</a:t>
+            </a:r>
+            <a:r>
+              <a:rPr lang="en-US" dirty="0" smtClean="0"/>
+              <a:t>), </a:t>
+            </a:r>
+            <a:r>
+              <a:rPr lang="en-US" dirty="0"/>
+              <a:t>2 nodes, 32 cores each</a:t>
             </a:r>
           </a:p>
         </p:txBody>
@@ -7503,10 +7511,15 @@
               </a:ext>
             </a:extLst>
           </a:blip>
-          <a:srcRect t="40688" b="40688"/>
+          <a:srcRect l="-17329" r="-17329"/>
           <a:stretch/>
         </p:blipFill>
-        <p:spPr/>
+        <p:spPr>
+          <a:xfrm>
+            <a:off x="261865" y="1197439"/>
+            <a:ext cx="8615360" cy="4462751"/>
+          </a:xfrm>
+        </p:spPr>
       </p:pic>
       <p:sp>
         <p:nvSpPr>
@@ -7621,7 +7634,12 @@
             <p:ph type="body" idx="1"/>
           </p:nvPr>
         </p:nvSpPr>
-        <p:spPr/>
+        <p:spPr>
+          <a:xfrm>
+            <a:off x="780770" y="1394619"/>
+            <a:ext cx="4114800" cy="639762"/>
+          </a:xfrm>
+        </p:spPr>
         <p:txBody>
           <a:bodyPr/>
           <a:lstStyle/>
@@ -7651,12 +7669,17 @@
               </a:ext>
             </a:extLst>
           </a:blip>
-          <a:srcRect l="15729" r="15729"/>
+          <a:srcRect t="-8025" b="-8025"/>
           <a:stretch>
             <a:fillRect/>
           </a:stretch>
         </p:blipFill>
-        <p:spPr/>
+        <p:spPr>
+          <a:xfrm>
+            <a:off x="261864" y="1714500"/>
+            <a:ext cx="5172987" cy="4675188"/>
+          </a:xfrm>
+        </p:spPr>
       </p:pic>
       <p:sp>
         <p:nvSpPr>
@@ -7673,32 +7696,50 @@
           <a:bodyPr/>
           <a:lstStyle/>
           <a:p>
+            <a:endParaRPr lang="en-US" dirty="0"/>
+          </a:p>
+        </p:txBody>
+      </p:sp>
+      <p:sp>
+        <p:nvSpPr>
+          <p:cNvPr id="6" name="Content Placeholder 5"/>
+          <p:cNvSpPr>
+            <a:spLocks noGrp="1"/>
+          </p:cNvSpPr>
+          <p:nvPr>
+            <p:ph sz="quarter" idx="4"/>
+          </p:nvPr>
+        </p:nvSpPr>
+        <p:spPr>
+          <a:xfrm>
+            <a:off x="5434851" y="1714500"/>
+            <a:ext cx="3442374" cy="4675188"/>
+          </a:xfrm>
+        </p:spPr>
+        <p:txBody>
+          <a:bodyPr anchor="t" anchorCtr="0"/>
+          <a:lstStyle/>
+          <a:p>
+            <a:pPr marL="0" indent="0">
+              <a:buNone/>
+            </a:pPr>
             <a:r>
               <a:rPr lang="en-US" dirty="0" smtClean="0"/>
               <a:t>Solution:</a:t>
             </a:r>
-            <a:endParaRPr lang="en-US" dirty="0"/>
-          </a:p>
-        </p:txBody>
-      </p:sp>
-      <p:sp>
-        <p:nvSpPr>
-          <p:cNvPr id="6" name="Content Placeholder 5"/>
-          <p:cNvSpPr>
-            <a:spLocks noGrp="1"/>
-          </p:cNvSpPr>
-          <p:nvPr>
-            <p:ph sz="quarter" idx="4"/>
-          </p:nvPr>
-        </p:nvSpPr>
-        <p:spPr/>
-        <p:txBody>
-          <a:bodyPr/>
-          <a:lstStyle/>
-          <a:p>
+            <a:endParaRPr lang="en-US" dirty="0" smtClean="0"/>
+          </a:p>
+          <a:p>
+            <a:pPr marL="0" indent="0">
+              <a:buNone/>
+            </a:pPr>
+            <a:r>
+              <a:rPr lang="en-US" dirty="0" smtClean="0"/>
+              <a:t>Split </a:t>
+            </a:r>
             <a:r>
               <a:rPr lang="en-US" dirty="0"/>
-              <a:t>Split compute objects that may have too much work, using a heuristic based on number of interacting atoms</a:t>
+              <a:t>compute objects that may have too much work, using a heuristic based on number of interacting atoms</a:t>
             </a:r>
           </a:p>
         </p:txBody>
@@ -8503,7 +8544,7 @@
           <a:graphicData uri="http://schemas.openxmlformats.org/presentationml/2006/ole">
             <mc:AlternateContent xmlns:mc="http://schemas.openxmlformats.org/markup-compatibility/2006">
               <mc:Choice xmlns:v="urn:schemas-microsoft-com:vml" Requires="v">
-                <p:oleObj spid="_x0000_s3133" name="Equation" r:id="rId3" imgW="165100" imgH="431800" progId="Equation.3">
+                <p:oleObj spid="_x0000_s3141" name="Equation" r:id="rId3" imgW="165100" imgH="431800" progId="Equation.3">
                   <p:embed/>
                 </p:oleObj>
               </mc:Choice>
@@ -8921,7 +8962,15 @@
             </a:r>
             <a:r>
               <a:rPr lang="en-US" dirty="0"/>
-              <a:t>object t then waits for all </a:t>
+              <a:t>object </a:t>
+            </a:r>
+            <a:r>
+              <a:rPr lang="en-US" i="1" dirty="0"/>
+              <a:t>t</a:t>
+            </a:r>
+            <a:r>
+              <a:rPr lang="en-US" dirty="0"/>
+              <a:t> then waits for all </a:t>
             </a:r>
             <a:r>
               <a:rPr lang="en-US" i="1" dirty="0"/>
@@ -9133,7 +9182,14 @@
                 <a:latin typeface="Lucida Console"/>
                 <a:cs typeface="Lucida Console"/>
               </a:rPr>
-              <a:t>Fib </a:t>
+              <a:t>Fib</a:t>
+            </a:r>
+            <a:r>
+              <a:rPr lang="en-US" dirty="0">
+                <a:latin typeface="+mn-lt"/>
+                <a:cs typeface="Lucida Console"/>
+              </a:rPr>
+              <a:t> </a:t>
             </a:r>
             <a:r>
               <a:rPr lang="en-US" dirty="0"/>
@@ -9167,7 +9223,11 @@
             </a:r>
             <a:r>
               <a:rPr lang="en-US" i="1" dirty="0"/>
-              <a:t>(n 1) </a:t>
+              <a:t>(</a:t>
+            </a:r>
+            <a:r>
+              <a:rPr lang="en-US" i="1" dirty="0" smtClean="0"/>
+              <a:t>n – 1) </a:t>
             </a:r>
             <a:r>
               <a:rPr lang="en-US" dirty="0"/>
@@ -9179,7 +9239,11 @@
             </a:r>
             <a:r>
               <a:rPr lang="en-US" i="1" dirty="0"/>
-              <a:t>(n 2) </a:t>
+              <a:t>(</a:t>
+            </a:r>
+            <a:r>
+              <a:rPr lang="en-US" i="1" dirty="0" smtClean="0"/>
+              <a:t>n – 2) </a:t>
             </a:r>
             <a:r>
               <a:rPr lang="en-US" dirty="0"/>
@@ -10768,8 +10832,12 @@
               <a:t>time units, and the sequential program takes </a:t>
             </a:r>
             <a:r>
-              <a:rPr lang="en-US" i="1" dirty="0" err="1"/>
-              <a:t>Tseq</a:t>
+              <a:rPr lang="en-US" i="1" dirty="0"/>
+              <a:t>T</a:t>
+            </a:r>
+            <a:r>
+              <a:rPr lang="en-US" i="1" baseline="-25000" dirty="0"/>
+              <a:t>seq</a:t>
             </a:r>
             <a:r>
               <a:rPr lang="en-US" dirty="0"/>
@@ -10923,7 +10991,7 @@
           <a:graphicData uri="http://schemas.openxmlformats.org/presentationml/2006/ole">
             <mc:AlternateContent xmlns:mc="http://schemas.openxmlformats.org/markup-compatibility/2006">
               <mc:Choice xmlns:v="urn:schemas-microsoft-com:vml" Requires="v">
-                <p:oleObj spid="_x0000_s1143" name="Equation" r:id="rId3" imgW="292100" imgH="393700" progId="Equation.3">
+                <p:oleObj spid="_x0000_s1158" name="Equation" r:id="rId3" imgW="292100" imgH="393700" progId="Equation.3">
                   <p:embed/>
                 </p:oleObj>
               </mc:Choice>
@@ -10980,7 +11048,7 @@
           <a:graphicData uri="http://schemas.openxmlformats.org/presentationml/2006/ole">
             <mc:AlternateContent xmlns:mc="http://schemas.openxmlformats.org/markup-compatibility/2006">
               <mc:Choice xmlns:v="urn:schemas-microsoft-com:vml" Requires="v">
-                <p:oleObj spid="_x0000_s1144" name="Equation" r:id="rId5" imgW="355600" imgH="393700" progId="Equation.3">
+                <p:oleObj spid="_x0000_s1159" name="Equation" r:id="rId5" imgW="355600" imgH="393700" progId="Equation.3">
                   <p:embed/>
                 </p:oleObj>
               </mc:Choice>
@@ -11404,7 +11472,7 @@
           <a:graphicData uri="http://schemas.openxmlformats.org/presentationml/2006/ole">
             <mc:AlternateContent xmlns:mc="http://schemas.openxmlformats.org/markup-compatibility/2006">
               <mc:Choice xmlns:v="urn:schemas-microsoft-com:vml" Requires="v">
-                <p:oleObj spid="_x0000_s2223" name="Equation" r:id="rId3" imgW="825500" imgH="457200" progId="Equation.3">
+                <p:oleObj spid="_x0000_s2245" name="Equation" r:id="rId3" imgW="825500" imgH="457200" progId="Equation.3">
                   <p:embed/>
                 </p:oleObj>
               </mc:Choice>
@@ -11461,7 +11529,7 @@
           <a:graphicData uri="http://schemas.openxmlformats.org/presentationml/2006/ole">
             <mc:AlternateContent xmlns:mc="http://schemas.openxmlformats.org/markup-compatibility/2006">
               <mc:Choice xmlns:v="urn:schemas-microsoft-com:vml" Requires="v">
-                <p:oleObj spid="_x0000_s2224" name="Equation" r:id="rId5" imgW="1028700" imgH="457200" progId="Equation.3">
+                <p:oleObj spid="_x0000_s2246" name="Equation" r:id="rId5" imgW="1028700" imgH="457200" progId="Equation.3">
                   <p:embed/>
                 </p:oleObj>
               </mc:Choice>
@@ -11518,7 +11586,7 @@
           <a:graphicData uri="http://schemas.openxmlformats.org/presentationml/2006/ole">
             <mc:AlternateContent xmlns:mc="http://schemas.openxmlformats.org/markup-compatibility/2006">
               <mc:Choice xmlns:v="urn:schemas-microsoft-com:vml" Requires="v">
-                <p:oleObj spid="_x0000_s2225" name="Equation" r:id="rId7" imgW="1422400" imgH="914400" progId="Equation.3">
+                <p:oleObj spid="_x0000_s2247" name="Equation" r:id="rId7" imgW="1422400" imgH="914400" progId="Equation.3">
                   <p:embed/>
                 </p:oleObj>
               </mc:Choice>

--- a/tutorial-05-overdecomposition.pptx
+++ b/tutorial-05-overdecomposition.pptx
@@ -7727,7 +7727,6 @@
               <a:rPr lang="en-US" dirty="0" smtClean="0"/>
               <a:t>Solution:</a:t>
             </a:r>
-            <a:endParaRPr lang="en-US" dirty="0" smtClean="0"/>
           </a:p>
           <a:p>
             <a:pPr marL="0" indent="0">
@@ -8544,7 +8543,7 @@
           <a:graphicData uri="http://schemas.openxmlformats.org/presentationml/2006/ole">
             <mc:AlternateContent xmlns:mc="http://schemas.openxmlformats.org/markup-compatibility/2006">
               <mc:Choice xmlns:v="urn:schemas-microsoft-com:vml" Requires="v">
-                <p:oleObj spid="_x0000_s3141" name="Equation" r:id="rId3" imgW="165100" imgH="431800" progId="Equation.3">
+                <p:oleObj spid="_x0000_s3143" name="Equation" r:id="rId3" imgW="165100" imgH="431800" progId="Equation.3">
                   <p:embed/>
                 </p:oleObj>
               </mc:Choice>
@@ -10323,7 +10322,7 @@
 </file>
 
 <file path=ppt/slides/slide5.xml><?xml version="1.0" encoding="utf-8"?>
-<p:sld xmlns:a="http://schemas.openxmlformats.org/drawingml/2006/main" xmlns:r="http://schemas.openxmlformats.org/officeDocument/2006/relationships" xmlns:p="http://schemas.openxmlformats.org/presentationml/2006/main">
+<p:sld xmlns:a="http://schemas.openxmlformats.org/drawingml/2006/main" xmlns:r="http://schemas.openxmlformats.org/officeDocument/2006/relationships" xmlns:p="http://schemas.openxmlformats.org/presentationml/2006/main" show="0">
   <p:cSld>
     <p:spTree>
       <p:nvGrpSpPr>
@@ -10454,6 +10453,14 @@
   <p:clrMapOvr>
     <a:masterClrMapping/>
   </p:clrMapOvr>
+  <mc:AlternateContent xmlns:mc="http://schemas.openxmlformats.org/markup-compatibility/2006">
+    <mc:Choice xmlns:p14="http://schemas.microsoft.com/office/powerpoint/2010/main" Requires="p14">
+      <p:transition spd="slow" p14:dur="2000"/>
+    </mc:Choice>
+    <mc:Fallback>
+      <p:transition xmlns:p14="http://schemas.microsoft.com/office/powerpoint/2010/main" spd="slow"/>
+    </mc:Fallback>
+  </mc:AlternateContent>
   <p:timing>
     <p:tnLst>
       <p:par>
@@ -10991,7 +10998,7 @@
           <a:graphicData uri="http://schemas.openxmlformats.org/presentationml/2006/ole">
             <mc:AlternateContent xmlns:mc="http://schemas.openxmlformats.org/markup-compatibility/2006">
               <mc:Choice xmlns:v="urn:schemas-microsoft-com:vml" Requires="v">
-                <p:oleObj spid="_x0000_s1158" name="Equation" r:id="rId3" imgW="292100" imgH="393700" progId="Equation.3">
+                <p:oleObj spid="_x0000_s1161" name="Equation" r:id="rId3" imgW="292100" imgH="393700" progId="Equation.3">
                   <p:embed/>
                 </p:oleObj>
               </mc:Choice>
@@ -11048,7 +11055,7 @@
           <a:graphicData uri="http://schemas.openxmlformats.org/presentationml/2006/ole">
             <mc:AlternateContent xmlns:mc="http://schemas.openxmlformats.org/markup-compatibility/2006">
               <mc:Choice xmlns:v="urn:schemas-microsoft-com:vml" Requires="v">
-                <p:oleObj spid="_x0000_s1159" name="Equation" r:id="rId5" imgW="355600" imgH="393700" progId="Equation.3">
+                <p:oleObj spid="_x0000_s1162" name="Equation" r:id="rId5" imgW="355600" imgH="393700" progId="Equation.3">
                   <p:embed/>
                 </p:oleObj>
               </mc:Choice>
@@ -11472,7 +11479,7 @@
           <a:graphicData uri="http://schemas.openxmlformats.org/presentationml/2006/ole">
             <mc:AlternateContent xmlns:mc="http://schemas.openxmlformats.org/markup-compatibility/2006">
               <mc:Choice xmlns:v="urn:schemas-microsoft-com:vml" Requires="v">
-                <p:oleObj spid="_x0000_s2245" name="Equation" r:id="rId3" imgW="825500" imgH="457200" progId="Equation.3">
+                <p:oleObj spid="_x0000_s2249" name="Equation" r:id="rId3" imgW="825500" imgH="457200" progId="Equation.3">
                   <p:embed/>
                 </p:oleObj>
               </mc:Choice>
@@ -11529,7 +11536,7 @@
           <a:graphicData uri="http://schemas.openxmlformats.org/presentationml/2006/ole">
             <mc:AlternateContent xmlns:mc="http://schemas.openxmlformats.org/markup-compatibility/2006">
               <mc:Choice xmlns:v="urn:schemas-microsoft-com:vml" Requires="v">
-                <p:oleObj spid="_x0000_s2246" name="Equation" r:id="rId5" imgW="1028700" imgH="457200" progId="Equation.3">
+                <p:oleObj spid="_x0000_s2250" name="Equation" r:id="rId5" imgW="1028700" imgH="457200" progId="Equation.3">
                   <p:embed/>
                 </p:oleObj>
               </mc:Choice>
@@ -11586,7 +11593,7 @@
           <a:graphicData uri="http://schemas.openxmlformats.org/presentationml/2006/ole">
             <mc:AlternateContent xmlns:mc="http://schemas.openxmlformats.org/markup-compatibility/2006">
               <mc:Choice xmlns:v="urn:schemas-microsoft-com:vml" Requires="v">
-                <p:oleObj spid="_x0000_s2247" name="Equation" r:id="rId7" imgW="1422400" imgH="914400" progId="Equation.3">
+                <p:oleObj spid="_x0000_s2251" name="Equation" r:id="rId7" imgW="1422400" imgH="914400" progId="Equation.3">
                   <p:embed/>
                 </p:oleObj>
               </mc:Choice>

--- a/tutorial-05-overdecomposition.pptx
+++ b/tutorial-05-overdecomposition.pptx
@@ -6623,7 +6623,7 @@
             </a:r>
           </a:p>
           <a:p>
-            <a:pPr marL="681038" lvl="1" indent="-276225">
+            <a:pPr marL="955358" lvl="2" indent="-276225">
               <a:buClr>
                 <a:srgbClr val="0000FF"/>
               </a:buClr>
@@ -6632,12 +6632,12 @@
               <a:buChar char="•"/>
             </a:pPr>
             <a:r>
-              <a:rPr lang="en-US" dirty="0" smtClean="0"/>
+              <a:rPr lang="en-US" dirty="0"/>
               <a:t>Object Design</a:t>
             </a:r>
           </a:p>
           <a:p>
-            <a:pPr marL="681038" lvl="1" indent="-276225">
+            <a:pPr marL="955358" lvl="2" indent="-276225">
               <a:buClr>
                 <a:srgbClr val="0000FF"/>
               </a:buClr>
@@ -6646,7 +6646,7 @@
               <a:buChar char="•"/>
             </a:pPr>
             <a:r>
-              <a:rPr lang="en-US" dirty="0" smtClean="0"/>
+              <a:rPr lang="en-US" dirty="0"/>
               <a:t>Execution Model</a:t>
             </a:r>
           </a:p>
@@ -6661,7 +6661,11 @@
             </a:pPr>
             <a:r>
               <a:rPr lang="en-US" dirty="0" smtClean="0"/>
-              <a:t>Hello World</a:t>
+              <a:t>Hello </a:t>
+            </a:r>
+            <a:r>
+              <a:rPr lang="en-US" dirty="0" smtClean="0"/>
+              <a:t>World</a:t>
             </a:r>
           </a:p>
           <a:p>
@@ -6693,7 +6697,7 @@
             </a:r>
           </a:p>
           <a:p>
-            <a:pPr marL="681038" lvl="1" indent="-331788">
+            <a:pPr marL="954088" lvl="2" indent="-266700">
               <a:buClr>
                 <a:srgbClr val="0000FF"/>
               </a:buClr>
@@ -6702,7 +6706,7 @@
               <a:buChar char="•"/>
             </a:pPr>
             <a:r>
-              <a:rPr lang="en-US" dirty="0" smtClean="0"/>
+              <a:rPr lang="en-US" dirty="0"/>
               <a:t>Object Collections</a:t>
             </a:r>
           </a:p>
@@ -6737,7 +6741,7 @@
             <a:endParaRPr lang="en-US" dirty="0" smtClean="0"/>
           </a:p>
           <a:p>
-            <a:pPr marL="681038" lvl="1" indent="-385763">
+            <a:pPr marL="954088" lvl="2" indent="-266700">
               <a:buClr>
                 <a:srgbClr val="0000FF"/>
               </a:buClr>
@@ -6746,11 +6750,11 @@
               <a:buChar char="•"/>
             </a:pPr>
             <a:r>
-              <a:rPr lang="en-US" dirty="0" err="1" smtClean="0"/>
+              <a:rPr lang="en-US" dirty="0" err="1"/>
               <a:t>Checkpointing</a:t>
             </a:r>
             <a:r>
-              <a:rPr lang="en-US" dirty="0" smtClean="0"/>
+              <a:rPr lang="en-US" dirty="0"/>
               <a:t> and Resilience</a:t>
             </a:r>
           </a:p>
@@ -6765,7 +6769,11 @@
             </a:pPr>
             <a:r>
               <a:rPr lang="en-US" dirty="0" smtClean="0"/>
-              <a:t>Structured Dagger</a:t>
+              <a:t>Structured </a:t>
+            </a:r>
+            <a:r>
+              <a:rPr lang="en-US" dirty="0" smtClean="0"/>
+              <a:t>Dagger</a:t>
             </a:r>
           </a:p>
           <a:p>
@@ -8543,7 +8551,7 @@
           <a:graphicData uri="http://schemas.openxmlformats.org/presentationml/2006/ole">
             <mc:AlternateContent xmlns:mc="http://schemas.openxmlformats.org/markup-compatibility/2006">
               <mc:Choice xmlns:v="urn:schemas-microsoft-com:vml" Requires="v">
-                <p:oleObj spid="_x0000_s3143" name="Equation" r:id="rId3" imgW="165100" imgH="431800" progId="Equation.3">
+                <p:oleObj spid="_x0000_s3155" name="Equation" r:id="rId3" imgW="165100" imgH="431800" progId="Equation.3">
                   <p:embed/>
                 </p:oleObj>
               </mc:Choice>
@@ -8591,9 +8599,353 @@
   <p:timing>
     <p:tnLst>
       <p:par>
-        <p:cTn xmlns:p14="http://schemas.microsoft.com/office/powerpoint/2010/main" id="1" dur="indefinite" restart="never" nodeType="tmRoot"/>
+        <p:cTn xmlns:p14="http://schemas.microsoft.com/office/powerpoint/2010/main" id="1" dur="indefinite" restart="never" nodeType="tmRoot">
+          <p:childTnLst>
+            <p:seq concurrent="1" nextAc="seek">
+              <p:cTn id="2" dur="indefinite" nodeType="mainSeq">
+                <p:childTnLst>
+                  <p:par>
+                    <p:cTn id="3" fill="hold">
+                      <p:stCondLst>
+                        <p:cond delay="indefinite"/>
+                        <p:cond evt="onBegin" delay="0">
+                          <p:tn val="2"/>
+                        </p:cond>
+                      </p:stCondLst>
+                      <p:childTnLst>
+                        <p:par>
+                          <p:cTn id="4" fill="hold">
+                            <p:stCondLst>
+                              <p:cond delay="0"/>
+                            </p:stCondLst>
+                            <p:childTnLst>
+                              <p:par>
+                                <p:cTn id="5" presetID="1" presetClass="entr" presetSubtype="0" fill="hold" grpId="0" nodeType="withEffect">
+                                  <p:stCondLst>
+                                    <p:cond delay="0"/>
+                                  </p:stCondLst>
+                                  <p:childTnLst>
+                                    <p:set>
+                                      <p:cBhvr>
+                                        <p:cTn id="6" dur="1" fill="hold">
+                                          <p:stCondLst>
+                                            <p:cond delay="0"/>
+                                          </p:stCondLst>
+                                        </p:cTn>
+                                        <p:tgtEl>
+                                          <p:spTgt spid="3">
+                                            <p:txEl>
+                                              <p:pRg st="0" end="0"/>
+                                            </p:txEl>
+                                          </p:spTgt>
+                                        </p:tgtEl>
+                                        <p:attrNameLst>
+                                          <p:attrName>style.visibility</p:attrName>
+                                        </p:attrNameLst>
+                                      </p:cBhvr>
+                                      <p:to>
+                                        <p:strVal val="visible"/>
+                                      </p:to>
+                                    </p:set>
+                                  </p:childTnLst>
+                                </p:cTn>
+                              </p:par>
+                              <p:par>
+                                <p:cTn id="7" presetID="1" presetClass="entr" presetSubtype="0" fill="hold" grpId="0" nodeType="withEffect">
+                                  <p:stCondLst>
+                                    <p:cond delay="0"/>
+                                  </p:stCondLst>
+                                  <p:childTnLst>
+                                    <p:set>
+                                      <p:cBhvr>
+                                        <p:cTn id="8" dur="1" fill="hold">
+                                          <p:stCondLst>
+                                            <p:cond delay="0"/>
+                                          </p:stCondLst>
+                                        </p:cTn>
+                                        <p:tgtEl>
+                                          <p:spTgt spid="3">
+                                            <p:txEl>
+                                              <p:pRg st="1" end="1"/>
+                                            </p:txEl>
+                                          </p:spTgt>
+                                        </p:tgtEl>
+                                        <p:attrNameLst>
+                                          <p:attrName>style.visibility</p:attrName>
+                                        </p:attrNameLst>
+                                      </p:cBhvr>
+                                      <p:to>
+                                        <p:strVal val="visible"/>
+                                      </p:to>
+                                    </p:set>
+                                  </p:childTnLst>
+                                </p:cTn>
+                              </p:par>
+                              <p:par>
+                                <p:cTn id="9" presetID="1" presetClass="entr" presetSubtype="0" fill="hold" grpId="0" nodeType="withEffect">
+                                  <p:stCondLst>
+                                    <p:cond delay="0"/>
+                                  </p:stCondLst>
+                                  <p:childTnLst>
+                                    <p:set>
+                                      <p:cBhvr>
+                                        <p:cTn id="10" dur="1" fill="hold">
+                                          <p:stCondLst>
+                                            <p:cond delay="0"/>
+                                          </p:stCondLst>
+                                        </p:cTn>
+                                        <p:tgtEl>
+                                          <p:spTgt spid="3">
+                                            <p:txEl>
+                                              <p:pRg st="2" end="2"/>
+                                            </p:txEl>
+                                          </p:spTgt>
+                                        </p:tgtEl>
+                                        <p:attrNameLst>
+                                          <p:attrName>style.visibility</p:attrName>
+                                        </p:attrNameLst>
+                                      </p:cBhvr>
+                                      <p:to>
+                                        <p:strVal val="visible"/>
+                                      </p:to>
+                                    </p:set>
+                                  </p:childTnLst>
+                                </p:cTn>
+                              </p:par>
+                              <p:par>
+                                <p:cTn id="11" presetID="1" presetClass="entr" presetSubtype="0" fill="hold" grpId="0" nodeType="withEffect">
+                                  <p:stCondLst>
+                                    <p:cond delay="0"/>
+                                  </p:stCondLst>
+                                  <p:childTnLst>
+                                    <p:set>
+                                      <p:cBhvr>
+                                        <p:cTn id="12" dur="1" fill="hold">
+                                          <p:stCondLst>
+                                            <p:cond delay="0"/>
+                                          </p:stCondLst>
+                                        </p:cTn>
+                                        <p:tgtEl>
+                                          <p:spTgt spid="3">
+                                            <p:txEl>
+                                              <p:pRg st="3" end="3"/>
+                                            </p:txEl>
+                                          </p:spTgt>
+                                        </p:tgtEl>
+                                        <p:attrNameLst>
+                                          <p:attrName>style.visibility</p:attrName>
+                                        </p:attrNameLst>
+                                      </p:cBhvr>
+                                      <p:to>
+                                        <p:strVal val="visible"/>
+                                      </p:to>
+                                    </p:set>
+                                  </p:childTnLst>
+                                </p:cTn>
+                              </p:par>
+                              <p:par>
+                                <p:cTn id="13" presetID="1" presetClass="entr" presetSubtype="0" fill="hold" grpId="0" nodeType="withEffect">
+                                  <p:stCondLst>
+                                    <p:cond delay="0"/>
+                                  </p:stCondLst>
+                                  <p:childTnLst>
+                                    <p:set>
+                                      <p:cBhvr>
+                                        <p:cTn id="14" dur="1" fill="hold">
+                                          <p:stCondLst>
+                                            <p:cond delay="0"/>
+                                          </p:stCondLst>
+                                        </p:cTn>
+                                        <p:tgtEl>
+                                          <p:spTgt spid="3">
+                                            <p:txEl>
+                                              <p:pRg st="4" end="4"/>
+                                            </p:txEl>
+                                          </p:spTgt>
+                                        </p:tgtEl>
+                                        <p:attrNameLst>
+                                          <p:attrName>style.visibility</p:attrName>
+                                        </p:attrNameLst>
+                                      </p:cBhvr>
+                                      <p:to>
+                                        <p:strVal val="visible"/>
+                                      </p:to>
+                                    </p:set>
+                                  </p:childTnLst>
+                                </p:cTn>
+                              </p:par>
+                              <p:par>
+                                <p:cTn id="15" presetID="1" presetClass="entr" presetSubtype="0" fill="hold" grpId="0" nodeType="withEffect">
+                                  <p:stCondLst>
+                                    <p:cond delay="0"/>
+                                  </p:stCondLst>
+                                  <p:childTnLst>
+                                    <p:set>
+                                      <p:cBhvr>
+                                        <p:cTn id="16" dur="1" fill="hold">
+                                          <p:stCondLst>
+                                            <p:cond delay="0"/>
+                                          </p:stCondLst>
+                                        </p:cTn>
+                                        <p:tgtEl>
+                                          <p:spTgt spid="3">
+                                            <p:txEl>
+                                              <p:pRg st="5" end="5"/>
+                                            </p:txEl>
+                                          </p:spTgt>
+                                        </p:tgtEl>
+                                        <p:attrNameLst>
+                                          <p:attrName>style.visibility</p:attrName>
+                                        </p:attrNameLst>
+                                      </p:cBhvr>
+                                      <p:to>
+                                        <p:strVal val="visible"/>
+                                      </p:to>
+                                    </p:set>
+                                  </p:childTnLst>
+                                </p:cTn>
+                              </p:par>
+                            </p:childTnLst>
+                          </p:cTn>
+                        </p:par>
+                      </p:childTnLst>
+                    </p:cTn>
+                  </p:par>
+                  <p:par>
+                    <p:cTn id="17" fill="hold">
+                      <p:stCondLst>
+                        <p:cond delay="indefinite"/>
+                      </p:stCondLst>
+                      <p:childTnLst>
+                        <p:par>
+                          <p:cTn id="18" fill="hold">
+                            <p:stCondLst>
+                              <p:cond delay="0"/>
+                            </p:stCondLst>
+                            <p:childTnLst>
+                              <p:par>
+                                <p:cTn id="19" presetID="1" presetClass="entr" presetSubtype="0" fill="hold" grpId="0" nodeType="clickEffect">
+                                  <p:stCondLst>
+                                    <p:cond delay="0"/>
+                                  </p:stCondLst>
+                                  <p:childTnLst>
+                                    <p:set>
+                                      <p:cBhvr>
+                                        <p:cTn id="20" dur="1" fill="hold">
+                                          <p:stCondLst>
+                                            <p:cond delay="0"/>
+                                          </p:stCondLst>
+                                        </p:cTn>
+                                        <p:tgtEl>
+                                          <p:spTgt spid="3">
+                                            <p:txEl>
+                                              <p:pRg st="6" end="6"/>
+                                            </p:txEl>
+                                          </p:spTgt>
+                                        </p:tgtEl>
+                                        <p:attrNameLst>
+                                          <p:attrName>style.visibility</p:attrName>
+                                        </p:attrNameLst>
+                                      </p:cBhvr>
+                                      <p:to>
+                                        <p:strVal val="visible"/>
+                                      </p:to>
+                                    </p:set>
+                                  </p:childTnLst>
+                                </p:cTn>
+                              </p:par>
+                              <p:par>
+                                <p:cTn id="21" presetID="1" presetClass="entr" presetSubtype="0" fill="hold" grpId="0" nodeType="withEffect">
+                                  <p:stCondLst>
+                                    <p:cond delay="0"/>
+                                  </p:stCondLst>
+                                  <p:childTnLst>
+                                    <p:set>
+                                      <p:cBhvr>
+                                        <p:cTn id="22" dur="1" fill="hold">
+                                          <p:stCondLst>
+                                            <p:cond delay="0"/>
+                                          </p:stCondLst>
+                                        </p:cTn>
+                                        <p:tgtEl>
+                                          <p:spTgt spid="3">
+                                            <p:txEl>
+                                              <p:pRg st="7" end="7"/>
+                                            </p:txEl>
+                                          </p:spTgt>
+                                        </p:tgtEl>
+                                        <p:attrNameLst>
+                                          <p:attrName>style.visibility</p:attrName>
+                                        </p:attrNameLst>
+                                      </p:cBhvr>
+                                      <p:to>
+                                        <p:strVal val="visible"/>
+                                      </p:to>
+                                    </p:set>
+                                  </p:childTnLst>
+                                </p:cTn>
+                              </p:par>
+                              <p:par>
+                                <p:cTn id="23" presetID="1" presetClass="entr" presetSubtype="0" fill="hold" grpId="0" nodeType="withEffect">
+                                  <p:stCondLst>
+                                    <p:cond delay="0"/>
+                                  </p:stCondLst>
+                                  <p:childTnLst>
+                                    <p:set>
+                                      <p:cBhvr>
+                                        <p:cTn id="24" dur="1" fill="hold">
+                                          <p:stCondLst>
+                                            <p:cond delay="0"/>
+                                          </p:stCondLst>
+                                        </p:cTn>
+                                        <p:tgtEl>
+                                          <p:spTgt spid="3">
+                                            <p:txEl>
+                                              <p:pRg st="8" end="8"/>
+                                            </p:txEl>
+                                          </p:spTgt>
+                                        </p:tgtEl>
+                                        <p:attrNameLst>
+                                          <p:attrName>style.visibility</p:attrName>
+                                        </p:attrNameLst>
+                                      </p:cBhvr>
+                                      <p:to>
+                                        <p:strVal val="visible"/>
+                                      </p:to>
+                                    </p:set>
+                                  </p:childTnLst>
+                                </p:cTn>
+                              </p:par>
+                            </p:childTnLst>
+                          </p:cTn>
+                        </p:par>
+                      </p:childTnLst>
+                    </p:cTn>
+                  </p:par>
+                </p:childTnLst>
+              </p:cTn>
+              <p:prevCondLst>
+                <p:cond evt="onPrev" delay="0">
+                  <p:tgtEl>
+                    <p:sldTgt/>
+                  </p:tgtEl>
+                </p:cond>
+              </p:prevCondLst>
+              <p:nextCondLst>
+                <p:cond evt="onNext" delay="0">
+                  <p:tgtEl>
+                    <p:sldTgt/>
+                  </p:tgtEl>
+                </p:cond>
+              </p:nextCondLst>
+            </p:seq>
+          </p:childTnLst>
+        </p:cTn>
       </p:par>
     </p:tnLst>
+    <p:bldLst>
+      <p:bldP spid="3" grpId="0" build="p"/>
+    </p:bldLst>
   </p:timing>
 </p:sld>
 </file>
@@ -9850,6 +10202,9 @@
                     <p:cTn id="3" fill="hold">
                       <p:stCondLst>
                         <p:cond delay="indefinite"/>
+                        <p:cond evt="onBegin" delay="0">
+                          <p:tn val="2"/>
+                        </p:cond>
                       </p:stCondLst>
                       <p:childTnLst>
                         <p:par>
@@ -9859,7 +10214,7 @@
                             </p:stCondLst>
                             <p:childTnLst>
                               <p:par>
-                                <p:cTn id="5" presetID="1" presetClass="entr" presetSubtype="0" fill="hold" nodeType="clickEffect">
+                                <p:cTn id="5" presetID="1" presetClass="entr" presetSubtype="0" fill="hold" nodeType="withEffect">
                                   <p:stCondLst>
                                     <p:cond delay="0"/>
                                   </p:stCondLst>
@@ -10998,7 +11353,7 @@
           <a:graphicData uri="http://schemas.openxmlformats.org/presentationml/2006/ole">
             <mc:AlternateContent xmlns:mc="http://schemas.openxmlformats.org/markup-compatibility/2006">
               <mc:Choice xmlns:v="urn:schemas-microsoft-com:vml" Requires="v">
-                <p:oleObj spid="_x0000_s1161" name="Equation" r:id="rId3" imgW="292100" imgH="393700" progId="Equation.3">
+                <p:oleObj spid="_x0000_s1184" name="Equation" r:id="rId3" imgW="292100" imgH="393700" progId="Equation.3">
                   <p:embed/>
                 </p:oleObj>
               </mc:Choice>
@@ -11055,7 +11410,7 @@
           <a:graphicData uri="http://schemas.openxmlformats.org/presentationml/2006/ole">
             <mc:AlternateContent xmlns:mc="http://schemas.openxmlformats.org/markup-compatibility/2006">
               <mc:Choice xmlns:v="urn:schemas-microsoft-com:vml" Requires="v">
-                <p:oleObj spid="_x0000_s1162" name="Equation" r:id="rId5" imgW="355600" imgH="393700" progId="Equation.3">
+                <p:oleObj spid="_x0000_s1185" name="Equation" r:id="rId5" imgW="355600" imgH="393700" progId="Equation.3">
                   <p:embed/>
                 </p:oleObj>
               </mc:Choice>
@@ -11103,9 +11458,425 @@
   <p:timing>
     <p:tnLst>
       <p:par>
-        <p:cTn xmlns:p14="http://schemas.microsoft.com/office/powerpoint/2010/main" id="1" dur="indefinite" restart="never" nodeType="tmRoot"/>
+        <p:cTn xmlns:p14="http://schemas.microsoft.com/office/powerpoint/2010/main" id="1" dur="indefinite" restart="never" nodeType="tmRoot">
+          <p:childTnLst>
+            <p:seq concurrent="1" nextAc="seek">
+              <p:cTn id="2" dur="indefinite" nodeType="mainSeq">
+                <p:childTnLst>
+                  <p:par>
+                    <p:cTn id="3" fill="hold">
+                      <p:stCondLst>
+                        <p:cond delay="indefinite"/>
+                        <p:cond evt="onBegin" delay="0">
+                          <p:tn val="2"/>
+                        </p:cond>
+                      </p:stCondLst>
+                      <p:childTnLst>
+                        <p:par>
+                          <p:cTn id="4" fill="hold">
+                            <p:stCondLst>
+                              <p:cond delay="0"/>
+                            </p:stCondLst>
+                            <p:childTnLst>
+                              <p:par>
+                                <p:cTn id="5" presetID="1" presetClass="entr" presetSubtype="0" fill="hold" grpId="0" nodeType="withEffect">
+                                  <p:stCondLst>
+                                    <p:cond delay="0"/>
+                                  </p:stCondLst>
+                                  <p:childTnLst>
+                                    <p:set>
+                                      <p:cBhvr>
+                                        <p:cTn id="6" dur="1" fill="hold">
+                                          <p:stCondLst>
+                                            <p:cond delay="0"/>
+                                          </p:stCondLst>
+                                        </p:cTn>
+                                        <p:tgtEl>
+                                          <p:spTgt spid="3">
+                                            <p:txEl>
+                                              <p:pRg st="0" end="0"/>
+                                            </p:txEl>
+                                          </p:spTgt>
+                                        </p:tgtEl>
+                                        <p:attrNameLst>
+                                          <p:attrName>style.visibility</p:attrName>
+                                        </p:attrNameLst>
+                                      </p:cBhvr>
+                                      <p:to>
+                                        <p:strVal val="visible"/>
+                                      </p:to>
+                                    </p:set>
+                                  </p:childTnLst>
+                                </p:cTn>
+                              </p:par>
+                              <p:par>
+                                <p:cTn id="7" presetID="1" presetClass="entr" presetSubtype="0" fill="hold" grpId="0" nodeType="withEffect">
+                                  <p:stCondLst>
+                                    <p:cond delay="0"/>
+                                  </p:stCondLst>
+                                  <p:childTnLst>
+                                    <p:set>
+                                      <p:cBhvr>
+                                        <p:cTn id="8" dur="1" fill="hold">
+                                          <p:stCondLst>
+                                            <p:cond delay="0"/>
+                                          </p:stCondLst>
+                                        </p:cTn>
+                                        <p:tgtEl>
+                                          <p:spTgt spid="3">
+                                            <p:txEl>
+                                              <p:pRg st="1" end="1"/>
+                                            </p:txEl>
+                                          </p:spTgt>
+                                        </p:tgtEl>
+                                        <p:attrNameLst>
+                                          <p:attrName>style.visibility</p:attrName>
+                                        </p:attrNameLst>
+                                      </p:cBhvr>
+                                      <p:to>
+                                        <p:strVal val="visible"/>
+                                      </p:to>
+                                    </p:set>
+                                  </p:childTnLst>
+                                </p:cTn>
+                              </p:par>
+                              <p:par>
+                                <p:cTn id="9" presetID="1" presetClass="entr" presetSubtype="0" fill="hold" nodeType="withEffect">
+                                  <p:stCondLst>
+                                    <p:cond delay="0"/>
+                                  </p:stCondLst>
+                                  <p:childTnLst>
+                                    <p:set>
+                                      <p:cBhvr>
+                                        <p:cTn id="10" dur="1" fill="hold">
+                                          <p:stCondLst>
+                                            <p:cond delay="0"/>
+                                          </p:stCondLst>
+                                        </p:cTn>
+                                        <p:tgtEl>
+                                          <p:spTgt spid="7"/>
+                                        </p:tgtEl>
+                                        <p:attrNameLst>
+                                          <p:attrName>style.visibility</p:attrName>
+                                        </p:attrNameLst>
+                                      </p:cBhvr>
+                                      <p:to>
+                                        <p:strVal val="visible"/>
+                                      </p:to>
+                                    </p:set>
+                                  </p:childTnLst>
+                                </p:cTn>
+                              </p:par>
+                              <p:par>
+                                <p:cTn id="11" presetID="1" presetClass="entr" presetSubtype="0" fill="hold" grpId="0" nodeType="withEffect">
+                                  <p:stCondLst>
+                                    <p:cond delay="0"/>
+                                  </p:stCondLst>
+                                  <p:childTnLst>
+                                    <p:set>
+                                      <p:cBhvr>
+                                        <p:cTn id="12" dur="1" fill="hold">
+                                          <p:stCondLst>
+                                            <p:cond delay="0"/>
+                                          </p:stCondLst>
+                                        </p:cTn>
+                                        <p:tgtEl>
+                                          <p:spTgt spid="3">
+                                            <p:txEl>
+                                              <p:pRg st="2" end="2"/>
+                                            </p:txEl>
+                                          </p:spTgt>
+                                        </p:tgtEl>
+                                        <p:attrNameLst>
+                                          <p:attrName>style.visibility</p:attrName>
+                                        </p:attrNameLst>
+                                      </p:cBhvr>
+                                      <p:to>
+                                        <p:strVal val="visible"/>
+                                      </p:to>
+                                    </p:set>
+                                  </p:childTnLst>
+                                </p:cTn>
+                              </p:par>
+                            </p:childTnLst>
+                          </p:cTn>
+                        </p:par>
+                      </p:childTnLst>
+                    </p:cTn>
+                  </p:par>
+                  <p:par>
+                    <p:cTn id="13" fill="hold">
+                      <p:stCondLst>
+                        <p:cond delay="indefinite"/>
+                      </p:stCondLst>
+                      <p:childTnLst>
+                        <p:par>
+                          <p:cTn id="14" fill="hold">
+                            <p:stCondLst>
+                              <p:cond delay="0"/>
+                            </p:stCondLst>
+                            <p:childTnLst>
+                              <p:par>
+                                <p:cTn id="15" presetID="1" presetClass="entr" presetSubtype="0" fill="hold" grpId="0" nodeType="clickEffect">
+                                  <p:stCondLst>
+                                    <p:cond delay="0"/>
+                                  </p:stCondLst>
+                                  <p:childTnLst>
+                                    <p:set>
+                                      <p:cBhvr>
+                                        <p:cTn id="16" dur="1" fill="hold">
+                                          <p:stCondLst>
+                                            <p:cond delay="0"/>
+                                          </p:stCondLst>
+                                        </p:cTn>
+                                        <p:tgtEl>
+                                          <p:spTgt spid="3">
+                                            <p:txEl>
+                                              <p:pRg st="3" end="3"/>
+                                            </p:txEl>
+                                          </p:spTgt>
+                                        </p:tgtEl>
+                                        <p:attrNameLst>
+                                          <p:attrName>style.visibility</p:attrName>
+                                        </p:attrNameLst>
+                                      </p:cBhvr>
+                                      <p:to>
+                                        <p:strVal val="visible"/>
+                                      </p:to>
+                                    </p:set>
+                                  </p:childTnLst>
+                                </p:cTn>
+                              </p:par>
+                              <p:par>
+                                <p:cTn id="17" presetID="1" presetClass="entr" presetSubtype="0" fill="hold" nodeType="withEffect">
+                                  <p:stCondLst>
+                                    <p:cond delay="0"/>
+                                  </p:stCondLst>
+                                  <p:childTnLst>
+                                    <p:set>
+                                      <p:cBhvr>
+                                        <p:cTn id="18" dur="1" fill="hold">
+                                          <p:stCondLst>
+                                            <p:cond delay="0"/>
+                                          </p:stCondLst>
+                                        </p:cTn>
+                                        <p:tgtEl>
+                                          <p:spTgt spid="9"/>
+                                        </p:tgtEl>
+                                        <p:attrNameLst>
+                                          <p:attrName>style.visibility</p:attrName>
+                                        </p:attrNameLst>
+                                      </p:cBhvr>
+                                      <p:to>
+                                        <p:strVal val="visible"/>
+                                      </p:to>
+                                    </p:set>
+                                  </p:childTnLst>
+                                </p:cTn>
+                              </p:par>
+                              <p:par>
+                                <p:cTn id="19" presetID="1" presetClass="entr" presetSubtype="0" fill="hold" grpId="0" nodeType="withEffect">
+                                  <p:stCondLst>
+                                    <p:cond delay="0"/>
+                                  </p:stCondLst>
+                                  <p:childTnLst>
+                                    <p:set>
+                                      <p:cBhvr>
+                                        <p:cTn id="20" dur="1" fill="hold">
+                                          <p:stCondLst>
+                                            <p:cond delay="0"/>
+                                          </p:stCondLst>
+                                        </p:cTn>
+                                        <p:tgtEl>
+                                          <p:spTgt spid="3">
+                                            <p:txEl>
+                                              <p:pRg st="4" end="4"/>
+                                            </p:txEl>
+                                          </p:spTgt>
+                                        </p:tgtEl>
+                                        <p:attrNameLst>
+                                          <p:attrName>style.visibility</p:attrName>
+                                        </p:attrNameLst>
+                                      </p:cBhvr>
+                                      <p:to>
+                                        <p:strVal val="visible"/>
+                                      </p:to>
+                                    </p:set>
+                                  </p:childTnLst>
+                                </p:cTn>
+                              </p:par>
+                              <p:par>
+                                <p:cTn id="21" presetID="1" presetClass="entr" presetSubtype="0" fill="hold" grpId="0" nodeType="withEffect">
+                                  <p:stCondLst>
+                                    <p:cond delay="0"/>
+                                  </p:stCondLst>
+                                  <p:childTnLst>
+                                    <p:set>
+                                      <p:cBhvr>
+                                        <p:cTn id="22" dur="1" fill="hold">
+                                          <p:stCondLst>
+                                            <p:cond delay="0"/>
+                                          </p:stCondLst>
+                                        </p:cTn>
+                                        <p:tgtEl>
+                                          <p:spTgt spid="3">
+                                            <p:txEl>
+                                              <p:pRg st="5" end="5"/>
+                                            </p:txEl>
+                                          </p:spTgt>
+                                        </p:tgtEl>
+                                        <p:attrNameLst>
+                                          <p:attrName>style.visibility</p:attrName>
+                                        </p:attrNameLst>
+                                      </p:cBhvr>
+                                      <p:to>
+                                        <p:strVal val="visible"/>
+                                      </p:to>
+                                    </p:set>
+                                  </p:childTnLst>
+                                </p:cTn>
+                              </p:par>
+                            </p:childTnLst>
+                          </p:cTn>
+                        </p:par>
+                      </p:childTnLst>
+                    </p:cTn>
+                  </p:par>
+                  <p:par>
+                    <p:cTn id="23" fill="hold">
+                      <p:stCondLst>
+                        <p:cond delay="indefinite"/>
+                      </p:stCondLst>
+                      <p:childTnLst>
+                        <p:par>
+                          <p:cTn id="24" fill="hold">
+                            <p:stCondLst>
+                              <p:cond delay="0"/>
+                            </p:stCondLst>
+                            <p:childTnLst>
+                              <p:par>
+                                <p:cTn id="25" presetID="1" presetClass="entr" presetSubtype="0" fill="hold" grpId="0" nodeType="clickEffect">
+                                  <p:stCondLst>
+                                    <p:cond delay="0"/>
+                                  </p:stCondLst>
+                                  <p:childTnLst>
+                                    <p:set>
+                                      <p:cBhvr>
+                                        <p:cTn id="26" dur="1" fill="hold">
+                                          <p:stCondLst>
+                                            <p:cond delay="0"/>
+                                          </p:stCondLst>
+                                        </p:cTn>
+                                        <p:tgtEl>
+                                          <p:spTgt spid="3">
+                                            <p:txEl>
+                                              <p:pRg st="6" end="6"/>
+                                            </p:txEl>
+                                          </p:spTgt>
+                                        </p:tgtEl>
+                                        <p:attrNameLst>
+                                          <p:attrName>style.visibility</p:attrName>
+                                        </p:attrNameLst>
+                                      </p:cBhvr>
+                                      <p:to>
+                                        <p:strVal val="visible"/>
+                                      </p:to>
+                                    </p:set>
+                                  </p:childTnLst>
+                                </p:cTn>
+                              </p:par>
+                              <p:par>
+                                <p:cTn id="27" presetID="1" presetClass="entr" presetSubtype="0" fill="hold" grpId="0" nodeType="withEffect">
+                                  <p:stCondLst>
+                                    <p:cond delay="0"/>
+                                  </p:stCondLst>
+                                  <p:childTnLst>
+                                    <p:set>
+                                      <p:cBhvr>
+                                        <p:cTn id="28" dur="1" fill="hold">
+                                          <p:stCondLst>
+                                            <p:cond delay="0"/>
+                                          </p:stCondLst>
+                                        </p:cTn>
+                                        <p:tgtEl>
+                                          <p:spTgt spid="3">
+                                            <p:txEl>
+                                              <p:pRg st="7" end="7"/>
+                                            </p:txEl>
+                                          </p:spTgt>
+                                        </p:tgtEl>
+                                        <p:attrNameLst>
+                                          <p:attrName>style.visibility</p:attrName>
+                                        </p:attrNameLst>
+                                      </p:cBhvr>
+                                      <p:to>
+                                        <p:strVal val="visible"/>
+                                      </p:to>
+                                    </p:set>
+                                  </p:childTnLst>
+                                </p:cTn>
+                              </p:par>
+                              <p:par>
+                                <p:cTn id="29" presetID="1" presetClass="entr" presetSubtype="0" fill="hold" grpId="0" nodeType="withEffect">
+                                  <p:stCondLst>
+                                    <p:cond delay="0"/>
+                                  </p:stCondLst>
+                                  <p:childTnLst>
+                                    <p:set>
+                                      <p:cBhvr>
+                                        <p:cTn id="30" dur="1" fill="hold">
+                                          <p:stCondLst>
+                                            <p:cond delay="0"/>
+                                          </p:stCondLst>
+                                        </p:cTn>
+                                        <p:tgtEl>
+                                          <p:spTgt spid="3">
+                                            <p:txEl>
+                                              <p:pRg st="8" end="8"/>
+                                            </p:txEl>
+                                          </p:spTgt>
+                                        </p:tgtEl>
+                                        <p:attrNameLst>
+                                          <p:attrName>style.visibility</p:attrName>
+                                        </p:attrNameLst>
+                                      </p:cBhvr>
+                                      <p:to>
+                                        <p:strVal val="visible"/>
+                                      </p:to>
+                                    </p:set>
+                                  </p:childTnLst>
+                                </p:cTn>
+                              </p:par>
+                            </p:childTnLst>
+                          </p:cTn>
+                        </p:par>
+                      </p:childTnLst>
+                    </p:cTn>
+                  </p:par>
+                </p:childTnLst>
+              </p:cTn>
+              <p:prevCondLst>
+                <p:cond evt="onPrev" delay="0">
+                  <p:tgtEl>
+                    <p:sldTgt/>
+                  </p:tgtEl>
+                </p:cond>
+              </p:prevCondLst>
+              <p:nextCondLst>
+                <p:cond evt="onNext" delay="0">
+                  <p:tgtEl>
+                    <p:sldTgt/>
+                  </p:tgtEl>
+                </p:cond>
+              </p:nextCondLst>
+            </p:seq>
+          </p:childTnLst>
+        </p:cTn>
       </p:par>
     </p:tnLst>
+    <p:bldLst>
+      <p:bldP spid="3" grpId="0" build="p"/>
+    </p:bldLst>
   </p:timing>
 </p:sld>
 </file>
@@ -11479,7 +12250,7 @@
           <a:graphicData uri="http://schemas.openxmlformats.org/presentationml/2006/ole">
             <mc:AlternateContent xmlns:mc="http://schemas.openxmlformats.org/markup-compatibility/2006">
               <mc:Choice xmlns:v="urn:schemas-microsoft-com:vml" Requires="v">
-                <p:oleObj spid="_x0000_s2249" name="Equation" r:id="rId3" imgW="825500" imgH="457200" progId="Equation.3">
+                <p:oleObj spid="_x0000_s2283" name="Equation" r:id="rId3" imgW="825500" imgH="457200" progId="Equation.3">
                   <p:embed/>
                 </p:oleObj>
               </mc:Choice>
@@ -11536,7 +12307,7 @@
           <a:graphicData uri="http://schemas.openxmlformats.org/presentationml/2006/ole">
             <mc:AlternateContent xmlns:mc="http://schemas.openxmlformats.org/markup-compatibility/2006">
               <mc:Choice xmlns:v="urn:schemas-microsoft-com:vml" Requires="v">
-                <p:oleObj spid="_x0000_s2250" name="Equation" r:id="rId5" imgW="1028700" imgH="457200" progId="Equation.3">
+                <p:oleObj spid="_x0000_s2284" name="Equation" r:id="rId5" imgW="1028700" imgH="457200" progId="Equation.3">
                   <p:embed/>
                 </p:oleObj>
               </mc:Choice>
@@ -11593,7 +12364,7 @@
           <a:graphicData uri="http://schemas.openxmlformats.org/presentationml/2006/ole">
             <mc:AlternateContent xmlns:mc="http://schemas.openxmlformats.org/markup-compatibility/2006">
               <mc:Choice xmlns:v="urn:schemas-microsoft-com:vml" Requires="v">
-                <p:oleObj spid="_x0000_s2251" name="Equation" r:id="rId7" imgW="1422400" imgH="914400" progId="Equation.3">
+                <p:oleObj spid="_x0000_s2285" name="Equation" r:id="rId7" imgW="1422400" imgH="914400" progId="Equation.3">
                   <p:embed/>
                 </p:oleObj>
               </mc:Choice>

--- a/tutorial-05-overdecomposition.pptx
+++ b/tutorial-05-overdecomposition.pptx
@@ -217,7 +217,7 @@
           <a:p>
             <a:fld id="{775CE290-E0F5-444C-B849-A8F17CD4104C}" type="datetimeFigureOut">
               <a:rPr lang="en-US" smtClean="0"/>
-              <a:t>9/10/14</a:t>
+              <a:t>9/12/14</a:t>
             </a:fld>
             <a:endParaRPr lang="en-US"/>
           </a:p>
@@ -383,7 +383,7 @@
           <a:p>
             <a:fld id="{AD53A24C-4135-094C-957B-35852E7EDFA4}" type="datetimeFigureOut">
               <a:rPr lang="en-US" smtClean="0"/>
-              <a:t>9/10/14</a:t>
+              <a:t>9/12/14</a:t>
             </a:fld>
             <a:endParaRPr lang="en-US"/>
           </a:p>
@@ -842,9 +842,9 @@
           <a:bodyPr/>
           <a:lstStyle/>
           <a:p>
-            <a:fld id="{B594EA25-E4F4-3746-A0BA-A11E27330E0F}" type="datetime2">
-              <a:rPr lang="en-US" smtClean="0"/>
-              <a:t>Wednesday, September 10, 14</a:t>
+            <a:fld id="{1D7F9E01-59EF-0547-83AD-48620069DCF1}" type="datetime2">
+              <a:rPr lang="en-US" smtClean="0"/>
+              <a:t>Friday, September 12, 14</a:t>
             </a:fld>
             <a:endParaRPr lang="en-US"/>
           </a:p>
@@ -868,7 +868,7 @@
             <a:pPr algn="r"/>
             <a:r>
               <a:rPr lang="en-US" smtClean="0"/>
-              <a:t>Sanjay Kalé and PPL (UIUC) – Parallel Migratable Objects </a:t>
+              <a:t>Laxmikant Kalé and PPL (UIUC) – Parallel Migratable Objects </a:t>
             </a:r>
             <a:endParaRPr lang="en-US" dirty="0"/>
           </a:p>
@@ -1147,7 +1147,7 @@
                 <a:latin typeface="Times New Roman"/>
                 <a:cs typeface="Times New Roman"/>
               </a:rPr>
-              <a:t>September 10, 2014</a:t>
+              <a:t>September 12, 2014</a:t>
             </a:fld>
             <a:endParaRPr lang="en-US" dirty="0">
               <a:latin typeface="Times New Roman"/>
@@ -1421,7 +1421,7 @@
                 <a:latin typeface="Times New Roman"/>
                 <a:cs typeface="Times New Roman"/>
               </a:rPr>
-              <a:t>September 10, 2014</a:t>
+              <a:t>September 12, 2014</a:t>
             </a:fld>
             <a:endParaRPr lang="en-US" dirty="0">
               <a:latin typeface="Times New Roman"/>
@@ -1654,9 +1654,9 @@
           <a:bodyPr/>
           <a:lstStyle/>
           <a:p>
-            <a:fld id="{EA699BF9-66CB-F244-8E74-7B1BE1C77046}" type="datetime2">
-              <a:rPr lang="en-US" smtClean="0"/>
-              <a:t>Wednesday, September 10, 14</a:t>
+            <a:fld id="{6FC8C693-E93B-274A-9298-538CD1DF83D5}" type="datetime2">
+              <a:rPr lang="en-US" smtClean="0"/>
+              <a:t>Friday, September 12, 14</a:t>
             </a:fld>
             <a:endParaRPr lang="en-US"/>
           </a:p>
@@ -1680,7 +1680,7 @@
             <a:pPr algn="r"/>
             <a:r>
               <a:rPr lang="en-US" smtClean="0"/>
-              <a:t>Sanjay Kalé and PPL (UIUC) – Parallel Migratable Objects </a:t>
+              <a:t>Laxmikant Kalé and PPL (UIUC) – Parallel Migratable Objects </a:t>
             </a:r>
             <a:endParaRPr lang="en-US" dirty="0"/>
           </a:p>
@@ -1965,9 +1965,9 @@
           <a:bodyPr/>
           <a:lstStyle/>
           <a:p>
-            <a:fld id="{D300BE84-9843-8B4F-B3C8-647B06AC46C9}" type="datetime2">
-              <a:rPr lang="en-US" smtClean="0"/>
-              <a:t>Wednesday, September 10, 14</a:t>
+            <a:fld id="{2A24220D-0C5A-5045-AC00-5426FD0F6985}" type="datetime2">
+              <a:rPr lang="en-US" smtClean="0"/>
+              <a:t>Friday, September 12, 14</a:t>
             </a:fld>
             <a:endParaRPr lang="en-US"/>
           </a:p>
@@ -1991,7 +1991,7 @@
             <a:pPr algn="r"/>
             <a:r>
               <a:rPr lang="en-US" smtClean="0"/>
-              <a:t>Sanjay Kalé and PPL (UIUC) – Parallel Migratable Objects </a:t>
+              <a:t>Laxmikant Kalé and PPL (UIUC) – Parallel Migratable Objects </a:t>
             </a:r>
             <a:endParaRPr lang="en-US" dirty="0"/>
           </a:p>
@@ -2136,9 +2136,9 @@
           <a:bodyPr/>
           <a:lstStyle/>
           <a:p>
-            <a:fld id="{C460AE39-2092-A945-8296-F25085B9A0F1}" type="datetime2">
-              <a:rPr lang="en-US" smtClean="0"/>
-              <a:t>Wednesday, September 10, 14</a:t>
+            <a:fld id="{780EEB24-6C97-2944-B012-E1CD8AAAD77B}" type="datetime2">
+              <a:rPr lang="en-US" smtClean="0"/>
+              <a:t>Friday, September 12, 14</a:t>
             </a:fld>
             <a:endParaRPr lang="en-US"/>
           </a:p>
@@ -2162,7 +2162,7 @@
             <a:pPr algn="r"/>
             <a:r>
               <a:rPr lang="en-US" smtClean="0"/>
-              <a:t>Sanjay Kalé and PPL (UIUC) – Parallel Migratable Objects </a:t>
+              <a:t>Laxmikant Kalé and PPL (UIUC) – Parallel Migratable Objects </a:t>
             </a:r>
             <a:endParaRPr lang="en-US" dirty="0"/>
           </a:p>
@@ -2317,9 +2317,9 @@
           <a:bodyPr/>
           <a:lstStyle/>
           <a:p>
-            <a:fld id="{63BC7E9D-3218-5E49-A867-E087AB2F4618}" type="datetime2">
-              <a:rPr lang="en-US" smtClean="0"/>
-              <a:t>Wednesday, September 10, 14</a:t>
+            <a:fld id="{8CA9CA1A-E1C9-E641-A76B-4C6F8551ADFE}" type="datetime2">
+              <a:rPr lang="en-US" smtClean="0"/>
+              <a:t>Friday, September 12, 14</a:t>
             </a:fld>
             <a:endParaRPr lang="en-US"/>
           </a:p>
@@ -2343,7 +2343,7 @@
             <a:pPr algn="r"/>
             <a:r>
               <a:rPr lang="en-US" smtClean="0"/>
-              <a:t>Sanjay Kalé and PPL (UIUC) – Parallel Migratable Objects </a:t>
+              <a:t>Laxmikant Kalé and PPL (UIUC) – Parallel Migratable Objects </a:t>
             </a:r>
             <a:endParaRPr lang="en-US" dirty="0"/>
           </a:p>
@@ -2571,9 +2571,9 @@
           <a:bodyPr/>
           <a:lstStyle/>
           <a:p>
-            <a:fld id="{B594EA25-E4F4-3746-A0BA-A11E27330E0F}" type="datetime2">
-              <a:rPr lang="en-US" smtClean="0"/>
-              <a:t>Wednesday, September 10, 14</a:t>
+            <a:fld id="{3D409CA9-CABF-4247-8B81-CC46443B4F22}" type="datetime2">
+              <a:rPr lang="en-US" smtClean="0"/>
+              <a:t>Friday, September 12, 14</a:t>
             </a:fld>
             <a:endParaRPr lang="en-US"/>
           </a:p>
@@ -2597,7 +2597,7 @@
             <a:pPr algn="r"/>
             <a:r>
               <a:rPr lang="en-US" smtClean="0"/>
-              <a:t>Sanjay Kalé and PPL (UIUC) – Parallel Migratable Objects </a:t>
+              <a:t>Laxmikant Kalé and PPL (UIUC) – Parallel Migratable Objects </a:t>
             </a:r>
             <a:endParaRPr lang="en-US" dirty="0"/>
           </a:p>
@@ -2876,7 +2876,7 @@
                 <a:latin typeface="Times New Roman"/>
                 <a:cs typeface="Times New Roman"/>
               </a:rPr>
-              <a:t>September 10, 2014</a:t>
+              <a:t>September 12, 2014</a:t>
             </a:fld>
             <a:endParaRPr lang="en-US" dirty="0">
               <a:latin typeface="Times New Roman"/>
@@ -3000,9 +3000,9 @@
           <a:bodyPr/>
           <a:lstStyle/>
           <a:p>
-            <a:fld id="{BD5AFB16-13FE-DF4A-8CB7-09756A57B2EA}" type="datetime2">
-              <a:rPr lang="en-US" smtClean="0"/>
-              <a:t>Wednesday, September 10, 14</a:t>
+            <a:fld id="{95BF0DD8-AE5D-5E47-A297-450199D23077}" type="datetime2">
+              <a:rPr lang="en-US" smtClean="0"/>
+              <a:t>Friday, September 12, 14</a:t>
             </a:fld>
             <a:endParaRPr lang="en-US" dirty="0"/>
           </a:p>
@@ -3026,7 +3026,7 @@
             <a:pPr algn="r"/>
             <a:r>
               <a:rPr lang="en-US" smtClean="0"/>
-              <a:t>Sanjay Kalé and PPL (UIUC) – Parallel Migratable Objects </a:t>
+              <a:t>Laxmikant Kalé and PPL (UIUC) – Parallel Migratable Objects </a:t>
             </a:r>
             <a:endParaRPr lang="en-US" dirty="0"/>
           </a:p>
@@ -3529,9 +3529,9 @@
             </a:lvl1pPr>
           </a:lstStyle>
           <a:p>
-            <a:fld id="{30545249-FD76-6844-B252-CAB05FC2DAA8}" type="datetime2">
-              <a:rPr lang="en-US" smtClean="0"/>
-              <a:t>Wednesday, September 10, 14</a:t>
+            <a:fld id="{181DF95E-2EC8-5442-A535-B4CA9F5A81FC}" type="datetime2">
+              <a:rPr lang="en-US" smtClean="0"/>
+              <a:t>Friday, September 12, 14</a:t>
             </a:fld>
             <a:endParaRPr lang="en-US" dirty="0"/>
           </a:p>
@@ -3562,7 +3562,7 @@
             <a:pPr algn="r"/>
             <a:r>
               <a:rPr lang="en-US" smtClean="0"/>
-              <a:t>Sanjay Kalé and PPL (UIUC) – Parallel Migratable Objects </a:t>
+              <a:t>Laxmikant Kalé and PPL (UIUC) – Parallel Migratable Objects </a:t>
             </a:r>
             <a:endParaRPr lang="en-US" dirty="0"/>
           </a:p>
@@ -3825,9 +3825,9 @@
           <a:bodyPr/>
           <a:lstStyle/>
           <a:p>
-            <a:fld id="{34621E95-60A9-FF44-9869-513D9D7A859F}" type="datetime2">
-              <a:rPr lang="en-US" smtClean="0"/>
-              <a:t>Wednesday, September 10, 14</a:t>
+            <a:fld id="{72740E02-7CC0-A442-8C10-57563EA35821}" type="datetime2">
+              <a:rPr lang="en-US" smtClean="0"/>
+              <a:t>Friday, September 12, 14</a:t>
             </a:fld>
             <a:endParaRPr lang="en-US"/>
           </a:p>
@@ -3851,7 +3851,7 @@
             <a:pPr algn="r"/>
             <a:r>
               <a:rPr lang="en-US" smtClean="0"/>
-              <a:t>Sanjay Kalé and PPL (UIUC) – Parallel Migratable Objects </a:t>
+              <a:t>Laxmikant Kalé and PPL (UIUC) – Parallel Migratable Objects </a:t>
             </a:r>
             <a:endParaRPr lang="en-US" dirty="0"/>
           </a:p>
@@ -3944,9 +3944,9 @@
           <a:bodyPr/>
           <a:lstStyle/>
           <a:p>
-            <a:fld id="{BD5AFB16-13FE-DF4A-8CB7-09756A57B2EA}" type="datetime2">
-              <a:rPr lang="en-US" smtClean="0"/>
-              <a:t>Wednesday, September 10, 14</a:t>
+            <a:fld id="{79A122A9-6ACB-C14A-AD7C-7DCE94462242}" type="datetime2">
+              <a:rPr lang="en-US" smtClean="0"/>
+              <a:t>Friday, September 12, 14</a:t>
             </a:fld>
             <a:endParaRPr lang="en-US" dirty="0"/>
           </a:p>
@@ -3970,7 +3970,7 @@
             <a:pPr algn="r"/>
             <a:r>
               <a:rPr lang="en-US" smtClean="0"/>
-              <a:t>Sanjay Kalé and PPL (UIUC) – Parallel Migratable Objects </a:t>
+              <a:t>Laxmikant Kalé and PPL (UIUC) – Parallel Migratable Objects </a:t>
             </a:r>
             <a:endParaRPr lang="en-US" dirty="0"/>
           </a:p>
@@ -4431,9 +4431,9 @@
           <a:bodyPr/>
           <a:lstStyle/>
           <a:p>
-            <a:fld id="{1BDEC705-8EA9-6C46-8E3B-2CAC7E2C0F7D}" type="datetime2">
-              <a:rPr lang="en-US" smtClean="0"/>
-              <a:t>Wednesday, September 10, 14</a:t>
+            <a:fld id="{96BE0990-2F4C-E24F-B29F-831AB8C6FFE4}" type="datetime2">
+              <a:rPr lang="en-US" smtClean="0"/>
+              <a:t>Friday, September 12, 14</a:t>
             </a:fld>
             <a:endParaRPr lang="en-US"/>
           </a:p>
@@ -4457,7 +4457,7 @@
             <a:pPr algn="r"/>
             <a:r>
               <a:rPr lang="en-US" smtClean="0"/>
-              <a:t>Sanjay Kalé and PPL (UIUC) – Parallel Migratable Objects </a:t>
+              <a:t>Laxmikant Kalé and PPL (UIUC) – Parallel Migratable Objects </a:t>
             </a:r>
             <a:endParaRPr lang="en-US" dirty="0"/>
           </a:p>
@@ -4762,9 +4762,9 @@
             </a:lvl1pPr>
           </a:lstStyle>
           <a:p>
-            <a:fld id="{BF613BD3-C5FD-9543-B738-679BF38D8C83}" type="datetime2">
-              <a:rPr lang="en-US" smtClean="0"/>
-              <a:t>Wednesday, September 10, 14</a:t>
+            <a:fld id="{FEB48DEB-3EE1-B449-A55B-9544C9AF909F}" type="datetime2">
+              <a:rPr lang="en-US" smtClean="0"/>
+              <a:t>Friday, September 12, 14</a:t>
             </a:fld>
             <a:endParaRPr lang="en-US" dirty="0"/>
           </a:p>
@@ -4795,7 +4795,7 @@
             <a:pPr algn="r"/>
             <a:r>
               <a:rPr lang="en-US" smtClean="0"/>
-              <a:t>Sanjay Kalé and PPL (UIUC) – Parallel Migratable Objects </a:t>
+              <a:t>Laxmikant Kalé and PPL (UIUC) – Parallel Migratable Objects </a:t>
             </a:r>
             <a:endParaRPr lang="en-US" dirty="0"/>
           </a:p>
@@ -5241,9 +5241,9 @@
           <a:bodyPr/>
           <a:lstStyle/>
           <a:p>
-            <a:fld id="{4B5E4F0C-9A9C-5448-99FD-D30288B385C9}" type="datetime2">
-              <a:rPr lang="en-US" smtClean="0"/>
-              <a:t>Wednesday, September 10, 14</a:t>
+            <a:fld id="{C9ED008A-9B78-2C49-974D-09DDFFFC816D}" type="datetime2">
+              <a:rPr lang="en-US" smtClean="0"/>
+              <a:t>Friday, September 12, 14</a:t>
             </a:fld>
             <a:endParaRPr lang="en-US"/>
           </a:p>
@@ -5267,7 +5267,7 @@
             <a:pPr algn="r"/>
             <a:r>
               <a:rPr lang="en-US" smtClean="0"/>
-              <a:t>Sanjay Kalé and PPL (UIUC) – Parallel Migratable Objects </a:t>
+              <a:t>Laxmikant Kalé and PPL (UIUC) – Parallel Migratable Objects </a:t>
             </a:r>
             <a:endParaRPr lang="en-US" dirty="0"/>
           </a:p>
@@ -5537,9 +5537,9 @@
             </a:lvl1pPr>
           </a:lstStyle>
           <a:p>
-            <a:fld id="{30545249-FD76-6844-B252-CAB05FC2DAA8}" type="datetime2">
-              <a:rPr lang="en-US" smtClean="0"/>
-              <a:t>Wednesday, September 10, 14</a:t>
+            <a:fld id="{F07A3E60-1274-3246-85A8-904558A6AD20}" type="datetime2">
+              <a:rPr lang="en-US" smtClean="0"/>
+              <a:t>Friday, September 12, 14</a:t>
             </a:fld>
             <a:endParaRPr lang="en-US" dirty="0"/>
           </a:p>
@@ -5570,7 +5570,7 @@
             <a:pPr algn="r"/>
             <a:r>
               <a:rPr lang="en-US" smtClean="0"/>
-              <a:t>Sanjay Kalé and PPL (UIUC) – Parallel Migratable Objects </a:t>
+              <a:t>Laxmikant Kalé and PPL (UIUC) – Parallel Migratable Objects </a:t>
             </a:r>
             <a:endParaRPr lang="en-US" dirty="0"/>
           </a:p>
@@ -5780,9 +5780,9 @@
           <a:bodyPr/>
           <a:lstStyle/>
           <a:p>
-            <a:fld id="{CC859171-EEDD-0B48-A5C0-E7218AE20EA7}" type="datetime2">
-              <a:rPr lang="en-US" smtClean="0"/>
-              <a:t>Wednesday, September 10, 14</a:t>
+            <a:fld id="{73518C47-E6D6-964F-A985-23327135FC19}" type="datetime2">
+              <a:rPr lang="en-US" smtClean="0"/>
+              <a:t>Friday, September 12, 14</a:t>
             </a:fld>
             <a:endParaRPr lang="en-US"/>
           </a:p>
@@ -5806,7 +5806,7 @@
             <a:pPr algn="r"/>
             <a:r>
               <a:rPr lang="en-US" smtClean="0"/>
-              <a:t>Sanjay Kalé and PPL (UIUC) – Parallel Migratable Objects </a:t>
+              <a:t>Laxmikant Kalé and PPL (UIUC) – Parallel Migratable Objects </a:t>
             </a:r>
             <a:endParaRPr lang="en-US" dirty="0"/>
           </a:p>
@@ -5876,9 +5876,9 @@
           <a:bodyPr/>
           <a:lstStyle/>
           <a:p>
-            <a:fld id="{C32F9216-0342-7440-9504-BD6C1382BF27}" type="datetime2">
-              <a:rPr lang="en-US" smtClean="0"/>
-              <a:t>Wednesday, September 10, 14</a:t>
+            <a:fld id="{9E02F614-C0EA-244A-9D7E-81D3F4B76517}" type="datetime2">
+              <a:rPr lang="en-US" smtClean="0"/>
+              <a:t>Friday, September 12, 14</a:t>
             </a:fld>
             <a:endParaRPr lang="en-US"/>
           </a:p>
@@ -5902,7 +5902,7 @@
             <a:pPr algn="r"/>
             <a:r>
               <a:rPr lang="en-US" smtClean="0"/>
-              <a:t>Sanjay Kalé and PPL (UIUC) – Parallel Migratable Objects </a:t>
+              <a:t>Laxmikant Kalé and PPL (UIUC) – Parallel Migratable Objects </a:t>
             </a:r>
             <a:endParaRPr lang="en-US" dirty="0"/>
           </a:p>
@@ -6051,7 +6051,7 @@
           <a:p>
             <a:r>
               <a:rPr lang="en-US" smtClean="0"/>
-              <a:t>Sanjay Kalé and PPL (UIUC) – Parallel Migratable Objects </a:t>
+              <a:t>Laxmikant Kalé and PPL (UIUC) – Parallel Migratable Objects </a:t>
             </a:r>
             <a:endParaRPr lang="en-US" dirty="0"/>
           </a:p>
@@ -6191,9 +6191,9 @@
             </a:lvl1pPr>
           </a:lstStyle>
           <a:p>
-            <a:fld id="{D36DC8F2-AD63-E841-8C23-5DC3A41041BE}" type="datetime2">
-              <a:rPr lang="en-US" smtClean="0"/>
-              <a:t>Wednesday, September 10, 14</a:t>
+            <a:fld id="{B33DF9CE-4F73-3642-A3DA-C249FD09F954}" type="datetime2">
+              <a:rPr lang="en-US" smtClean="0"/>
+              <a:t>Friday, September 12, 14</a:t>
             </a:fld>
             <a:endParaRPr lang="en-US" dirty="0"/>
           </a:p>
@@ -6262,7 +6262,7 @@
     <p:sldLayoutId id="2147483973" r:id="rId15"/>
     <p:sldLayoutId id="2147483972" r:id="rId16"/>
   </p:sldLayoutIdLst>
-  <p:hf hdr="0"/>
+  <p:hf hdr="0" dt="0"/>
   <p:txStyles>
     <p:titleStyle>
       <a:lvl1pPr algn="l" defTabSz="914400" rtl="0" eaLnBrk="1" latinLnBrk="0" hangingPunct="1">
@@ -6661,11 +6661,7 @@
             </a:pPr>
             <a:r>
               <a:rPr lang="en-US" dirty="0" smtClean="0"/>
-              <a:t>Hello </a:t>
-            </a:r>
-            <a:r>
-              <a:rPr lang="en-US" dirty="0" smtClean="0"/>
-              <a:t>World</a:t>
+              <a:t>Hello World</a:t>
             </a:r>
           </a:p>
           <a:p>
@@ -6769,11 +6765,7 @@
             </a:pPr>
             <a:r>
               <a:rPr lang="en-US" dirty="0" smtClean="0"/>
-              <a:t>Structured </a:t>
-            </a:r>
-            <a:r>
-              <a:rPr lang="en-US" dirty="0" smtClean="0"/>
-              <a:t>Dagger</a:t>
+              <a:t>Structured Dagger</a:t>
             </a:r>
           </a:p>
           <a:p>
@@ -6864,12 +6856,12 @@
       </p:sp>
       <p:sp>
         <p:nvSpPr>
-          <p:cNvPr id="4" name="Date Placeholder 3"/>
-          <p:cNvSpPr>
-            <a:spLocks noGrp="1"/>
-          </p:cNvSpPr>
-          <p:nvPr>
-            <p:ph type="dt" sz="half" idx="10"/>
+          <p:cNvPr id="5" name="Footer Placeholder 4"/>
+          <p:cNvSpPr>
+            <a:spLocks noGrp="1"/>
+          </p:cNvSpPr>
+          <p:nvPr>
+            <p:ph type="ftr" sz="quarter" idx="11"/>
           </p:nvPr>
         </p:nvSpPr>
         <p:spPr/>
@@ -6877,33 +6869,10 @@
           <a:bodyPr/>
           <a:lstStyle/>
           <a:p>
-            <a:fld id="{8ADAB7C0-00B4-3F4D-A690-E12D330195D4}" type="datetime2">
-              <a:rPr lang="en-US" smtClean="0"/>
-              <a:t>Wednesday, September 10, 14</a:t>
-            </a:fld>
-            <a:endParaRPr lang="en-US"/>
-          </a:p>
-        </p:txBody>
-      </p:sp>
-      <p:sp>
-        <p:nvSpPr>
-          <p:cNvPr id="5" name="Footer Placeholder 4"/>
-          <p:cNvSpPr>
-            <a:spLocks noGrp="1"/>
-          </p:cNvSpPr>
-          <p:nvPr>
-            <p:ph type="ftr" sz="quarter" idx="11"/>
-          </p:nvPr>
-        </p:nvSpPr>
-        <p:spPr/>
-        <p:txBody>
-          <a:bodyPr/>
-          <a:lstStyle/>
-          <a:p>
             <a:pPr algn="r"/>
             <a:r>
               <a:rPr lang="en-US" smtClean="0"/>
-              <a:t>Sanjay Kalé and PPL (UIUC) – Parallel Migratable Objects </a:t>
+              <a:t>Laxmikant Kalé and PPL (UIUC) – Parallel Migratable Objects </a:t>
             </a:r>
             <a:endParaRPr lang="en-US" dirty="0"/>
           </a:p>
@@ -7100,12 +7069,12 @@
       </p:pic>
       <p:sp>
         <p:nvSpPr>
-          <p:cNvPr id="4" name="Date Placeholder 3"/>
-          <p:cNvSpPr>
-            <a:spLocks noGrp="1"/>
-          </p:cNvSpPr>
-          <p:nvPr>
-            <p:ph type="dt" sz="half" idx="10"/>
+          <p:cNvPr id="5" name="Footer Placeholder 4"/>
+          <p:cNvSpPr>
+            <a:spLocks noGrp="1"/>
+          </p:cNvSpPr>
+          <p:nvPr>
+            <p:ph type="ftr" sz="quarter" idx="11"/>
           </p:nvPr>
         </p:nvSpPr>
         <p:spPr/>
@@ -7113,33 +7082,10 @@
           <a:bodyPr/>
           <a:lstStyle/>
           <a:p>
-            <a:fld id="{34621E95-60A9-FF44-9869-513D9D7A859F}" type="datetime2">
-              <a:rPr lang="en-US" smtClean="0"/>
-              <a:t>Wednesday, September 10, 14</a:t>
-            </a:fld>
-            <a:endParaRPr lang="en-US"/>
-          </a:p>
-        </p:txBody>
-      </p:sp>
-      <p:sp>
-        <p:nvSpPr>
-          <p:cNvPr id="5" name="Footer Placeholder 4"/>
-          <p:cNvSpPr>
-            <a:spLocks noGrp="1"/>
-          </p:cNvSpPr>
-          <p:nvPr>
-            <p:ph type="ftr" sz="quarter" idx="11"/>
-          </p:nvPr>
-        </p:nvSpPr>
-        <p:spPr/>
-        <p:txBody>
-          <a:bodyPr/>
-          <a:lstStyle/>
-          <a:p>
             <a:pPr algn="r"/>
             <a:r>
               <a:rPr lang="en-US" smtClean="0"/>
-              <a:t>Sanjay Kalé and PPL (UIUC) – Parallel Migratable Objects </a:t>
+              <a:t>Laxmikant Kalé and PPL (UIUC) – Parallel Migratable Objects </a:t>
             </a:r>
             <a:endParaRPr lang="en-US" dirty="0"/>
           </a:p>
@@ -7261,12 +7207,12 @@
       </p:pic>
       <p:sp>
         <p:nvSpPr>
-          <p:cNvPr id="4" name="Date Placeholder 3"/>
-          <p:cNvSpPr>
-            <a:spLocks noGrp="1"/>
-          </p:cNvSpPr>
-          <p:nvPr>
-            <p:ph type="dt" sz="half" idx="10"/>
+          <p:cNvPr id="5" name="Footer Placeholder 4"/>
+          <p:cNvSpPr>
+            <a:spLocks noGrp="1"/>
+          </p:cNvSpPr>
+          <p:nvPr>
+            <p:ph type="ftr" sz="quarter" idx="11"/>
           </p:nvPr>
         </p:nvSpPr>
         <p:spPr/>
@@ -7274,33 +7220,10 @@
           <a:bodyPr/>
           <a:lstStyle/>
           <a:p>
-            <a:fld id="{34621E95-60A9-FF44-9869-513D9D7A859F}" type="datetime2">
-              <a:rPr lang="en-US" smtClean="0"/>
-              <a:t>Wednesday, September 10, 14</a:t>
-            </a:fld>
-            <a:endParaRPr lang="en-US"/>
-          </a:p>
-        </p:txBody>
-      </p:sp>
-      <p:sp>
-        <p:nvSpPr>
-          <p:cNvPr id="5" name="Footer Placeholder 4"/>
-          <p:cNvSpPr>
-            <a:spLocks noGrp="1"/>
-          </p:cNvSpPr>
-          <p:nvPr>
-            <p:ph type="ftr" sz="quarter" idx="11"/>
-          </p:nvPr>
-        </p:nvSpPr>
-        <p:spPr/>
-        <p:txBody>
-          <a:bodyPr/>
-          <a:lstStyle/>
-          <a:p>
             <a:pPr algn="r"/>
             <a:r>
               <a:rPr lang="en-US" smtClean="0"/>
-              <a:t>Sanjay Kalé and PPL (UIUC) – Parallel Migratable Objects </a:t>
+              <a:t>Laxmikant Kalé and PPL (UIUC) – Parallel Migratable Objects </a:t>
             </a:r>
             <a:endParaRPr lang="en-US" dirty="0"/>
           </a:p>
@@ -7397,12 +7320,12 @@
       </p:sp>
       <p:sp>
         <p:nvSpPr>
-          <p:cNvPr id="3" name="Date Placeholder 2"/>
-          <p:cNvSpPr>
-            <a:spLocks noGrp="1"/>
-          </p:cNvSpPr>
-          <p:nvPr>
-            <p:ph type="dt" sz="half" idx="10"/>
+          <p:cNvPr id="4" name="Footer Placeholder 3"/>
+          <p:cNvSpPr>
+            <a:spLocks noGrp="1"/>
+          </p:cNvSpPr>
+          <p:nvPr>
+            <p:ph type="ftr" sz="quarter" idx="11"/>
           </p:nvPr>
         </p:nvSpPr>
         <p:spPr/>
@@ -7410,33 +7333,10 @@
           <a:bodyPr/>
           <a:lstStyle/>
           <a:p>
-            <a:fld id="{BD5AFB16-13FE-DF4A-8CB7-09756A57B2EA}" type="datetime2">
-              <a:rPr lang="en-US" smtClean="0"/>
-              <a:t>Wednesday, September 10, 14</a:t>
-            </a:fld>
-            <a:endParaRPr lang="en-US" dirty="0"/>
-          </a:p>
-        </p:txBody>
-      </p:sp>
-      <p:sp>
-        <p:nvSpPr>
-          <p:cNvPr id="4" name="Footer Placeholder 3"/>
-          <p:cNvSpPr>
-            <a:spLocks noGrp="1"/>
-          </p:cNvSpPr>
-          <p:nvPr>
-            <p:ph type="ftr" sz="quarter" idx="11"/>
-          </p:nvPr>
-        </p:nvSpPr>
-        <p:spPr/>
-        <p:txBody>
-          <a:bodyPr/>
-          <a:lstStyle/>
-          <a:p>
             <a:pPr algn="r"/>
             <a:r>
               <a:rPr lang="en-US" smtClean="0"/>
-              <a:t>Sanjay Kalé and PPL (UIUC) – Parallel Migratable Objects </a:t>
+              <a:t>Laxmikant Kalé and PPL (UIUC) – Parallel Migratable Objects </a:t>
             </a:r>
             <a:endParaRPr lang="en-US" dirty="0"/>
           </a:p>
@@ -7753,12 +7653,12 @@
       </p:sp>
       <p:sp>
         <p:nvSpPr>
-          <p:cNvPr id="7" name="Date Placeholder 6"/>
-          <p:cNvSpPr>
-            <a:spLocks noGrp="1"/>
-          </p:cNvSpPr>
-          <p:nvPr>
-            <p:ph type="dt" sz="half" idx="10"/>
+          <p:cNvPr id="8" name="Footer Placeholder 7"/>
+          <p:cNvSpPr>
+            <a:spLocks noGrp="1"/>
+          </p:cNvSpPr>
+          <p:nvPr>
+            <p:ph type="ftr" sz="quarter" idx="11"/>
           </p:nvPr>
         </p:nvSpPr>
         <p:spPr/>
@@ -7766,33 +7666,10 @@
           <a:bodyPr/>
           <a:lstStyle/>
           <a:p>
-            <a:fld id="{4B5E4F0C-9A9C-5448-99FD-D30288B385C9}" type="datetime2">
-              <a:rPr lang="en-US" smtClean="0"/>
-              <a:t>Wednesday, September 10, 14</a:t>
-            </a:fld>
-            <a:endParaRPr lang="en-US"/>
-          </a:p>
-        </p:txBody>
-      </p:sp>
-      <p:sp>
-        <p:nvSpPr>
-          <p:cNvPr id="8" name="Footer Placeholder 7"/>
-          <p:cNvSpPr>
-            <a:spLocks noGrp="1"/>
-          </p:cNvSpPr>
-          <p:nvPr>
-            <p:ph type="ftr" sz="quarter" idx="11"/>
-          </p:nvPr>
-        </p:nvSpPr>
-        <p:spPr/>
-        <p:txBody>
-          <a:bodyPr/>
-          <a:lstStyle/>
-          <a:p>
             <a:pPr algn="r"/>
             <a:r>
               <a:rPr lang="en-US" smtClean="0"/>
-              <a:t>Sanjay Kalé and PPL (UIUC) – Parallel Migratable Objects </a:t>
+              <a:t>Laxmikant Kalé and PPL (UIUC) – Parallel Migratable Objects </a:t>
             </a:r>
             <a:endParaRPr lang="en-US" dirty="0"/>
           </a:p>
@@ -7945,12 +7822,12 @@
       </p:sp>
       <p:sp>
         <p:nvSpPr>
-          <p:cNvPr id="4" name="Date Placeholder 3"/>
-          <p:cNvSpPr>
-            <a:spLocks noGrp="1"/>
-          </p:cNvSpPr>
-          <p:nvPr>
-            <p:ph type="dt" sz="half" idx="10"/>
+          <p:cNvPr id="5" name="Footer Placeholder 4"/>
+          <p:cNvSpPr>
+            <a:spLocks noGrp="1"/>
+          </p:cNvSpPr>
+          <p:nvPr>
+            <p:ph type="ftr" sz="quarter" idx="11"/>
           </p:nvPr>
         </p:nvSpPr>
         <p:spPr/>
@@ -7958,33 +7835,10 @@
           <a:bodyPr/>
           <a:lstStyle/>
           <a:p>
-            <a:fld id="{34621E95-60A9-FF44-9869-513D9D7A859F}" type="datetime2">
-              <a:rPr lang="en-US" smtClean="0"/>
-              <a:t>Wednesday, September 10, 14</a:t>
-            </a:fld>
-            <a:endParaRPr lang="en-US"/>
-          </a:p>
-        </p:txBody>
-      </p:sp>
-      <p:sp>
-        <p:nvSpPr>
-          <p:cNvPr id="5" name="Footer Placeholder 4"/>
-          <p:cNvSpPr>
-            <a:spLocks noGrp="1"/>
-          </p:cNvSpPr>
-          <p:nvPr>
-            <p:ph type="ftr" sz="quarter" idx="11"/>
-          </p:nvPr>
-        </p:nvSpPr>
-        <p:spPr/>
-        <p:txBody>
-          <a:bodyPr/>
-          <a:lstStyle/>
-          <a:p>
             <a:pPr algn="r"/>
             <a:r>
               <a:rPr lang="en-US" smtClean="0"/>
-              <a:t>Sanjay Kalé and PPL (UIUC) – Parallel Migratable Objects </a:t>
+              <a:t>Laxmikant Kalé and PPL (UIUC) – Parallel Migratable Objects </a:t>
             </a:r>
             <a:endParaRPr lang="en-US" dirty="0"/>
           </a:p>
@@ -8107,12 +7961,12 @@
       </p:sp>
       <p:sp>
         <p:nvSpPr>
-          <p:cNvPr id="3" name="Date Placeholder 2"/>
-          <p:cNvSpPr>
-            <a:spLocks noGrp="1"/>
-          </p:cNvSpPr>
-          <p:nvPr>
-            <p:ph type="dt" sz="half" idx="10"/>
+          <p:cNvPr id="4" name="Footer Placeholder 3"/>
+          <p:cNvSpPr>
+            <a:spLocks noGrp="1"/>
+          </p:cNvSpPr>
+          <p:nvPr>
+            <p:ph type="ftr" sz="quarter" idx="11"/>
           </p:nvPr>
         </p:nvSpPr>
         <p:spPr/>
@@ -8120,33 +7974,10 @@
           <a:bodyPr/>
           <a:lstStyle/>
           <a:p>
-            <a:fld id="{CC859171-EEDD-0B48-A5C0-E7218AE20EA7}" type="datetime2">
-              <a:rPr lang="en-US" smtClean="0"/>
-              <a:t>Wednesday, September 10, 14</a:t>
-            </a:fld>
-            <a:endParaRPr lang="en-US"/>
-          </a:p>
-        </p:txBody>
-      </p:sp>
-      <p:sp>
-        <p:nvSpPr>
-          <p:cNvPr id="4" name="Footer Placeholder 3"/>
-          <p:cNvSpPr>
-            <a:spLocks noGrp="1"/>
-          </p:cNvSpPr>
-          <p:nvPr>
-            <p:ph type="ftr" sz="quarter" idx="11"/>
-          </p:nvPr>
-        </p:nvSpPr>
-        <p:spPr/>
-        <p:txBody>
-          <a:bodyPr/>
-          <a:lstStyle/>
-          <a:p>
             <a:pPr algn="r"/>
             <a:r>
               <a:rPr lang="en-US" smtClean="0"/>
-              <a:t>Sanjay Kalé and PPL (UIUC) – Parallel Migratable Objects </a:t>
+              <a:t>Laxmikant Kalé and PPL (UIUC) – Parallel Migratable Objects </a:t>
             </a:r>
             <a:endParaRPr lang="en-US" dirty="0"/>
           </a:p>
@@ -8460,12 +8291,12 @@
       </p:sp>
       <p:sp>
         <p:nvSpPr>
-          <p:cNvPr id="4" name="Date Placeholder 3"/>
-          <p:cNvSpPr>
-            <a:spLocks noGrp="1"/>
-          </p:cNvSpPr>
-          <p:nvPr>
-            <p:ph type="dt" sz="half" idx="10"/>
+          <p:cNvPr id="5" name="Footer Placeholder 4"/>
+          <p:cNvSpPr>
+            <a:spLocks noGrp="1"/>
+          </p:cNvSpPr>
+          <p:nvPr>
+            <p:ph type="ftr" sz="quarter" idx="11"/>
           </p:nvPr>
         </p:nvSpPr>
         <p:spPr/>
@@ -8473,33 +8304,10 @@
           <a:bodyPr/>
           <a:lstStyle/>
           <a:p>
-            <a:fld id="{34621E95-60A9-FF44-9869-513D9D7A859F}" type="datetime2">
-              <a:rPr lang="en-US" smtClean="0"/>
-              <a:t>Wednesday, September 10, 14</a:t>
-            </a:fld>
-            <a:endParaRPr lang="en-US"/>
-          </a:p>
-        </p:txBody>
-      </p:sp>
-      <p:sp>
-        <p:nvSpPr>
-          <p:cNvPr id="5" name="Footer Placeholder 4"/>
-          <p:cNvSpPr>
-            <a:spLocks noGrp="1"/>
-          </p:cNvSpPr>
-          <p:nvPr>
-            <p:ph type="ftr" sz="quarter" idx="11"/>
-          </p:nvPr>
-        </p:nvSpPr>
-        <p:spPr/>
-        <p:txBody>
-          <a:bodyPr/>
-          <a:lstStyle/>
-          <a:p>
             <a:pPr algn="r"/>
             <a:r>
               <a:rPr lang="en-US" smtClean="0"/>
-              <a:t>Sanjay Kalé and PPL (UIUC) – Parallel Migratable Objects </a:t>
+              <a:t>Laxmikant Kalé and PPL (UIUC) – Parallel Migratable Objects </a:t>
             </a:r>
             <a:endParaRPr lang="en-US" dirty="0"/>
           </a:p>
@@ -8551,7 +8359,7 @@
           <a:graphicData uri="http://schemas.openxmlformats.org/presentationml/2006/ole">
             <mc:AlternateContent xmlns:mc="http://schemas.openxmlformats.org/markup-compatibility/2006">
               <mc:Choice xmlns:v="urn:schemas-microsoft-com:vml" Requires="v">
-                <p:oleObj spid="_x0000_s3155" name="Equation" r:id="rId3" imgW="165100" imgH="431800" progId="Equation.3">
+                <p:oleObj spid="_x0000_s3157" name="Equation" r:id="rId3" imgW="165100" imgH="431800" progId="Equation.3">
                   <p:embed/>
                 </p:oleObj>
               </mc:Choice>
@@ -8993,12 +8801,12 @@
       </p:sp>
       <p:sp>
         <p:nvSpPr>
-          <p:cNvPr id="3" name="Date Placeholder 2"/>
-          <p:cNvSpPr>
-            <a:spLocks noGrp="1"/>
-          </p:cNvSpPr>
-          <p:nvPr>
-            <p:ph type="dt" sz="half" idx="10"/>
+          <p:cNvPr id="4" name="Footer Placeholder 3"/>
+          <p:cNvSpPr>
+            <a:spLocks noGrp="1"/>
+          </p:cNvSpPr>
+          <p:nvPr>
+            <p:ph type="ftr" sz="quarter" idx="11"/>
           </p:nvPr>
         </p:nvSpPr>
         <p:spPr/>
@@ -9006,33 +8814,10 @@
           <a:bodyPr/>
           <a:lstStyle/>
           <a:p>
-            <a:fld id="{BD5AFB16-13FE-DF4A-8CB7-09756A57B2EA}" type="datetime2">
-              <a:rPr lang="en-US" smtClean="0"/>
-              <a:t>Wednesday, September 10, 14</a:t>
-            </a:fld>
-            <a:endParaRPr lang="en-US" dirty="0"/>
-          </a:p>
-        </p:txBody>
-      </p:sp>
-      <p:sp>
-        <p:nvSpPr>
-          <p:cNvPr id="4" name="Footer Placeholder 3"/>
-          <p:cNvSpPr>
-            <a:spLocks noGrp="1"/>
-          </p:cNvSpPr>
-          <p:nvPr>
-            <p:ph type="ftr" sz="quarter" idx="11"/>
-          </p:nvPr>
-        </p:nvSpPr>
-        <p:spPr/>
-        <p:txBody>
-          <a:bodyPr/>
-          <a:lstStyle/>
-          <a:p>
             <a:pPr algn="r"/>
             <a:r>
               <a:rPr lang="en-US" smtClean="0"/>
-              <a:t>Sanjay Kalé and PPL (UIUC) – Parallel Migratable Objects </a:t>
+              <a:t>Laxmikant Kalé and PPL (UIUC) – Parallel Migratable Objects </a:t>
             </a:r>
             <a:endParaRPr lang="en-US" dirty="0"/>
           </a:p>
@@ -9378,12 +9163,12 @@
       </p:sp>
       <p:sp>
         <p:nvSpPr>
-          <p:cNvPr id="4" name="Date Placeholder 3"/>
-          <p:cNvSpPr>
-            <a:spLocks noGrp="1"/>
-          </p:cNvSpPr>
-          <p:nvPr>
-            <p:ph type="dt" sz="half" idx="10"/>
+          <p:cNvPr id="5" name="Footer Placeholder 4"/>
+          <p:cNvSpPr>
+            <a:spLocks noGrp="1"/>
+          </p:cNvSpPr>
+          <p:nvPr>
+            <p:ph type="ftr" sz="quarter" idx="11"/>
           </p:nvPr>
         </p:nvSpPr>
         <p:spPr/>
@@ -9391,33 +9176,10 @@
           <a:bodyPr/>
           <a:lstStyle/>
           <a:p>
-            <a:fld id="{34621E95-60A9-FF44-9869-513D9D7A859F}" type="datetime2">
-              <a:rPr lang="en-US" smtClean="0"/>
-              <a:t>Wednesday, September 10, 14</a:t>
-            </a:fld>
-            <a:endParaRPr lang="en-US"/>
-          </a:p>
-        </p:txBody>
-      </p:sp>
-      <p:sp>
-        <p:nvSpPr>
-          <p:cNvPr id="5" name="Footer Placeholder 4"/>
-          <p:cNvSpPr>
-            <a:spLocks noGrp="1"/>
-          </p:cNvSpPr>
-          <p:nvPr>
-            <p:ph type="ftr" sz="quarter" idx="11"/>
-          </p:nvPr>
-        </p:nvSpPr>
-        <p:spPr/>
-        <p:txBody>
-          <a:bodyPr/>
-          <a:lstStyle/>
-          <a:p>
             <a:pPr algn="r"/>
             <a:r>
               <a:rPr lang="en-US" smtClean="0"/>
-              <a:t>Sanjay Kalé and PPL (UIUC) – Parallel Migratable Objects </a:t>
+              <a:t>Laxmikant Kalé and PPL (UIUC) – Parallel Migratable Objects </a:t>
             </a:r>
             <a:endParaRPr lang="en-US" dirty="0"/>
           </a:p>
@@ -9678,12 +9440,12 @@
       </p:sp>
       <p:sp>
         <p:nvSpPr>
-          <p:cNvPr id="4" name="Date Placeholder 3"/>
-          <p:cNvSpPr>
-            <a:spLocks noGrp="1"/>
-          </p:cNvSpPr>
-          <p:nvPr>
-            <p:ph type="dt" sz="half" idx="10"/>
+          <p:cNvPr id="5" name="Footer Placeholder 4"/>
+          <p:cNvSpPr>
+            <a:spLocks noGrp="1"/>
+          </p:cNvSpPr>
+          <p:nvPr>
+            <p:ph type="ftr" sz="quarter" idx="11"/>
           </p:nvPr>
         </p:nvSpPr>
         <p:spPr/>
@@ -9691,33 +9453,10 @@
           <a:bodyPr/>
           <a:lstStyle/>
           <a:p>
-            <a:fld id="{34621E95-60A9-FF44-9869-513D9D7A859F}" type="datetime2">
-              <a:rPr lang="en-US" smtClean="0"/>
-              <a:t>Wednesday, September 10, 14</a:t>
-            </a:fld>
-            <a:endParaRPr lang="en-US"/>
-          </a:p>
-        </p:txBody>
-      </p:sp>
-      <p:sp>
-        <p:nvSpPr>
-          <p:cNvPr id="5" name="Footer Placeholder 4"/>
-          <p:cNvSpPr>
-            <a:spLocks noGrp="1"/>
-          </p:cNvSpPr>
-          <p:nvPr>
-            <p:ph type="ftr" sz="quarter" idx="11"/>
-          </p:nvPr>
-        </p:nvSpPr>
-        <p:spPr/>
-        <p:txBody>
-          <a:bodyPr/>
-          <a:lstStyle/>
-          <a:p>
             <a:pPr algn="r"/>
             <a:r>
               <a:rPr lang="en-US" smtClean="0"/>
-              <a:t>Sanjay Kalé and PPL (UIUC) – Parallel Migratable Objects </a:t>
+              <a:t>Laxmikant Kalé and PPL (UIUC) – Parallel Migratable Objects </a:t>
             </a:r>
             <a:endParaRPr lang="en-US" dirty="0"/>
           </a:p>
@@ -9841,12 +9580,12 @@
       </p:pic>
       <p:sp>
         <p:nvSpPr>
-          <p:cNvPr id="4" name="Date Placeholder 3"/>
-          <p:cNvSpPr>
-            <a:spLocks noGrp="1"/>
-          </p:cNvSpPr>
-          <p:nvPr>
-            <p:ph type="dt" sz="half" idx="10"/>
+          <p:cNvPr id="5" name="Footer Placeholder 4"/>
+          <p:cNvSpPr>
+            <a:spLocks noGrp="1"/>
+          </p:cNvSpPr>
+          <p:nvPr>
+            <p:ph type="ftr" sz="quarter" idx="11"/>
           </p:nvPr>
         </p:nvSpPr>
         <p:spPr/>
@@ -9854,33 +9593,10 @@
           <a:bodyPr/>
           <a:lstStyle/>
           <a:p>
-            <a:fld id="{34621E95-60A9-FF44-9869-513D9D7A859F}" type="datetime2">
-              <a:rPr lang="en-US" smtClean="0"/>
-              <a:t>Wednesday, September 10, 14</a:t>
-            </a:fld>
-            <a:endParaRPr lang="en-US"/>
-          </a:p>
-        </p:txBody>
-      </p:sp>
-      <p:sp>
-        <p:nvSpPr>
-          <p:cNvPr id="5" name="Footer Placeholder 4"/>
-          <p:cNvSpPr>
-            <a:spLocks noGrp="1"/>
-          </p:cNvSpPr>
-          <p:nvPr>
-            <p:ph type="ftr" sz="quarter" idx="11"/>
-          </p:nvPr>
-        </p:nvSpPr>
-        <p:spPr/>
-        <p:txBody>
-          <a:bodyPr/>
-          <a:lstStyle/>
-          <a:p>
             <a:pPr algn="r"/>
             <a:r>
               <a:rPr lang="en-US" smtClean="0"/>
-              <a:t>Sanjay Kalé and PPL (UIUC) – Parallel Migratable Objects </a:t>
+              <a:t>Laxmikant Kalé and PPL (UIUC) – Parallel Migratable Objects </a:t>
             </a:r>
             <a:endParaRPr lang="en-US" dirty="0"/>
           </a:p>
@@ -10695,12 +10411,12 @@
       </p:grpSpPr>
       <p:sp>
         <p:nvSpPr>
-          <p:cNvPr id="2" name="Date Placeholder 1"/>
-          <p:cNvSpPr>
-            <a:spLocks noGrp="1"/>
-          </p:cNvSpPr>
-          <p:nvPr>
-            <p:ph type="dt" sz="half" idx="10"/>
+          <p:cNvPr id="3" name="Footer Placeholder 2"/>
+          <p:cNvSpPr>
+            <a:spLocks noGrp="1"/>
+          </p:cNvSpPr>
+          <p:nvPr>
+            <p:ph type="ftr" sz="quarter" idx="11"/>
           </p:nvPr>
         </p:nvSpPr>
         <p:spPr/>
@@ -10708,33 +10424,10 @@
           <a:bodyPr/>
           <a:lstStyle/>
           <a:p>
-            <a:fld id="{37383D84-F1D7-9848-A849-D0882C7D6C8D}" type="datetime2">
-              <a:rPr lang="en-US" smtClean="0"/>
-              <a:t>Wednesday, September 10, 14</a:t>
-            </a:fld>
-            <a:endParaRPr lang="en-US"/>
-          </a:p>
-        </p:txBody>
-      </p:sp>
-      <p:sp>
-        <p:nvSpPr>
-          <p:cNvPr id="3" name="Footer Placeholder 2"/>
-          <p:cNvSpPr>
-            <a:spLocks noGrp="1"/>
-          </p:cNvSpPr>
-          <p:nvPr>
-            <p:ph type="ftr" sz="quarter" idx="11"/>
-          </p:nvPr>
-        </p:nvSpPr>
-        <p:spPr/>
-        <p:txBody>
-          <a:bodyPr/>
-          <a:lstStyle/>
-          <a:p>
             <a:pPr algn="r"/>
             <a:r>
               <a:rPr lang="en-US" smtClean="0"/>
-              <a:t>Sanjay Kalé and PPL (UIUC) – Parallel Migratable Objects </a:t>
+              <a:t>Laxmikant Kalé and PPL (UIUC) – Parallel Migratable Objects </a:t>
             </a:r>
             <a:endParaRPr lang="en-US" dirty="0"/>
           </a:p>
@@ -10965,12 +10658,12 @@
       </p:sp>
       <p:sp>
         <p:nvSpPr>
-          <p:cNvPr id="4" name="Date Placeholder 3"/>
-          <p:cNvSpPr>
-            <a:spLocks noGrp="1"/>
-          </p:cNvSpPr>
-          <p:nvPr>
-            <p:ph type="dt" sz="half" idx="10"/>
+          <p:cNvPr id="5" name="Footer Placeholder 4"/>
+          <p:cNvSpPr>
+            <a:spLocks noGrp="1"/>
+          </p:cNvSpPr>
+          <p:nvPr>
+            <p:ph type="ftr" sz="quarter" idx="11"/>
           </p:nvPr>
         </p:nvSpPr>
         <p:spPr/>
@@ -10978,33 +10671,10 @@
           <a:bodyPr/>
           <a:lstStyle/>
           <a:p>
-            <a:fld id="{34621E95-60A9-FF44-9869-513D9D7A859F}" type="datetime2">
-              <a:rPr lang="en-US" smtClean="0"/>
-              <a:t>Wednesday, September 10, 14</a:t>
-            </a:fld>
-            <a:endParaRPr lang="en-US"/>
-          </a:p>
-        </p:txBody>
-      </p:sp>
-      <p:sp>
-        <p:nvSpPr>
-          <p:cNvPr id="5" name="Footer Placeholder 4"/>
-          <p:cNvSpPr>
-            <a:spLocks noGrp="1"/>
-          </p:cNvSpPr>
-          <p:nvPr>
-            <p:ph type="ftr" sz="quarter" idx="11"/>
-          </p:nvPr>
-        </p:nvSpPr>
-        <p:spPr/>
-        <p:txBody>
-          <a:bodyPr/>
-          <a:lstStyle/>
-          <a:p>
             <a:pPr algn="r"/>
             <a:r>
               <a:rPr lang="en-US" smtClean="0"/>
-              <a:t>Sanjay Kalé and PPL (UIUC) – Parallel Migratable Objects </a:t>
+              <a:t>Laxmikant Kalé and PPL (UIUC) – Parallel Migratable Objects </a:t>
             </a:r>
             <a:endParaRPr lang="en-US" dirty="0"/>
           </a:p>
@@ -11262,12 +10932,12 @@
       </p:sp>
       <p:sp>
         <p:nvSpPr>
-          <p:cNvPr id="4" name="Date Placeholder 3"/>
-          <p:cNvSpPr>
-            <a:spLocks noGrp="1"/>
-          </p:cNvSpPr>
-          <p:nvPr>
-            <p:ph type="dt" sz="half" idx="10"/>
+          <p:cNvPr id="5" name="Footer Placeholder 4"/>
+          <p:cNvSpPr>
+            <a:spLocks noGrp="1"/>
+          </p:cNvSpPr>
+          <p:nvPr>
+            <p:ph type="ftr" sz="quarter" idx="11"/>
           </p:nvPr>
         </p:nvSpPr>
         <p:spPr/>
@@ -11275,33 +10945,10 @@
           <a:bodyPr/>
           <a:lstStyle/>
           <a:p>
-            <a:fld id="{34621E95-60A9-FF44-9869-513D9D7A859F}" type="datetime2">
-              <a:rPr lang="en-US" smtClean="0"/>
-              <a:t>Wednesday, September 10, 14</a:t>
-            </a:fld>
-            <a:endParaRPr lang="en-US"/>
-          </a:p>
-        </p:txBody>
-      </p:sp>
-      <p:sp>
-        <p:nvSpPr>
-          <p:cNvPr id="5" name="Footer Placeholder 4"/>
-          <p:cNvSpPr>
-            <a:spLocks noGrp="1"/>
-          </p:cNvSpPr>
-          <p:nvPr>
-            <p:ph type="ftr" sz="quarter" idx="11"/>
-          </p:nvPr>
-        </p:nvSpPr>
-        <p:spPr/>
-        <p:txBody>
-          <a:bodyPr/>
-          <a:lstStyle/>
-          <a:p>
             <a:pPr algn="r"/>
             <a:r>
               <a:rPr lang="en-US" smtClean="0"/>
-              <a:t>Sanjay Kalé and PPL (UIUC) – Parallel Migratable Objects </a:t>
+              <a:t>Laxmikant Kalé and PPL (UIUC) – Parallel Migratable Objects </a:t>
             </a:r>
             <a:endParaRPr lang="en-US" dirty="0"/>
           </a:p>
@@ -11353,7 +11000,7 @@
           <a:graphicData uri="http://schemas.openxmlformats.org/presentationml/2006/ole">
             <mc:AlternateContent xmlns:mc="http://schemas.openxmlformats.org/markup-compatibility/2006">
               <mc:Choice xmlns:v="urn:schemas-microsoft-com:vml" Requires="v">
-                <p:oleObj spid="_x0000_s1184" name="Equation" r:id="rId3" imgW="292100" imgH="393700" progId="Equation.3">
+                <p:oleObj spid="_x0000_s1187" name="Equation" r:id="rId3" imgW="292100" imgH="393700" progId="Equation.3">
                   <p:embed/>
                 </p:oleObj>
               </mc:Choice>
@@ -11410,7 +11057,7 @@
           <a:graphicData uri="http://schemas.openxmlformats.org/presentationml/2006/ole">
             <mc:AlternateContent xmlns:mc="http://schemas.openxmlformats.org/markup-compatibility/2006">
               <mc:Choice xmlns:v="urn:schemas-microsoft-com:vml" Requires="v">
-                <p:oleObj spid="_x0000_s1185" name="Equation" r:id="rId5" imgW="355600" imgH="393700" progId="Equation.3">
+                <p:oleObj spid="_x0000_s1188" name="Equation" r:id="rId5" imgW="355600" imgH="393700" progId="Equation.3">
                   <p:embed/>
                 </p:oleObj>
               </mc:Choice>
@@ -11985,12 +11632,12 @@
       </p:sp>
       <p:sp>
         <p:nvSpPr>
-          <p:cNvPr id="4" name="Date Placeholder 3"/>
-          <p:cNvSpPr>
-            <a:spLocks noGrp="1"/>
-          </p:cNvSpPr>
-          <p:nvPr>
-            <p:ph type="dt" sz="half" idx="10"/>
+          <p:cNvPr id="5" name="Footer Placeholder 4"/>
+          <p:cNvSpPr>
+            <a:spLocks noGrp="1"/>
+          </p:cNvSpPr>
+          <p:nvPr>
+            <p:ph type="ftr" sz="quarter" idx="11"/>
           </p:nvPr>
         </p:nvSpPr>
         <p:spPr/>
@@ -11998,33 +11645,10 @@
           <a:bodyPr/>
           <a:lstStyle/>
           <a:p>
-            <a:fld id="{34621E95-60A9-FF44-9869-513D9D7A859F}" type="datetime2">
-              <a:rPr lang="en-US" smtClean="0"/>
-              <a:t>Wednesday, September 10, 14</a:t>
-            </a:fld>
-            <a:endParaRPr lang="en-US"/>
-          </a:p>
-        </p:txBody>
-      </p:sp>
-      <p:sp>
-        <p:nvSpPr>
-          <p:cNvPr id="5" name="Footer Placeholder 4"/>
-          <p:cNvSpPr>
-            <a:spLocks noGrp="1"/>
-          </p:cNvSpPr>
-          <p:nvPr>
-            <p:ph type="ftr" sz="quarter" idx="11"/>
-          </p:nvPr>
-        </p:nvSpPr>
-        <p:spPr/>
-        <p:txBody>
-          <a:bodyPr/>
-          <a:lstStyle/>
-          <a:p>
             <a:pPr algn="r"/>
             <a:r>
               <a:rPr lang="en-US" smtClean="0"/>
-              <a:t>Sanjay Kalé and PPL (UIUC) – Parallel Migratable Objects </a:t>
+              <a:t>Laxmikant Kalé and PPL (UIUC) – Parallel Migratable Objects </a:t>
             </a:r>
             <a:endParaRPr lang="en-US" dirty="0"/>
           </a:p>
@@ -12159,12 +11783,12 @@
       </p:sp>
       <p:sp>
         <p:nvSpPr>
-          <p:cNvPr id="4" name="Date Placeholder 3"/>
-          <p:cNvSpPr>
-            <a:spLocks noGrp="1"/>
-          </p:cNvSpPr>
-          <p:nvPr>
-            <p:ph type="dt" sz="half" idx="10"/>
+          <p:cNvPr id="5" name="Footer Placeholder 4"/>
+          <p:cNvSpPr>
+            <a:spLocks noGrp="1"/>
+          </p:cNvSpPr>
+          <p:nvPr>
+            <p:ph type="ftr" sz="quarter" idx="11"/>
           </p:nvPr>
         </p:nvSpPr>
         <p:spPr/>
@@ -12172,33 +11796,10 @@
           <a:bodyPr/>
           <a:lstStyle/>
           <a:p>
-            <a:fld id="{34621E95-60A9-FF44-9869-513D9D7A859F}" type="datetime2">
-              <a:rPr lang="en-US" smtClean="0"/>
-              <a:t>Wednesday, September 10, 14</a:t>
-            </a:fld>
-            <a:endParaRPr lang="en-US"/>
-          </a:p>
-        </p:txBody>
-      </p:sp>
-      <p:sp>
-        <p:nvSpPr>
-          <p:cNvPr id="5" name="Footer Placeholder 4"/>
-          <p:cNvSpPr>
-            <a:spLocks noGrp="1"/>
-          </p:cNvSpPr>
-          <p:nvPr>
-            <p:ph type="ftr" sz="quarter" idx="11"/>
-          </p:nvPr>
-        </p:nvSpPr>
-        <p:spPr/>
-        <p:txBody>
-          <a:bodyPr/>
-          <a:lstStyle/>
-          <a:p>
             <a:pPr algn="r"/>
             <a:r>
               <a:rPr lang="en-US" smtClean="0"/>
-              <a:t>Sanjay Kalé and PPL (UIUC) – Parallel Migratable Objects </a:t>
+              <a:t>Laxmikant Kalé and PPL (UIUC) – Parallel Migratable Objects </a:t>
             </a:r>
             <a:endParaRPr lang="en-US" dirty="0"/>
           </a:p>
@@ -12250,7 +11851,7 @@
           <a:graphicData uri="http://schemas.openxmlformats.org/presentationml/2006/ole">
             <mc:AlternateContent xmlns:mc="http://schemas.openxmlformats.org/markup-compatibility/2006">
               <mc:Choice xmlns:v="urn:schemas-microsoft-com:vml" Requires="v">
-                <p:oleObj spid="_x0000_s2283" name="Equation" r:id="rId3" imgW="825500" imgH="457200" progId="Equation.3">
+                <p:oleObj spid="_x0000_s2287" name="Equation" r:id="rId3" imgW="825500" imgH="457200" progId="Equation.3">
                   <p:embed/>
                 </p:oleObj>
               </mc:Choice>
@@ -12307,7 +11908,7 @@
           <a:graphicData uri="http://schemas.openxmlformats.org/presentationml/2006/ole">
             <mc:AlternateContent xmlns:mc="http://schemas.openxmlformats.org/markup-compatibility/2006">
               <mc:Choice xmlns:v="urn:schemas-microsoft-com:vml" Requires="v">
-                <p:oleObj spid="_x0000_s2284" name="Equation" r:id="rId5" imgW="1028700" imgH="457200" progId="Equation.3">
+                <p:oleObj spid="_x0000_s2288" name="Equation" r:id="rId5" imgW="1028700" imgH="457200" progId="Equation.3">
                   <p:embed/>
                 </p:oleObj>
               </mc:Choice>
@@ -12364,7 +11965,7 @@
           <a:graphicData uri="http://schemas.openxmlformats.org/presentationml/2006/ole">
             <mc:AlternateContent xmlns:mc="http://schemas.openxmlformats.org/markup-compatibility/2006">
               <mc:Choice xmlns:v="urn:schemas-microsoft-com:vml" Requires="v">
-                <p:oleObj spid="_x0000_s2285" name="Equation" r:id="rId7" imgW="1422400" imgH="914400" progId="Equation.3">
+                <p:oleObj spid="_x0000_s2289" name="Equation" r:id="rId7" imgW="1422400" imgH="914400" progId="Equation.3">
                   <p:embed/>
                 </p:oleObj>
               </mc:Choice>

--- a/tutorial-05-overdecomposition.pptx
+++ b/tutorial-05-overdecomposition.pptx
@@ -5,10 +5,10 @@
     <p:sldMasterId id="2147483988" r:id="rId1"/>
   </p:sldMasterIdLst>
   <p:notesMasterIdLst>
-    <p:notesMasterId r:id="rId19"/>
+    <p:notesMasterId r:id="rId20"/>
   </p:notesMasterIdLst>
   <p:handoutMasterIdLst>
-    <p:handoutMasterId r:id="rId20"/>
+    <p:handoutMasterId r:id="rId21"/>
   </p:handoutMasterIdLst>
   <p:sldIdLst>
     <p:sldId id="385" r:id="rId2"/>
@@ -18,16 +18,17 @@
     <p:sldId id="354" r:id="rId6"/>
     <p:sldId id="389" r:id="rId7"/>
     <p:sldId id="390" r:id="rId8"/>
-    <p:sldId id="391" r:id="rId9"/>
-    <p:sldId id="392" r:id="rId10"/>
-    <p:sldId id="393" r:id="rId11"/>
-    <p:sldId id="394" r:id="rId12"/>
-    <p:sldId id="395" r:id="rId13"/>
-    <p:sldId id="396" r:id="rId14"/>
-    <p:sldId id="397" r:id="rId15"/>
-    <p:sldId id="399" r:id="rId16"/>
-    <p:sldId id="400" r:id="rId17"/>
-    <p:sldId id="401" r:id="rId18"/>
+    <p:sldId id="402" r:id="rId9"/>
+    <p:sldId id="391" r:id="rId10"/>
+    <p:sldId id="392" r:id="rId11"/>
+    <p:sldId id="393" r:id="rId12"/>
+    <p:sldId id="394" r:id="rId13"/>
+    <p:sldId id="395" r:id="rId14"/>
+    <p:sldId id="396" r:id="rId15"/>
+    <p:sldId id="397" r:id="rId16"/>
+    <p:sldId id="399" r:id="rId17"/>
+    <p:sldId id="400" r:id="rId18"/>
+    <p:sldId id="401" r:id="rId19"/>
   </p:sldIdLst>
   <p:sldSz cx="9144000" cy="6858000" type="screen4x3"/>
   <p:notesSz cx="6858000" cy="9144000"/>
@@ -217,7 +218,7 @@
           <a:p>
             <a:fld id="{775CE290-E0F5-444C-B849-A8F17CD4104C}" type="datetimeFigureOut">
               <a:rPr lang="en-US" smtClean="0"/>
-              <a:t>9/12/14</a:t>
+              <a:t>11/16/14</a:t>
             </a:fld>
             <a:endParaRPr lang="en-US"/>
           </a:p>
@@ -383,7 +384,7 @@
           <a:p>
             <a:fld id="{AD53A24C-4135-094C-957B-35852E7EDFA4}" type="datetimeFigureOut">
               <a:rPr lang="en-US" smtClean="0"/>
-              <a:t>9/12/14</a:t>
+              <a:t>11/16/14</a:t>
             </a:fld>
             <a:endParaRPr lang="en-US"/>
           </a:p>
@@ -844,7 +845,7 @@
           <a:p>
             <a:fld id="{1D7F9E01-59EF-0547-83AD-48620069DCF1}" type="datetime2">
               <a:rPr lang="en-US" smtClean="0"/>
-              <a:t>Friday, September 12, 14</a:t>
+              <a:t>Sunday, November 16, 14</a:t>
             </a:fld>
             <a:endParaRPr lang="en-US"/>
           </a:p>
@@ -1147,7 +1148,7 @@
                 <a:latin typeface="Times New Roman"/>
                 <a:cs typeface="Times New Roman"/>
               </a:rPr>
-              <a:t>September 12, 2014</a:t>
+              <a:t>November 16, 2014</a:t>
             </a:fld>
             <a:endParaRPr lang="en-US" dirty="0">
               <a:latin typeface="Times New Roman"/>
@@ -1421,7 +1422,7 @@
                 <a:latin typeface="Times New Roman"/>
                 <a:cs typeface="Times New Roman"/>
               </a:rPr>
-              <a:t>September 12, 2014</a:t>
+              <a:t>November 16, 2014</a:t>
             </a:fld>
             <a:endParaRPr lang="en-US" dirty="0">
               <a:latin typeface="Times New Roman"/>
@@ -1656,7 +1657,7 @@
           <a:p>
             <a:fld id="{6FC8C693-E93B-274A-9298-538CD1DF83D5}" type="datetime2">
               <a:rPr lang="en-US" smtClean="0"/>
-              <a:t>Friday, September 12, 14</a:t>
+              <a:t>Sunday, November 16, 14</a:t>
             </a:fld>
             <a:endParaRPr lang="en-US"/>
           </a:p>
@@ -1967,7 +1968,7 @@
           <a:p>
             <a:fld id="{2A24220D-0C5A-5045-AC00-5426FD0F6985}" type="datetime2">
               <a:rPr lang="en-US" smtClean="0"/>
-              <a:t>Friday, September 12, 14</a:t>
+              <a:t>Sunday, November 16, 14</a:t>
             </a:fld>
             <a:endParaRPr lang="en-US"/>
           </a:p>
@@ -2138,7 +2139,7 @@
           <a:p>
             <a:fld id="{780EEB24-6C97-2944-B012-E1CD8AAAD77B}" type="datetime2">
               <a:rPr lang="en-US" smtClean="0"/>
-              <a:t>Friday, September 12, 14</a:t>
+              <a:t>Sunday, November 16, 14</a:t>
             </a:fld>
             <a:endParaRPr lang="en-US"/>
           </a:p>
@@ -2319,7 +2320,7 @@
           <a:p>
             <a:fld id="{8CA9CA1A-E1C9-E641-A76B-4C6F8551ADFE}" type="datetime2">
               <a:rPr lang="en-US" smtClean="0"/>
-              <a:t>Friday, September 12, 14</a:t>
+              <a:t>Sunday, November 16, 14</a:t>
             </a:fld>
             <a:endParaRPr lang="en-US"/>
           </a:p>
@@ -2573,7 +2574,7 @@
           <a:p>
             <a:fld id="{3D409CA9-CABF-4247-8B81-CC46443B4F22}" type="datetime2">
               <a:rPr lang="en-US" smtClean="0"/>
-              <a:t>Friday, September 12, 14</a:t>
+              <a:t>Sunday, November 16, 14</a:t>
             </a:fld>
             <a:endParaRPr lang="en-US"/>
           </a:p>
@@ -2876,7 +2877,7 @@
                 <a:latin typeface="Times New Roman"/>
                 <a:cs typeface="Times New Roman"/>
               </a:rPr>
-              <a:t>September 12, 2014</a:t>
+              <a:t>November 16, 2014</a:t>
             </a:fld>
             <a:endParaRPr lang="en-US" dirty="0">
               <a:latin typeface="Times New Roman"/>
@@ -3002,7 +3003,7 @@
           <a:p>
             <a:fld id="{95BF0DD8-AE5D-5E47-A297-450199D23077}" type="datetime2">
               <a:rPr lang="en-US" smtClean="0"/>
-              <a:t>Friday, September 12, 14</a:t>
+              <a:t>Sunday, November 16, 14</a:t>
             </a:fld>
             <a:endParaRPr lang="en-US" dirty="0"/>
           </a:p>
@@ -3531,7 +3532,7 @@
           <a:p>
             <a:fld id="{181DF95E-2EC8-5442-A535-B4CA9F5A81FC}" type="datetime2">
               <a:rPr lang="en-US" smtClean="0"/>
-              <a:t>Friday, September 12, 14</a:t>
+              <a:t>Sunday, November 16, 14</a:t>
             </a:fld>
             <a:endParaRPr lang="en-US" dirty="0"/>
           </a:p>
@@ -3827,7 +3828,7 @@
           <a:p>
             <a:fld id="{72740E02-7CC0-A442-8C10-57563EA35821}" type="datetime2">
               <a:rPr lang="en-US" smtClean="0"/>
-              <a:t>Friday, September 12, 14</a:t>
+              <a:t>Sunday, November 16, 14</a:t>
             </a:fld>
             <a:endParaRPr lang="en-US"/>
           </a:p>
@@ -3946,7 +3947,7 @@
           <a:p>
             <a:fld id="{79A122A9-6ACB-C14A-AD7C-7DCE94462242}" type="datetime2">
               <a:rPr lang="en-US" smtClean="0"/>
-              <a:t>Friday, September 12, 14</a:t>
+              <a:t>Sunday, November 16, 14</a:t>
             </a:fld>
             <a:endParaRPr lang="en-US" dirty="0"/>
           </a:p>
@@ -4433,7 +4434,7 @@
           <a:p>
             <a:fld id="{96BE0990-2F4C-E24F-B29F-831AB8C6FFE4}" type="datetime2">
               <a:rPr lang="en-US" smtClean="0"/>
-              <a:t>Friday, September 12, 14</a:t>
+              <a:t>Sunday, November 16, 14</a:t>
             </a:fld>
             <a:endParaRPr lang="en-US"/>
           </a:p>
@@ -4764,7 +4765,7 @@
           <a:p>
             <a:fld id="{FEB48DEB-3EE1-B449-A55B-9544C9AF909F}" type="datetime2">
               <a:rPr lang="en-US" smtClean="0"/>
-              <a:t>Friday, September 12, 14</a:t>
+              <a:t>Sunday, November 16, 14</a:t>
             </a:fld>
             <a:endParaRPr lang="en-US" dirty="0"/>
           </a:p>
@@ -5243,7 +5244,7 @@
           <a:p>
             <a:fld id="{C9ED008A-9B78-2C49-974D-09DDFFFC816D}" type="datetime2">
               <a:rPr lang="en-US" smtClean="0"/>
-              <a:t>Friday, September 12, 14</a:t>
+              <a:t>Sunday, November 16, 14</a:t>
             </a:fld>
             <a:endParaRPr lang="en-US"/>
           </a:p>
@@ -5539,7 +5540,7 @@
           <a:p>
             <a:fld id="{F07A3E60-1274-3246-85A8-904558A6AD20}" type="datetime2">
               <a:rPr lang="en-US" smtClean="0"/>
-              <a:t>Friday, September 12, 14</a:t>
+              <a:t>Sunday, November 16, 14</a:t>
             </a:fld>
             <a:endParaRPr lang="en-US" dirty="0"/>
           </a:p>
@@ -5782,7 +5783,7 @@
           <a:p>
             <a:fld id="{73518C47-E6D6-964F-A985-23327135FC19}" type="datetime2">
               <a:rPr lang="en-US" smtClean="0"/>
-              <a:t>Friday, September 12, 14</a:t>
+              <a:t>Sunday, November 16, 14</a:t>
             </a:fld>
             <a:endParaRPr lang="en-US"/>
           </a:p>
@@ -5878,7 +5879,7 @@
           <a:p>
             <a:fld id="{9E02F614-C0EA-244A-9D7E-81D3F4B76517}" type="datetime2">
               <a:rPr lang="en-US" smtClean="0"/>
-              <a:t>Friday, September 12, 14</a:t>
+              <a:t>Sunday, November 16, 14</a:t>
             </a:fld>
             <a:endParaRPr lang="en-US"/>
           </a:p>
@@ -6193,7 +6194,7 @@
           <a:p>
             <a:fld id="{B33DF9CE-4F73-3642-A3DA-C249FD09F954}" type="datetime2">
               <a:rPr lang="en-US" smtClean="0"/>
-              <a:t>Friday, September 12, 14</a:t>
+              <a:t>Sunday, November 16, 14</a:t>
             </a:fld>
             <a:endParaRPr lang="en-US" dirty="0"/>
           </a:p>
@@ -7036,37 +7037,49 @@
             </a:r>
             <a:r>
               <a:rPr lang="en-US" dirty="0" smtClean="0"/>
-              <a:t> and Scalability</a:t>
+              <a:t> and Overhead</a:t>
             </a:r>
             <a:endParaRPr lang="en-US" dirty="0"/>
           </a:p>
         </p:txBody>
       </p:sp>
-      <p:pic>
-        <p:nvPicPr>
-          <p:cNvPr id="7" name="Content Placeholder 6" descr="grain2.png"/>
-          <p:cNvPicPr>
-            <a:picLocks noGrp="1" noChangeAspect="1"/>
-          </p:cNvPicPr>
+      <p:sp>
+        <p:nvSpPr>
+          <p:cNvPr id="3" name="Content Placeholder 2"/>
+          <p:cNvSpPr>
+            <a:spLocks noGrp="1"/>
+          </p:cNvSpPr>
           <p:nvPr>
             <p:ph idx="1"/>
           </p:nvPr>
-        </p:nvPicPr>
-        <p:blipFill>
-          <a:blip r:embed="rId2">
-            <a:extLst>
-              <a:ext uri="{28A0092B-C50C-407E-A947-70E740481C1C}">
-                <a14:useLocalDpi xmlns:a14="http://schemas.microsoft.com/office/drawing/2010/main" val="0"/>
-              </a:ext>
-            </a:extLst>
-          </a:blip>
-          <a:srcRect l="-6808" r="-6808"/>
-          <a:stretch>
-            <a:fillRect/>
-          </a:stretch>
-        </p:blipFill>
+        </p:nvSpPr>
         <p:spPr/>
-      </p:pic>
+        <p:txBody>
+          <a:bodyPr anchor="t"/>
+          <a:lstStyle/>
+          <a:p>
+            <a:r>
+              <a:rPr lang="en-US" dirty="0" smtClean="0"/>
+              <a:t>What is the ideal </a:t>
+            </a:r>
+            <a:r>
+              <a:rPr lang="en-US" dirty="0" err="1" smtClean="0"/>
+              <a:t>grainsize</a:t>
+            </a:r>
+            <a:r>
+              <a:rPr lang="en-US" dirty="0" smtClean="0"/>
+              <a:t>?</a:t>
+            </a:r>
+          </a:p>
+          <a:p>
+            <a:r>
+              <a:rPr lang="en-US" dirty="0" smtClean="0"/>
+              <a:t>Should it depend on the number of processors?</a:t>
+            </a:r>
+            <a:endParaRPr lang="en-US" dirty="0"/>
+          </a:p>
+        </p:txBody>
+      </p:sp>
       <p:sp>
         <p:nvSpPr>
           <p:cNvPr id="5" name="Footer Placeholder 4"/>
@@ -7115,10 +7128,258 @@
           </a:p>
         </p:txBody>
       </p:sp>
+      <p:graphicFrame>
+        <p:nvGraphicFramePr>
+          <p:cNvPr id="7" name="Object 6"/>
+          <p:cNvGraphicFramePr>
+            <a:graphicFrameLocks noChangeAspect="1"/>
+          </p:cNvGraphicFramePr>
+          <p:nvPr>
+            <p:extLst>
+              <p:ext uri="{D42A27DB-BD31-4B8C-83A1-F6EECF244321}">
+                <p14:modId xmlns:p14="http://schemas.microsoft.com/office/powerpoint/2010/main" val="1062957634"/>
+              </p:ext>
+            </p:extLst>
+          </p:nvPr>
+        </p:nvGraphicFramePr>
+        <p:xfrm>
+          <a:off x="3794125" y="2152650"/>
+          <a:ext cx="1555750" cy="861646"/>
+        </p:xfrm>
+        <a:graphic>
+          <a:graphicData uri="http://schemas.openxmlformats.org/presentationml/2006/ole">
+            <mc:AlternateContent xmlns:mc="http://schemas.openxmlformats.org/markup-compatibility/2006">
+              <mc:Choice xmlns:v="urn:schemas-microsoft-com:vml" Requires="v">
+                <p:oleObj spid="_x0000_s2303" name="Equation" r:id="rId3" imgW="825500" imgH="457200" progId="Equation.3">
+                  <p:embed/>
+                </p:oleObj>
+              </mc:Choice>
+              <mc:Fallback>
+                <p:oleObj name="Equation" r:id="rId3" imgW="825500" imgH="457200" progId="Equation.3">
+                  <p:embed/>
+                  <p:pic>
+                    <p:nvPicPr>
+                      <p:cNvPr id="0" name=""/>
+                      <p:cNvPicPr/>
+                      <p:nvPr/>
+                    </p:nvPicPr>
+                    <p:blipFill>
+                      <a:blip r:embed="rId4"/>
+                      <a:stretch>
+                        <a:fillRect/>
+                      </a:stretch>
+                    </p:blipFill>
+                    <p:spPr>
+                      <a:xfrm>
+                        <a:off x="3794125" y="2152650"/>
+                        <a:ext cx="1555750" cy="861646"/>
+                      </a:xfrm>
+                      <a:prstGeom prst="rect">
+                        <a:avLst/>
+                      </a:prstGeom>
+                    </p:spPr>
+                  </p:pic>
+                </p:oleObj>
+              </mc:Fallback>
+            </mc:AlternateContent>
+          </a:graphicData>
+        </a:graphic>
+      </p:graphicFrame>
+      <p:graphicFrame>
+        <p:nvGraphicFramePr>
+          <p:cNvPr id="8" name="Object 7"/>
+          <p:cNvGraphicFramePr>
+            <a:graphicFrameLocks noChangeAspect="1"/>
+          </p:cNvGraphicFramePr>
+          <p:nvPr>
+            <p:extLst>
+              <p:ext uri="{D42A27DB-BD31-4B8C-83A1-F6EECF244321}">
+                <p14:modId xmlns:p14="http://schemas.microsoft.com/office/powerpoint/2010/main" val="539124184"/>
+              </p:ext>
+            </p:extLst>
+          </p:nvPr>
+        </p:nvGraphicFramePr>
+        <p:xfrm>
+          <a:off x="3746500" y="3014296"/>
+          <a:ext cx="1657350" cy="736600"/>
+        </p:xfrm>
+        <a:graphic>
+          <a:graphicData uri="http://schemas.openxmlformats.org/presentationml/2006/ole">
+            <mc:AlternateContent xmlns:mc="http://schemas.openxmlformats.org/markup-compatibility/2006">
+              <mc:Choice xmlns:v="urn:schemas-microsoft-com:vml" Requires="v">
+                <p:oleObj spid="_x0000_s2304" name="Equation" r:id="rId5" imgW="1028700" imgH="457200" progId="Equation.3">
+                  <p:embed/>
+                </p:oleObj>
+              </mc:Choice>
+              <mc:Fallback>
+                <p:oleObj name="Equation" r:id="rId5" imgW="1028700" imgH="457200" progId="Equation.3">
+                  <p:embed/>
+                  <p:pic>
+                    <p:nvPicPr>
+                      <p:cNvPr id="0" name=""/>
+                      <p:cNvPicPr/>
+                      <p:nvPr/>
+                    </p:nvPicPr>
+                    <p:blipFill>
+                      <a:blip r:embed="rId6"/>
+                      <a:stretch>
+                        <a:fillRect/>
+                      </a:stretch>
+                    </p:blipFill>
+                    <p:spPr>
+                      <a:xfrm>
+                        <a:off x="3746500" y="3014296"/>
+                        <a:ext cx="1657350" cy="736600"/>
+                      </a:xfrm>
+                      <a:prstGeom prst="rect">
+                        <a:avLst/>
+                      </a:prstGeom>
+                    </p:spPr>
+                  </p:pic>
+                </p:oleObj>
+              </mc:Fallback>
+            </mc:AlternateContent>
+          </a:graphicData>
+        </a:graphic>
+      </p:graphicFrame>
+      <p:graphicFrame>
+        <p:nvGraphicFramePr>
+          <p:cNvPr id="10" name="Object 9"/>
+          <p:cNvGraphicFramePr>
+            <a:graphicFrameLocks noChangeAspect="1"/>
+          </p:cNvGraphicFramePr>
+          <p:nvPr>
+            <p:extLst>
+              <p:ext uri="{D42A27DB-BD31-4B8C-83A1-F6EECF244321}">
+                <p14:modId xmlns:p14="http://schemas.microsoft.com/office/powerpoint/2010/main" val="114735345"/>
+              </p:ext>
+            </p:extLst>
+          </p:nvPr>
+        </p:nvGraphicFramePr>
+        <p:xfrm>
+          <a:off x="3429000" y="3592146"/>
+          <a:ext cx="2538589" cy="1631950"/>
+        </p:xfrm>
+        <a:graphic>
+          <a:graphicData uri="http://schemas.openxmlformats.org/presentationml/2006/ole">
+            <mc:AlternateContent xmlns:mc="http://schemas.openxmlformats.org/markup-compatibility/2006">
+              <mc:Choice xmlns:v="urn:schemas-microsoft-com:vml" Requires="v">
+                <p:oleObj spid="_x0000_s2305" name="Equation" r:id="rId7" imgW="1422400" imgH="914400" progId="Equation.3">
+                  <p:embed/>
+                </p:oleObj>
+              </mc:Choice>
+              <mc:Fallback>
+                <p:oleObj name="Equation" r:id="rId7" imgW="1422400" imgH="914400" progId="Equation.3">
+                  <p:embed/>
+                  <p:pic>
+                    <p:nvPicPr>
+                      <p:cNvPr id="0" name=""/>
+                      <p:cNvPicPr/>
+                      <p:nvPr/>
+                    </p:nvPicPr>
+                    <p:blipFill>
+                      <a:blip r:embed="rId8"/>
+                      <a:stretch>
+                        <a:fillRect/>
+                      </a:stretch>
+                    </p:blipFill>
+                    <p:spPr>
+                      <a:xfrm>
+                        <a:off x="3429000" y="3592146"/>
+                        <a:ext cx="2538589" cy="1631950"/>
+                      </a:xfrm>
+                      <a:prstGeom prst="rect">
+                        <a:avLst/>
+                      </a:prstGeom>
+                    </p:spPr>
+                  </p:pic>
+                </p:oleObj>
+              </mc:Fallback>
+            </mc:AlternateContent>
+          </a:graphicData>
+        </a:graphic>
+      </p:graphicFrame>
+      <p:sp>
+        <p:nvSpPr>
+          <p:cNvPr id="11" name="TextBox 10"/>
+          <p:cNvSpPr txBox="1"/>
+          <p:nvPr/>
+        </p:nvSpPr>
+        <p:spPr>
+          <a:xfrm>
+            <a:off x="1670050" y="5226647"/>
+            <a:ext cx="5873750" cy="1200328"/>
+          </a:xfrm>
+          <a:prstGeom prst="rect">
+            <a:avLst/>
+          </a:prstGeom>
+          <a:noFill/>
+        </p:spPr>
+        <p:txBody>
+          <a:bodyPr wrap="square" rtlCol="0">
+            <a:spAutoFit/>
+          </a:bodyPr>
+          <a:lstStyle/>
+          <a:p>
+            <a:pPr algn="ctr"/>
+            <a:r>
+              <a:rPr lang="en-US" sz="2400" i="1" dirty="0" smtClean="0"/>
+              <a:t>v</a:t>
+            </a:r>
+            <a:r>
+              <a:rPr lang="en-US" sz="2400" dirty="0" smtClean="0"/>
+              <a:t>: overhead per message,</a:t>
+            </a:r>
+          </a:p>
+          <a:p>
+            <a:pPr algn="ctr"/>
+            <a:r>
+              <a:rPr lang="en-US" sz="2400" i="1" dirty="0" err="1" smtClean="0"/>
+              <a:t>T</a:t>
+            </a:r>
+            <a:r>
+              <a:rPr lang="en-US" sz="2400" i="1" baseline="-25000" dirty="0" err="1" smtClean="0"/>
+              <a:t>p</a:t>
+            </a:r>
+            <a:r>
+              <a:rPr lang="en-US" sz="2400" dirty="0" smtClean="0"/>
+              <a:t>: </a:t>
+            </a:r>
+            <a:r>
+              <a:rPr lang="en-US" sz="2400" i="1" dirty="0" smtClean="0"/>
+              <a:t>p </a:t>
+            </a:r>
+            <a:r>
+              <a:rPr lang="en-US" sz="2400" dirty="0" smtClean="0"/>
+              <a:t>processor completion time</a:t>
+            </a:r>
+          </a:p>
+          <a:p>
+            <a:pPr algn="ctr"/>
+            <a:r>
+              <a:rPr lang="en-US" sz="2400" i="1" dirty="0" smtClean="0"/>
+              <a:t>g</a:t>
+            </a:r>
+            <a:r>
+              <a:rPr lang="en-US" sz="2400" dirty="0" smtClean="0"/>
+              <a:t>: </a:t>
+            </a:r>
+            <a:r>
+              <a:rPr lang="en-US" sz="2400" dirty="0" err="1" smtClean="0"/>
+              <a:t>grainsize</a:t>
+            </a:r>
+            <a:r>
+              <a:rPr lang="en-US" sz="2400" dirty="0" smtClean="0"/>
+              <a:t> (computation per message)</a:t>
+            </a:r>
+            <a:endParaRPr lang="en-US" sz="2400" dirty="0"/>
+          </a:p>
+        </p:txBody>
+      </p:sp>
     </p:spTree>
     <p:extLst>
       <p:ext uri="{BB962C8B-B14F-4D97-AF65-F5344CB8AC3E}">
-        <p14:creationId xmlns:p14="http://schemas.microsoft.com/office/powerpoint/2010/main" val="755177781"/>
+        <p14:creationId xmlns:p14="http://schemas.microsoft.com/office/powerpoint/2010/main" val="1265456452"/>
       </p:ext>
     </p:extLst>
   </p:cSld>
@@ -7170,19 +7431,20 @@
           <a:lstStyle/>
           <a:p>
             <a:r>
-              <a:rPr lang="en-US" dirty="0" err="1"/>
+              <a:rPr lang="en-US" dirty="0" err="1" smtClean="0"/>
               <a:t>Grainsize</a:t>
             </a:r>
             <a:r>
-              <a:rPr lang="en-US" dirty="0"/>
-              <a:t> Study for Jacobi3D</a:t>
-            </a:r>
+              <a:rPr lang="en-US" dirty="0" smtClean="0"/>
+              <a:t> and Scalability</a:t>
+            </a:r>
+            <a:endParaRPr lang="en-US" dirty="0"/>
           </a:p>
         </p:txBody>
       </p:sp>
       <p:pic>
         <p:nvPicPr>
-          <p:cNvPr id="7" name="Content Placeholder 6" descr="jacobi-grainsize-halfmemory.pdf"/>
+          <p:cNvPr id="7" name="Content Placeholder 6" descr="grain2.png"/>
           <p:cNvPicPr>
             <a:picLocks noGrp="1" noChangeAspect="1"/>
           </p:cNvPicPr>
@@ -7198,7 +7460,7 @@
               </a:ext>
             </a:extLst>
           </a:blip>
-          <a:srcRect l="-5350" r="-5350"/>
+          <a:srcRect l="-6808" r="-6808"/>
           <a:stretch>
             <a:fillRect/>
           </a:stretch>
@@ -7256,7 +7518,7 @@
     </p:spTree>
     <p:extLst>
       <p:ext uri="{BB962C8B-B14F-4D97-AF65-F5344CB8AC3E}">
-        <p14:creationId xmlns:p14="http://schemas.microsoft.com/office/powerpoint/2010/main" val="785448450"/>
+        <p14:creationId xmlns:p14="http://schemas.microsoft.com/office/powerpoint/2010/main" val="755177781"/>
       </p:ext>
     </p:extLst>
   </p:cSld>
@@ -7313,105 +7575,22 @@
             </a:r>
             <a:r>
               <a:rPr lang="en-US" dirty="0"/>
-              <a:t> Study for Stencil Computation</a:t>
-            </a:r>
-          </a:p>
-        </p:txBody>
-      </p:sp>
-      <p:sp>
-        <p:nvSpPr>
-          <p:cNvPr id="4" name="Footer Placeholder 3"/>
-          <p:cNvSpPr>
-            <a:spLocks noGrp="1"/>
-          </p:cNvSpPr>
-          <p:nvPr>
-            <p:ph type="ftr" sz="quarter" idx="11"/>
-          </p:nvPr>
-        </p:nvSpPr>
-        <p:spPr/>
-        <p:txBody>
-          <a:bodyPr/>
-          <a:lstStyle/>
-          <a:p>
-            <a:pPr algn="r"/>
-            <a:r>
-              <a:rPr lang="en-US" smtClean="0"/>
-              <a:t>Laxmikant Kalé and PPL (UIUC) – Parallel Migratable Objects </a:t>
-            </a:r>
-            <a:endParaRPr lang="en-US" dirty="0"/>
-          </a:p>
-        </p:txBody>
-      </p:sp>
-      <p:sp>
-        <p:nvSpPr>
-          <p:cNvPr id="5" name="Slide Number Placeholder 4"/>
-          <p:cNvSpPr>
-            <a:spLocks noGrp="1"/>
-          </p:cNvSpPr>
-          <p:nvPr>
-            <p:ph type="sldNum" sz="quarter" idx="12"/>
-          </p:nvPr>
-        </p:nvSpPr>
-        <p:spPr/>
-        <p:txBody>
-          <a:bodyPr/>
-          <a:lstStyle/>
-          <a:p>
-            <a:fld id="{0CFEC368-1D7A-4F81-ABF6-AE0E36BAF64C}" type="slidenum">
-              <a:rPr lang="en-US" smtClean="0"/>
-              <a:pPr/>
-              <a:t>12</a:t>
-            </a:fld>
-            <a:endParaRPr lang="en-US" dirty="0"/>
-          </a:p>
-        </p:txBody>
-      </p:sp>
-      <p:sp>
-        <p:nvSpPr>
-          <p:cNvPr id="6" name="Content Placeholder 5"/>
-          <p:cNvSpPr>
-            <a:spLocks noGrp="1"/>
-          </p:cNvSpPr>
-          <p:nvPr>
-            <p:ph sz="quarter" idx="13"/>
-          </p:nvPr>
-        </p:nvSpPr>
-        <p:spPr>
-          <a:xfrm>
-            <a:off x="261865" y="678666"/>
-            <a:ext cx="8615360" cy="518773"/>
-          </a:xfrm>
-        </p:spPr>
-        <p:txBody>
-          <a:bodyPr/>
-          <a:lstStyle/>
-          <a:p>
-            <a:r>
-              <a:rPr lang="en-US" dirty="0"/>
-              <a:t>Blue Waters (JYC</a:t>
-            </a:r>
-            <a:r>
-              <a:rPr lang="en-US" dirty="0" smtClean="0"/>
-              <a:t>), </a:t>
-            </a:r>
-            <a:r>
-              <a:rPr lang="en-US" dirty="0"/>
-              <a:t>2 nodes, 32 cores each</a:t>
+              <a:t> Study for Jacobi3D</a:t>
             </a:r>
           </a:p>
         </p:txBody>
       </p:sp>
       <p:pic>
         <p:nvPicPr>
-          <p:cNvPr id="10" name="Content Placeholder 9" descr="jacobi-grainsize.pdf"/>
+          <p:cNvPr id="7" name="Content Placeholder 6" descr="jacobi-grainsize-halfmemory.pdf"/>
           <p:cNvPicPr>
             <a:picLocks noGrp="1" noChangeAspect="1"/>
           </p:cNvPicPr>
           <p:nvPr>
-            <p:ph sz="quarter" idx="14"/>
+            <p:ph idx="1"/>
           </p:nvPr>
         </p:nvPicPr>
-        <p:blipFill rotWithShape="1">
+        <p:blipFill>
           <a:blip r:embed="rId2">
             <a:extLst>
               <a:ext uri="{28A0092B-C50C-407E-A947-70E740481C1C}">
@@ -7419,58 +7598,65 @@
               </a:ext>
             </a:extLst>
           </a:blip>
-          <a:srcRect l="-17329" r="-17329"/>
-          <a:stretch/>
+          <a:srcRect l="-5350" r="-5350"/>
+          <a:stretch>
+            <a:fillRect/>
+          </a:stretch>
         </p:blipFill>
-        <p:spPr>
-          <a:xfrm>
-            <a:off x="261865" y="1197439"/>
-            <a:ext cx="8615360" cy="4462751"/>
-          </a:xfrm>
-        </p:spPr>
+        <p:spPr/>
       </p:pic>
       <p:sp>
         <p:nvSpPr>
-          <p:cNvPr id="9" name="Content Placeholder 8"/>
-          <p:cNvSpPr>
-            <a:spLocks noGrp="1"/>
-          </p:cNvSpPr>
-          <p:nvPr>
-            <p:ph sz="quarter" idx="15"/>
-          </p:nvPr>
-        </p:nvSpPr>
-        <p:spPr>
-          <a:xfrm>
-            <a:off x="261865" y="5660191"/>
-            <a:ext cx="8615360" cy="846160"/>
-          </a:xfrm>
-        </p:spPr>
+          <p:cNvPr id="5" name="Footer Placeholder 4"/>
+          <p:cNvSpPr>
+            <a:spLocks noGrp="1"/>
+          </p:cNvSpPr>
+          <p:nvPr>
+            <p:ph type="ftr" sz="quarter" idx="11"/>
+          </p:nvPr>
+        </p:nvSpPr>
+        <p:spPr/>
         <p:txBody>
           <a:bodyPr/>
           <a:lstStyle/>
           <a:p>
-            <a:pPr marL="0" indent="0">
-              <a:buNone/>
-            </a:pPr>
-            <a:r>
-              <a:rPr lang="en-US" dirty="0"/>
-              <a:t>Typically, having tens of </a:t>
-            </a:r>
-            <a:r>
-              <a:rPr lang="en-US" dirty="0" err="1"/>
-              <a:t>chares</a:t>
-            </a:r>
-            <a:r>
-              <a:rPr lang="en-US" dirty="0"/>
-              <a:t> per code is adequate (although reasoning should be based on computation per message)</a:t>
-            </a:r>
+            <a:pPr algn="r"/>
+            <a:r>
+              <a:rPr lang="en-US" smtClean="0"/>
+              <a:t>Laxmikant Kalé and PPL (UIUC) – Parallel Migratable Objects </a:t>
+            </a:r>
+            <a:endParaRPr lang="en-US" dirty="0"/>
+          </a:p>
+        </p:txBody>
+      </p:sp>
+      <p:sp>
+        <p:nvSpPr>
+          <p:cNvPr id="6" name="Slide Number Placeholder 5"/>
+          <p:cNvSpPr>
+            <a:spLocks noGrp="1"/>
+          </p:cNvSpPr>
+          <p:nvPr>
+            <p:ph type="sldNum" sz="quarter" idx="12"/>
+          </p:nvPr>
+        </p:nvSpPr>
+        <p:spPr/>
+        <p:txBody>
+          <a:bodyPr/>
+          <a:lstStyle/>
+          <a:p>
+            <a:fld id="{0CFEC368-1D7A-4F81-ABF6-AE0E36BAF64C}" type="slidenum">
+              <a:rPr lang="en-US" smtClean="0"/>
+              <a:pPr/>
+              <a:t>12</a:t>
+            </a:fld>
+            <a:endParaRPr lang="en-US"/>
           </a:p>
         </p:txBody>
       </p:sp>
     </p:spTree>
     <p:extLst>
       <p:ext uri="{BB962C8B-B14F-4D97-AF65-F5344CB8AC3E}">
-        <p14:creationId xmlns:p14="http://schemas.microsoft.com/office/powerpoint/2010/main" val="370207970"/>
+        <p14:creationId xmlns:p14="http://schemas.microsoft.com/office/powerpoint/2010/main" val="785448450"/>
       </p:ext>
     </p:extLst>
   </p:cSld>
@@ -7527,25 +7713,73 @@
             </a:r>
             <a:r>
               <a:rPr lang="en-US" dirty="0"/>
-              <a:t> and Load Balancing</a:t>
-            </a:r>
-          </a:p>
-        </p:txBody>
-      </p:sp>
-      <p:sp>
-        <p:nvSpPr>
-          <p:cNvPr id="3" name="Text Placeholder 2"/>
-          <p:cNvSpPr>
-            <a:spLocks noGrp="1"/>
-          </p:cNvSpPr>
-          <p:nvPr>
-            <p:ph type="body" idx="1"/>
+              <a:t> Study for Stencil Computation</a:t>
+            </a:r>
+          </a:p>
+        </p:txBody>
+      </p:sp>
+      <p:sp>
+        <p:nvSpPr>
+          <p:cNvPr id="4" name="Footer Placeholder 3"/>
+          <p:cNvSpPr>
+            <a:spLocks noGrp="1"/>
+          </p:cNvSpPr>
+          <p:nvPr>
+            <p:ph type="ftr" sz="quarter" idx="11"/>
+          </p:nvPr>
+        </p:nvSpPr>
+        <p:spPr/>
+        <p:txBody>
+          <a:bodyPr/>
+          <a:lstStyle/>
+          <a:p>
+            <a:pPr algn="r"/>
+            <a:r>
+              <a:rPr lang="en-US" smtClean="0"/>
+              <a:t>Laxmikant Kalé and PPL (UIUC) – Parallel Migratable Objects </a:t>
+            </a:r>
+            <a:endParaRPr lang="en-US" dirty="0"/>
+          </a:p>
+        </p:txBody>
+      </p:sp>
+      <p:sp>
+        <p:nvSpPr>
+          <p:cNvPr id="5" name="Slide Number Placeholder 4"/>
+          <p:cNvSpPr>
+            <a:spLocks noGrp="1"/>
+          </p:cNvSpPr>
+          <p:nvPr>
+            <p:ph type="sldNum" sz="quarter" idx="12"/>
+          </p:nvPr>
+        </p:nvSpPr>
+        <p:spPr/>
+        <p:txBody>
+          <a:bodyPr/>
+          <a:lstStyle/>
+          <a:p>
+            <a:fld id="{0CFEC368-1D7A-4F81-ABF6-AE0E36BAF64C}" type="slidenum">
+              <a:rPr lang="en-US" smtClean="0"/>
+              <a:pPr/>
+              <a:t>13</a:t>
+            </a:fld>
+            <a:endParaRPr lang="en-US" dirty="0"/>
+          </a:p>
+        </p:txBody>
+      </p:sp>
+      <p:sp>
+        <p:nvSpPr>
+          <p:cNvPr id="6" name="Content Placeholder 5"/>
+          <p:cNvSpPr>
+            <a:spLocks noGrp="1"/>
+          </p:cNvSpPr>
+          <p:nvPr>
+            <p:ph sz="quarter" idx="13"/>
           </p:nvPr>
         </p:nvSpPr>
         <p:spPr>
           <a:xfrm>
-            <a:off x="780770" y="1394619"/>
-            <a:ext cx="4114800" cy="639762"/>
+            <a:off x="261865" y="678666"/>
+            <a:ext cx="8615360" cy="518773"/>
           </a:xfrm>
         </p:spPr>
         <p:txBody>
@@ -7554,22 +7788,30 @@
           <a:p>
             <a:r>
               <a:rPr lang="en-US" dirty="0"/>
-              <a:t>How Much Balance Is Possible?</a:t>
+              <a:t>Blue Waters (JYC</a:t>
+            </a:r>
+            <a:r>
+              <a:rPr lang="en-US" dirty="0" smtClean="0"/>
+              <a:t>), </a:t>
+            </a:r>
+            <a:r>
+              <a:rPr lang="en-US" dirty="0"/>
+              <a:t>2 nodes, 32 cores each</a:t>
             </a:r>
           </a:p>
         </p:txBody>
       </p:sp>
       <p:pic>
         <p:nvPicPr>
-          <p:cNvPr id="10" name="Content Placeholder 9" descr="grainSize.png"/>
+          <p:cNvPr id="10" name="Content Placeholder 9" descr="jacobi-grainsize.pdf"/>
           <p:cNvPicPr>
             <a:picLocks noGrp="1" noChangeAspect="1"/>
           </p:cNvPicPr>
           <p:nvPr>
-            <p:ph sz="half" idx="2"/>
+            <p:ph sz="quarter" idx="14"/>
           </p:nvPr>
         </p:nvPicPr>
-        <p:blipFill>
+        <p:blipFill rotWithShape="1">
           <a:blip r:embed="rId2">
             <a:extLst>
               <a:ext uri="{28A0092B-C50C-407E-A947-70E740481C1C}">
@@ -7577,132 +7819,58 @@
               </a:ext>
             </a:extLst>
           </a:blip>
-          <a:srcRect t="-8025" b="-8025"/>
-          <a:stretch>
-            <a:fillRect/>
-          </a:stretch>
+          <a:srcRect l="-17329" r="-17329"/>
+          <a:stretch/>
         </p:blipFill>
         <p:spPr>
           <a:xfrm>
-            <a:off x="261864" y="1714500"/>
-            <a:ext cx="5172987" cy="4675188"/>
+            <a:off x="261865" y="1197439"/>
+            <a:ext cx="8615360" cy="4462751"/>
           </a:xfrm>
         </p:spPr>
       </p:pic>
       <p:sp>
         <p:nvSpPr>
-          <p:cNvPr id="5" name="Text Placeholder 4"/>
-          <p:cNvSpPr>
-            <a:spLocks noGrp="1"/>
-          </p:cNvSpPr>
-          <p:nvPr>
-            <p:ph type="body" sz="quarter" idx="3"/>
-          </p:nvPr>
-        </p:nvSpPr>
-        <p:spPr/>
-        <p:txBody>
-          <a:bodyPr/>
-          <a:lstStyle/>
-          <a:p>
-            <a:endParaRPr lang="en-US" dirty="0"/>
-          </a:p>
-        </p:txBody>
-      </p:sp>
-      <p:sp>
-        <p:nvSpPr>
-          <p:cNvPr id="6" name="Content Placeholder 5"/>
-          <p:cNvSpPr>
-            <a:spLocks noGrp="1"/>
-          </p:cNvSpPr>
-          <p:nvPr>
-            <p:ph sz="quarter" idx="4"/>
+          <p:cNvPr id="9" name="Content Placeholder 8"/>
+          <p:cNvSpPr>
+            <a:spLocks noGrp="1"/>
+          </p:cNvSpPr>
+          <p:nvPr>
+            <p:ph sz="quarter" idx="15"/>
           </p:nvPr>
         </p:nvSpPr>
         <p:spPr>
           <a:xfrm>
-            <a:off x="5434851" y="1714500"/>
-            <a:ext cx="3442374" cy="4675188"/>
+            <a:off x="261865" y="5660191"/>
+            <a:ext cx="8615360" cy="846160"/>
           </a:xfrm>
         </p:spPr>
         <p:txBody>
-          <a:bodyPr anchor="t" anchorCtr="0"/>
+          <a:bodyPr/>
           <a:lstStyle/>
           <a:p>
             <a:pPr marL="0" indent="0">
               <a:buNone/>
             </a:pPr>
             <a:r>
-              <a:rPr lang="en-US" dirty="0" smtClean="0"/>
-              <a:t>Solution:</a:t>
-            </a:r>
-          </a:p>
-          <a:p>
-            <a:pPr marL="0" indent="0">
-              <a:buNone/>
-            </a:pPr>
-            <a:r>
-              <a:rPr lang="en-US" dirty="0" smtClean="0"/>
-              <a:t>Split </a:t>
-            </a:r>
-            <a:r>
               <a:rPr lang="en-US" dirty="0"/>
-              <a:t>compute objects that may have too much work, using a heuristic based on number of interacting atoms</a:t>
-            </a:r>
-          </a:p>
-        </p:txBody>
-      </p:sp>
-      <p:sp>
-        <p:nvSpPr>
-          <p:cNvPr id="8" name="Footer Placeholder 7"/>
-          <p:cNvSpPr>
-            <a:spLocks noGrp="1"/>
-          </p:cNvSpPr>
-          <p:nvPr>
-            <p:ph type="ftr" sz="quarter" idx="11"/>
-          </p:nvPr>
-        </p:nvSpPr>
-        <p:spPr/>
-        <p:txBody>
-          <a:bodyPr/>
-          <a:lstStyle/>
-          <a:p>
-            <a:pPr algn="r"/>
-            <a:r>
-              <a:rPr lang="en-US" smtClean="0"/>
-              <a:t>Laxmikant Kalé and PPL (UIUC) – Parallel Migratable Objects </a:t>
-            </a:r>
-            <a:endParaRPr lang="en-US" dirty="0"/>
-          </a:p>
-        </p:txBody>
-      </p:sp>
-      <p:sp>
-        <p:nvSpPr>
-          <p:cNvPr id="9" name="Slide Number Placeholder 8"/>
-          <p:cNvSpPr>
-            <a:spLocks noGrp="1"/>
-          </p:cNvSpPr>
-          <p:nvPr>
-            <p:ph type="sldNum" sz="quarter" idx="12"/>
-          </p:nvPr>
-        </p:nvSpPr>
-        <p:spPr/>
-        <p:txBody>
-          <a:bodyPr/>
-          <a:lstStyle/>
-          <a:p>
-            <a:fld id="{0CFEC368-1D7A-4F81-ABF6-AE0E36BAF64C}" type="slidenum">
-              <a:rPr lang="en-US" smtClean="0"/>
-              <a:pPr/>
-              <a:t>13</a:t>
-            </a:fld>
-            <a:endParaRPr lang="en-US"/>
+              <a:t>Typically, having tens of </a:t>
+            </a:r>
+            <a:r>
+              <a:rPr lang="en-US" dirty="0" err="1"/>
+              <a:t>chares</a:t>
+            </a:r>
+            <a:r>
+              <a:rPr lang="en-US" dirty="0"/>
+              <a:t> per code is adequate (although reasoning should be based on computation per message)</a:t>
+            </a:r>
           </a:p>
         </p:txBody>
       </p:sp>
     </p:spTree>
     <p:extLst>
       <p:ext uri="{BB962C8B-B14F-4D97-AF65-F5344CB8AC3E}">
-        <p14:creationId xmlns:p14="http://schemas.microsoft.com/office/powerpoint/2010/main" val="4199211439"/>
+        <p14:creationId xmlns:p14="http://schemas.microsoft.com/office/powerpoint/2010/main" val="370207970"/>
       </p:ext>
     </p:extLst>
   </p:cSld>
@@ -7759,6 +7927,238 @@
             </a:r>
             <a:r>
               <a:rPr lang="en-US" dirty="0"/>
+              <a:t> and Load Balancing</a:t>
+            </a:r>
+          </a:p>
+        </p:txBody>
+      </p:sp>
+      <p:sp>
+        <p:nvSpPr>
+          <p:cNvPr id="3" name="Text Placeholder 2"/>
+          <p:cNvSpPr>
+            <a:spLocks noGrp="1"/>
+          </p:cNvSpPr>
+          <p:nvPr>
+            <p:ph type="body" idx="1"/>
+          </p:nvPr>
+        </p:nvSpPr>
+        <p:spPr>
+          <a:xfrm>
+            <a:off x="780770" y="1394619"/>
+            <a:ext cx="4114800" cy="639762"/>
+          </a:xfrm>
+        </p:spPr>
+        <p:txBody>
+          <a:bodyPr/>
+          <a:lstStyle/>
+          <a:p>
+            <a:r>
+              <a:rPr lang="en-US" dirty="0"/>
+              <a:t>How Much Balance Is Possible?</a:t>
+            </a:r>
+          </a:p>
+        </p:txBody>
+      </p:sp>
+      <p:pic>
+        <p:nvPicPr>
+          <p:cNvPr id="10" name="Content Placeholder 9" descr="grainSize.png"/>
+          <p:cNvPicPr>
+            <a:picLocks noGrp="1" noChangeAspect="1"/>
+          </p:cNvPicPr>
+          <p:nvPr>
+            <p:ph sz="half" idx="2"/>
+          </p:nvPr>
+        </p:nvPicPr>
+        <p:blipFill>
+          <a:blip r:embed="rId2">
+            <a:extLst>
+              <a:ext uri="{28A0092B-C50C-407E-A947-70E740481C1C}">
+                <a14:useLocalDpi xmlns:a14="http://schemas.microsoft.com/office/drawing/2010/main" val="0"/>
+              </a:ext>
+            </a:extLst>
+          </a:blip>
+          <a:srcRect t="-8025" b="-8025"/>
+          <a:stretch>
+            <a:fillRect/>
+          </a:stretch>
+        </p:blipFill>
+        <p:spPr>
+          <a:xfrm>
+            <a:off x="261864" y="1714500"/>
+            <a:ext cx="5172987" cy="4675188"/>
+          </a:xfrm>
+        </p:spPr>
+      </p:pic>
+      <p:sp>
+        <p:nvSpPr>
+          <p:cNvPr id="5" name="Text Placeholder 4"/>
+          <p:cNvSpPr>
+            <a:spLocks noGrp="1"/>
+          </p:cNvSpPr>
+          <p:nvPr>
+            <p:ph type="body" sz="quarter" idx="3"/>
+          </p:nvPr>
+        </p:nvSpPr>
+        <p:spPr/>
+        <p:txBody>
+          <a:bodyPr/>
+          <a:lstStyle/>
+          <a:p>
+            <a:endParaRPr lang="en-US" dirty="0"/>
+          </a:p>
+        </p:txBody>
+      </p:sp>
+      <p:sp>
+        <p:nvSpPr>
+          <p:cNvPr id="6" name="Content Placeholder 5"/>
+          <p:cNvSpPr>
+            <a:spLocks noGrp="1"/>
+          </p:cNvSpPr>
+          <p:nvPr>
+            <p:ph sz="quarter" idx="4"/>
+          </p:nvPr>
+        </p:nvSpPr>
+        <p:spPr>
+          <a:xfrm>
+            <a:off x="5434851" y="1714500"/>
+            <a:ext cx="3442374" cy="4675188"/>
+          </a:xfrm>
+        </p:spPr>
+        <p:txBody>
+          <a:bodyPr anchor="t" anchorCtr="0"/>
+          <a:lstStyle/>
+          <a:p>
+            <a:pPr marL="0" indent="0">
+              <a:buNone/>
+            </a:pPr>
+            <a:r>
+              <a:rPr lang="en-US" dirty="0" smtClean="0"/>
+              <a:t>Solution:</a:t>
+            </a:r>
+          </a:p>
+          <a:p>
+            <a:pPr marL="0" indent="0">
+              <a:buNone/>
+            </a:pPr>
+            <a:r>
+              <a:rPr lang="en-US" dirty="0" smtClean="0"/>
+              <a:t>Split </a:t>
+            </a:r>
+            <a:r>
+              <a:rPr lang="en-US" dirty="0"/>
+              <a:t>compute objects that may have too much work, using a heuristic based on number of interacting atoms</a:t>
+            </a:r>
+          </a:p>
+        </p:txBody>
+      </p:sp>
+      <p:sp>
+        <p:nvSpPr>
+          <p:cNvPr id="8" name="Footer Placeholder 7"/>
+          <p:cNvSpPr>
+            <a:spLocks noGrp="1"/>
+          </p:cNvSpPr>
+          <p:nvPr>
+            <p:ph type="ftr" sz="quarter" idx="11"/>
+          </p:nvPr>
+        </p:nvSpPr>
+        <p:spPr/>
+        <p:txBody>
+          <a:bodyPr/>
+          <a:lstStyle/>
+          <a:p>
+            <a:pPr algn="r"/>
+            <a:r>
+              <a:rPr lang="en-US" smtClean="0"/>
+              <a:t>Laxmikant Kalé and PPL (UIUC) – Parallel Migratable Objects </a:t>
+            </a:r>
+            <a:endParaRPr lang="en-US" dirty="0"/>
+          </a:p>
+        </p:txBody>
+      </p:sp>
+      <p:sp>
+        <p:nvSpPr>
+          <p:cNvPr id="9" name="Slide Number Placeholder 8"/>
+          <p:cNvSpPr>
+            <a:spLocks noGrp="1"/>
+          </p:cNvSpPr>
+          <p:nvPr>
+            <p:ph type="sldNum" sz="quarter" idx="12"/>
+          </p:nvPr>
+        </p:nvSpPr>
+        <p:spPr/>
+        <p:txBody>
+          <a:bodyPr/>
+          <a:lstStyle/>
+          <a:p>
+            <a:fld id="{0CFEC368-1D7A-4F81-ABF6-AE0E36BAF64C}" type="slidenum">
+              <a:rPr lang="en-US" smtClean="0"/>
+              <a:pPr/>
+              <a:t>14</a:t>
+            </a:fld>
+            <a:endParaRPr lang="en-US"/>
+          </a:p>
+        </p:txBody>
+      </p:sp>
+    </p:spTree>
+    <p:extLst>
+      <p:ext uri="{BB962C8B-B14F-4D97-AF65-F5344CB8AC3E}">
+        <p14:creationId xmlns:p14="http://schemas.microsoft.com/office/powerpoint/2010/main" val="4199211439"/>
+      </p:ext>
+    </p:extLst>
+  </p:cSld>
+  <p:clrMapOvr>
+    <a:masterClrMapping/>
+  </p:clrMapOvr>
+  <p:timing>
+    <p:tnLst>
+      <p:par>
+        <p:cTn xmlns:p14="http://schemas.microsoft.com/office/powerpoint/2010/main" id="1" dur="indefinite" restart="never" nodeType="tmRoot"/>
+      </p:par>
+    </p:tnLst>
+  </p:timing>
+</p:sld>
+</file>
+
+<file path=ppt/slides/slide15.xml><?xml version="1.0" encoding="utf-8"?>
+<p:sld xmlns:a="http://schemas.openxmlformats.org/drawingml/2006/main" xmlns:r="http://schemas.openxmlformats.org/officeDocument/2006/relationships" xmlns:p="http://schemas.openxmlformats.org/presentationml/2006/main">
+  <p:cSld>
+    <p:spTree>
+      <p:nvGrpSpPr>
+        <p:cNvPr id="1" name=""/>
+        <p:cNvGrpSpPr/>
+        <p:nvPr/>
+      </p:nvGrpSpPr>
+      <p:grpSpPr>
+        <a:xfrm>
+          <a:off x="0" y="0"/>
+          <a:ext cx="0" cy="0"/>
+          <a:chOff x="0" y="0"/>
+          <a:chExt cx="0" cy="0"/>
+        </a:xfrm>
+      </p:grpSpPr>
+      <p:sp>
+        <p:nvSpPr>
+          <p:cNvPr id="2" name="Title 1"/>
+          <p:cNvSpPr>
+            <a:spLocks noGrp="1"/>
+          </p:cNvSpPr>
+          <p:nvPr>
+            <p:ph type="title"/>
+          </p:nvPr>
+        </p:nvSpPr>
+        <p:spPr/>
+        <p:txBody>
+          <a:bodyPr>
+            <a:normAutofit/>
+          </a:bodyPr>
+          <a:lstStyle/>
+          <a:p>
+            <a:r>
+              <a:rPr lang="en-US" dirty="0" err="1"/>
+              <a:t>Grainsize</a:t>
+            </a:r>
+            <a:r>
+              <a:rPr lang="en-US" dirty="0"/>
               <a:t> For Extreme Scaling</a:t>
             </a:r>
           </a:p>
@@ -7862,7 +8262,7 @@
             <a:fld id="{0CFEC368-1D7A-4F81-ABF6-AE0E36BAF64C}" type="slidenum">
               <a:rPr lang="en-US" smtClean="0"/>
               <a:pPr/>
-              <a:t>14</a:t>
+              <a:t>15</a:t>
             </a:fld>
             <a:endParaRPr lang="en-US"/>
           </a:p>
@@ -7918,7 +8318,7 @@
 </p:sld>
 </file>
 
-<file path=ppt/slides/slide15.xml><?xml version="1.0" encoding="utf-8"?>
+<file path=ppt/slides/slide16.xml><?xml version="1.0" encoding="utf-8"?>
 <p:sld xmlns:a="http://schemas.openxmlformats.org/drawingml/2006/main" xmlns:r="http://schemas.openxmlformats.org/officeDocument/2006/relationships" xmlns:p="http://schemas.openxmlformats.org/presentationml/2006/main">
   <p:cSld>
     <p:spTree>
@@ -8001,7 +8401,7 @@
             <a:fld id="{0CFEC368-1D7A-4F81-ABF6-AE0E36BAF64C}" type="slidenum">
               <a:rPr lang="en-US" smtClean="0"/>
               <a:pPr/>
-              <a:t>15</a:t>
+              <a:t>16</a:t>
             </a:fld>
             <a:endParaRPr lang="en-US"/>
           </a:p>
@@ -8057,7 +8457,7 @@
 </p:sld>
 </file>
 
-<file path=ppt/slides/slide16.xml><?xml version="1.0" encoding="utf-8"?>
+<file path=ppt/slides/slide17.xml><?xml version="1.0" encoding="utf-8"?>
 <p:sld xmlns:a="http://schemas.openxmlformats.org/drawingml/2006/main" xmlns:r="http://schemas.openxmlformats.org/officeDocument/2006/relationships" xmlns:p="http://schemas.openxmlformats.org/presentationml/2006/main">
   <p:cSld>
     <p:spTree>
@@ -8331,7 +8731,7 @@
             <a:fld id="{0CFEC368-1D7A-4F81-ABF6-AE0E36BAF64C}" type="slidenum">
               <a:rPr lang="en-US" smtClean="0"/>
               <a:pPr/>
-              <a:t>16</a:t>
+              <a:t>17</a:t>
             </a:fld>
             <a:endParaRPr lang="en-US"/>
           </a:p>
@@ -8359,7 +8759,7 @@
           <a:graphicData uri="http://schemas.openxmlformats.org/presentationml/2006/ole">
             <mc:AlternateContent xmlns:mc="http://schemas.openxmlformats.org/markup-compatibility/2006">
               <mc:Choice xmlns:v="urn:schemas-microsoft-com:vml" Requires="v">
-                <p:oleObj spid="_x0000_s3157" name="Equation" r:id="rId3" imgW="165100" imgH="431800" progId="Equation.3">
+                <p:oleObj spid="_x0000_s3163" name="Equation" r:id="rId3" imgW="165100" imgH="431800" progId="Equation.3">
                   <p:embed/>
                 </p:oleObj>
               </mc:Choice>
@@ -8758,7 +9158,7 @@
 </p:sld>
 </file>
 
-<file path=ppt/slides/slide17.xml><?xml version="1.0" encoding="utf-8"?>
+<file path=ppt/slides/slide18.xml><?xml version="1.0" encoding="utf-8"?>
 <p:sld xmlns:a="http://schemas.openxmlformats.org/drawingml/2006/main" xmlns:r="http://schemas.openxmlformats.org/officeDocument/2006/relationships" xmlns:p="http://schemas.openxmlformats.org/presentationml/2006/main">
   <p:cSld>
     <p:spTree>
@@ -8841,7 +9241,7 @@
             <a:fld id="{0CFEC368-1D7A-4F81-ABF6-AE0E36BAF64C}" type="slidenum">
               <a:rPr lang="en-US" smtClean="0"/>
               <a:pPr/>
-              <a:t>17</a:t>
+              <a:t>18</a:t>
             </a:fld>
             <a:endParaRPr lang="en-US" dirty="0"/>
           </a:p>
@@ -10501,11 +10901,11 @@
   <p:clrMapOvr>
     <a:masterClrMapping/>
   </p:clrMapOvr>
-  <mc:AlternateContent xmlns:mc="http://schemas.openxmlformats.org/markup-compatibility/2006">
-    <mc:Choice xmlns:p14="http://schemas.microsoft.com/office/powerpoint/2010/main" Requires="p14">
+  <mc:AlternateContent xmlns:mc="http://schemas.openxmlformats.org/markup-compatibility/2006" xmlns:p14="http://schemas.microsoft.com/office/powerpoint/2010/main">
+    <mc:Choice Requires="p14">
       <p:transition spd="slow" p14:dur="2000"/>
     </mc:Choice>
-    <mc:Fallback>
+    <mc:Fallback xmlns="">
       <p:transition xmlns:p14="http://schemas.microsoft.com/office/powerpoint/2010/main" spd="slow"/>
     </mc:Fallback>
   </mc:AlternateContent>
@@ -10577,81 +10977,99 @@
           <a:p>
             <a:r>
               <a:rPr lang="en-US" dirty="0"/>
-              <a:t>Let the programmer decompose computation into objects</a:t>
+              <a:t>Charm++ philosophy:</a:t>
             </a:r>
           </a:p>
           <a:p>
             <a:pPr lvl="1"/>
             <a:r>
               <a:rPr lang="en-US" dirty="0" smtClean="0"/>
-              <a:t>Work </a:t>
+              <a:t>Let </a:t>
             </a:r>
             <a:r>
               <a:rPr lang="en-US" dirty="0"/>
-              <a:t>units, data-units, composites</a:t>
-            </a:r>
-          </a:p>
-          <a:p>
+              <a:t>the </a:t>
+            </a:r>
+            <a:r>
+              <a:rPr lang="en-US" dirty="0" smtClean="0"/>
+              <a:t>programmer </a:t>
+            </a:r>
             <a:r>
               <a:rPr lang="en-US" dirty="0"/>
-              <a:t>Let an intelligent runtime system assign objects to processors</a:t>
+              <a:t>decompose their work and data into coarse-grained </a:t>
+            </a:r>
+            <a:r>
+              <a:rPr lang="en-US" dirty="0" smtClean="0"/>
+              <a:t>entities</a:t>
+            </a:r>
+          </a:p>
+          <a:p>
+            <a:pPr marL="274320" lvl="1" indent="0">
+              <a:buNone/>
+            </a:pPr>
+            <a:endParaRPr lang="en-US" dirty="0"/>
+          </a:p>
+          <a:p>
+            <a:r>
+              <a:rPr lang="en-US" dirty="0"/>
+              <a:t>It is important to understand what </a:t>
+            </a:r>
+            <a:r>
+              <a:rPr lang="en-US" dirty="0" smtClean="0"/>
+              <a:t>we </a:t>
+            </a:r>
+            <a:r>
+              <a:rPr lang="en-US" dirty="0"/>
+              <a:t>mean by coarse-grained entities</a:t>
             </a:r>
           </a:p>
           <a:p>
             <a:pPr lvl="1"/>
             <a:r>
+              <a:rPr lang="en-US" dirty="0"/>
+              <a:t>You don’t write sequential programs that some system will auto-decompose</a:t>
+            </a:r>
+          </a:p>
+          <a:p>
+            <a:pPr lvl="1"/>
+            <a:r>
+              <a:rPr lang="en-US" dirty="0"/>
+              <a:t>You don’t write programs when there is one object for each </a:t>
+            </a:r>
+            <a:r>
+              <a:rPr lang="en-US" i="1" dirty="0"/>
+              <a:t>float</a:t>
+            </a:r>
+          </a:p>
+          <a:p>
+            <a:pPr lvl="1"/>
+            <a:r>
+              <a:rPr lang="en-US" dirty="0"/>
+              <a:t>You consciously  choose a </a:t>
+            </a:r>
+            <a:r>
+              <a:rPr lang="en-US" dirty="0" err="1"/>
+              <a:t>grainsize</a:t>
+            </a:r>
+            <a:r>
+              <a:rPr lang="en-US" dirty="0"/>
+              <a:t>, BUT choose it independent of the number of </a:t>
+            </a:r>
+            <a:r>
               <a:rPr lang="en-US" dirty="0" smtClean="0"/>
-              <a:t>RTS </a:t>
+              <a:t>processors, </a:t>
             </a:r>
             <a:r>
               <a:rPr lang="en-US" dirty="0"/>
-              <a:t>can change this assignment (mapping) during execution</a:t>
-            </a:r>
-          </a:p>
-          <a:p>
-            <a:pPr lvl="1"/>
+              <a:t>o</a:t>
+            </a:r>
             <a:r>
               <a:rPr lang="en-US" dirty="0" smtClean="0"/>
-              <a:t>Locality </a:t>
+              <a:t>r </a:t>
             </a:r>
             <a:r>
               <a:rPr lang="en-US" dirty="0"/>
-              <a:t>of data references is a critical attribute for performance </a:t>
-            </a:r>
-            <a:endParaRPr lang="en-US" dirty="0" smtClean="0"/>
-          </a:p>
-          <a:p>
-            <a:pPr lvl="1"/>
-            <a:r>
-              <a:rPr lang="en-US" dirty="0" smtClean="0"/>
-              <a:t>A </a:t>
-            </a:r>
-            <a:r>
-              <a:rPr lang="en-US" dirty="0"/>
-              <a:t>parallel object can access only its own data</a:t>
-            </a:r>
-          </a:p>
-          <a:p>
-            <a:pPr lvl="1"/>
-            <a:r>
-              <a:rPr lang="en-US" dirty="0" smtClean="0"/>
-              <a:t>Asynchronous </a:t>
-            </a:r>
-            <a:r>
-              <a:rPr lang="en-US" dirty="0"/>
-              <a:t>method invocation for accessing other objects data </a:t>
-            </a:r>
-            <a:endParaRPr lang="en-US" dirty="0" smtClean="0"/>
-          </a:p>
-          <a:p>
-            <a:pPr lvl="1"/>
-            <a:r>
-              <a:rPr lang="en-US" dirty="0" smtClean="0"/>
-              <a:t>RTS </a:t>
-            </a:r>
-            <a:r>
-              <a:rPr lang="en-US" dirty="0"/>
-              <a:t>can schedule work whose dependencies have been satisfied</a:t>
+              <a:t>parameterize it, so you can tune later</a:t>
             </a:r>
           </a:p>
         </p:txBody>
@@ -11000,7 +11418,7 @@
           <a:graphicData uri="http://schemas.openxmlformats.org/presentationml/2006/ole">
             <mc:AlternateContent xmlns:mc="http://schemas.openxmlformats.org/markup-compatibility/2006">
               <mc:Choice xmlns:v="urn:schemas-microsoft-com:vml" Requires="v">
-                <p:oleObj spid="_x0000_s1187" name="Equation" r:id="rId3" imgW="292100" imgH="393700" progId="Equation.3">
+                <p:oleObj spid="_x0000_s1198" name="Equation" r:id="rId3" imgW="292100" imgH="393700" progId="Equation.3">
                   <p:embed/>
                 </p:oleObj>
               </mc:Choice>
@@ -11057,7 +11475,7 @@
           <a:graphicData uri="http://schemas.openxmlformats.org/presentationml/2006/ole">
             <mc:AlternateContent xmlns:mc="http://schemas.openxmlformats.org/markup-compatibility/2006">
               <mc:Choice xmlns:v="urn:schemas-microsoft-com:vml" Requires="v">
-                <p:oleObj spid="_x0000_s1188" name="Equation" r:id="rId5" imgW="355600" imgH="393700" progId="Equation.3">
+                <p:oleObj spid="_x0000_s1199" name="Equation" r:id="rId5" imgW="355600" imgH="393700" progId="Equation.3">
                   <p:embed/>
                 </p:oleObj>
               </mc:Choice>
@@ -11563,70 +11981,87 @@
           <a:lstStyle/>
           <a:p>
             <a:r>
-              <a:rPr lang="en-US" dirty="0" err="1" smtClean="0"/>
-              <a:t>Overdecomposition</a:t>
-            </a:r>
+              <a:rPr lang="en-US" dirty="0"/>
+              <a:t>Quick Example: Crack Propagation</a:t>
+            </a:r>
+            <a:endParaRPr lang="en-US" dirty="0"/>
+          </a:p>
+        </p:txBody>
+      </p:sp>
+      <p:sp>
+        <p:nvSpPr>
+          <p:cNvPr id="3" name="Content Placeholder 2"/>
+          <p:cNvSpPr>
+            <a:spLocks noGrp="1"/>
+          </p:cNvSpPr>
+          <p:nvPr>
+            <p:ph idx="1"/>
+          </p:nvPr>
+        </p:nvSpPr>
+        <p:spPr/>
+        <p:txBody>
+          <a:bodyPr>
+            <a:normAutofit fontScale="92500" lnSpcReduction="10000"/>
+          </a:bodyPr>
+          <a:lstStyle/>
+          <a:p>
+            <a:endParaRPr lang="en-US" dirty="0" smtClean="0"/>
+          </a:p>
+          <a:p>
+            <a:endParaRPr lang="en-US" dirty="0"/>
+          </a:p>
+          <a:p>
+            <a:endParaRPr lang="en-US" dirty="0" smtClean="0"/>
+          </a:p>
+          <a:p>
+            <a:endParaRPr lang="en-US" dirty="0"/>
+          </a:p>
+          <a:p>
+            <a:endParaRPr lang="en-US" dirty="0" smtClean="0"/>
+          </a:p>
+          <a:p>
+            <a:endParaRPr lang="en-US" dirty="0"/>
+          </a:p>
+          <a:p>
+            <a:endParaRPr lang="en-US" dirty="0" smtClean="0"/>
+          </a:p>
+          <a:p>
+            <a:endParaRPr lang="en-US" dirty="0" smtClean="0"/>
+          </a:p>
+          <a:p>
+            <a:endParaRPr lang="en-US" dirty="0"/>
+          </a:p>
+          <a:p>
+            <a:endParaRPr lang="en-US" dirty="0" smtClean="0"/>
+          </a:p>
+          <a:p>
+            <a:endParaRPr lang="en-US" dirty="0"/>
+          </a:p>
+          <a:p>
             <a:r>
               <a:rPr lang="en-US" dirty="0" smtClean="0"/>
-              <a:t> and </a:t>
-            </a:r>
-            <a:r>
-              <a:rPr lang="en-US" dirty="0" err="1" smtClean="0"/>
-              <a:t>Grainsize</a:t>
-            </a:r>
+              <a:t>Decomposition </a:t>
+            </a:r>
+            <a:r>
+              <a:rPr lang="en-US" dirty="0"/>
+              <a:t>into 16 chunks (left) and 128 chunks, 8 for each PE (right). The middle area contains cohesive elements. Both decompositions obtained using Metis. Pictures: S. </a:t>
+            </a:r>
+            <a:r>
+              <a:rPr lang="en-US" dirty="0" err="1"/>
+              <a:t>Breitenfeld</a:t>
+            </a:r>
+            <a:r>
+              <a:rPr lang="en-US" dirty="0"/>
+              <a:t>, and P. </a:t>
+            </a:r>
+            <a:r>
+              <a:rPr lang="en-US" dirty="0" err="1"/>
+              <a:t>Geubelle</a:t>
+            </a:r>
+            <a:endParaRPr lang="en-US" sz="2800" dirty="0"/>
+          </a:p>
+          <a:p>
             <a:endParaRPr lang="en-US" dirty="0"/>
-          </a:p>
-        </p:txBody>
-      </p:sp>
-      <p:sp>
-        <p:nvSpPr>
-          <p:cNvPr id="3" name="Content Placeholder 2"/>
-          <p:cNvSpPr>
-            <a:spLocks noGrp="1"/>
-          </p:cNvSpPr>
-          <p:nvPr>
-            <p:ph idx="1"/>
-          </p:nvPr>
-        </p:nvSpPr>
-        <p:spPr/>
-        <p:txBody>
-          <a:bodyPr/>
-          <a:lstStyle/>
-          <a:p>
-            <a:r>
-              <a:rPr lang="en-US" dirty="0"/>
-              <a:t>Common misconception: </a:t>
-            </a:r>
-            <a:r>
-              <a:rPr lang="en-US" dirty="0" err="1"/>
-              <a:t>overdecomposition</a:t>
-            </a:r>
-            <a:r>
-              <a:rPr lang="en-US" dirty="0"/>
-              <a:t> must be expensive</a:t>
-            </a:r>
-          </a:p>
-          <a:p>
-            <a:r>
-              <a:rPr lang="en-US" dirty="0"/>
-              <a:t>(working) Definition: the amount of computation per potentially parallel event (task creation, </a:t>
-            </a:r>
-            <a:r>
-              <a:rPr lang="en-US" dirty="0" err="1"/>
-              <a:t>enqueue</a:t>
-            </a:r>
-            <a:r>
-              <a:rPr lang="en-US" dirty="0"/>
-              <a:t>/</a:t>
-            </a:r>
-            <a:r>
-              <a:rPr lang="en-US" dirty="0" err="1"/>
-              <a:t>dequeue</a:t>
-            </a:r>
-            <a:r>
-              <a:rPr lang="en-US" dirty="0"/>
-              <a:t>, messaging, locking, etc.)</a:t>
-            </a:r>
           </a:p>
         </p:txBody>
       </p:sp>
@@ -11678,10 +12113,92 @@
           </a:p>
         </p:txBody>
       </p:sp>
+      <p:pic>
+        <p:nvPicPr>
+          <p:cNvPr id="8" name="Picture 3" descr="D:\presentations\16procs.gif"/>
+          <p:cNvPicPr>
+            <a:picLocks noChangeAspect="1" noChangeArrowheads="1"/>
+          </p:cNvPicPr>
+          <p:nvPr/>
+        </p:nvPicPr>
+        <p:blipFill>
+          <a:blip r:embed="rId2">
+            <a:extLst>
+              <a:ext uri="{28A0092B-C50C-407E-A947-70E740481C1C}">
+                <a14:useLocalDpi xmlns:a14="http://schemas.microsoft.com/office/drawing/2010/main" val="0"/>
+              </a:ext>
+            </a:extLst>
+          </a:blip>
+          <a:srcRect/>
+          <a:stretch>
+            <a:fillRect/>
+          </a:stretch>
+        </p:blipFill>
+        <p:spPr bwMode="auto">
+          <a:xfrm>
+            <a:off x="1263134" y="1042533"/>
+            <a:ext cx="3006170" cy="3595878"/>
+          </a:xfrm>
+          <a:prstGeom prst="rect">
+            <a:avLst/>
+          </a:prstGeom>
+          <a:noFill/>
+          <a:extLst>
+            <a:ext uri="{909E8E84-426E-40dd-AFC4-6F175D3DCCD1}">
+              <a14:hiddenFill xmlns:a14="http://schemas.microsoft.com/office/drawing/2010/main">
+                <a:solidFill>
+                  <a:srgbClr val="FFFFFF"/>
+                </a:solidFill>
+              </a14:hiddenFill>
+            </a:ext>
+          </a:extLst>
+        </p:spPr>
+      </p:pic>
+      <p:pic>
+        <p:nvPicPr>
+          <p:cNvPr id="10" name="Picture 4" descr="D:\presentations\128chunks.gif"/>
+          <p:cNvPicPr>
+            <a:picLocks noChangeAspect="1" noChangeArrowheads="1"/>
+          </p:cNvPicPr>
+          <p:nvPr/>
+        </p:nvPicPr>
+        <p:blipFill>
+          <a:blip r:embed="rId3">
+            <a:extLst>
+              <a:ext uri="{28A0092B-C50C-407E-A947-70E740481C1C}">
+                <a14:useLocalDpi xmlns:a14="http://schemas.microsoft.com/office/drawing/2010/main" val="0"/>
+              </a:ext>
+            </a:extLst>
+          </a:blip>
+          <a:srcRect/>
+          <a:stretch>
+            <a:fillRect/>
+          </a:stretch>
+        </p:blipFill>
+        <p:spPr bwMode="auto">
+          <a:xfrm>
+            <a:off x="4997101" y="1042533"/>
+            <a:ext cx="3004249" cy="3595878"/>
+          </a:xfrm>
+          <a:prstGeom prst="rect">
+            <a:avLst/>
+          </a:prstGeom>
+          <a:noFill/>
+          <a:extLst>
+            <a:ext uri="{909E8E84-426E-40dd-AFC4-6F175D3DCCD1}">
+              <a14:hiddenFill xmlns:a14="http://schemas.microsoft.com/office/drawing/2010/main">
+                <a:solidFill>
+                  <a:srgbClr val="FFFFFF"/>
+                </a:solidFill>
+              </a14:hiddenFill>
+            </a:ext>
+          </a:extLst>
+        </p:spPr>
+      </p:pic>
     </p:spTree>
     <p:extLst>
       <p:ext uri="{BB962C8B-B14F-4D97-AF65-F5344CB8AC3E}">
-        <p14:creationId xmlns:p14="http://schemas.microsoft.com/office/powerpoint/2010/main" val="3630663120"/>
+        <p14:creationId xmlns:p14="http://schemas.microsoft.com/office/powerpoint/2010/main" val="2175831162"/>
       </p:ext>
     </p:extLst>
   </p:cSld>
@@ -11691,9 +12208,87 @@
   <p:timing>
     <p:tnLst>
       <p:par>
-        <p:cTn xmlns:p14="http://schemas.microsoft.com/office/powerpoint/2010/main" id="1" dur="indefinite" restart="never" nodeType="tmRoot"/>
+        <p:cTn xmlns:p14="http://schemas.microsoft.com/office/powerpoint/2010/main" id="1" dur="indefinite" restart="never" nodeType="tmRoot">
+          <p:childTnLst>
+            <p:seq concurrent="1" nextAc="seek">
+              <p:cTn id="2" dur="indefinite" nodeType="mainSeq">
+                <p:childTnLst>
+                  <p:par>
+                    <p:cTn id="3" fill="hold">
+                      <p:stCondLst>
+                        <p:cond delay="indefinite"/>
+                        <p:cond evt="onBegin" delay="0">
+                          <p:tn val="2"/>
+                        </p:cond>
+                      </p:stCondLst>
+                      <p:childTnLst>
+                        <p:par>
+                          <p:cTn id="4" fill="hold">
+                            <p:stCondLst>
+                              <p:cond delay="0"/>
+                            </p:stCondLst>
+                            <p:childTnLst>
+                              <p:par>
+                                <p:cTn id="5" presetID="1" presetClass="entr" presetSubtype="0" fill="hold" grpId="0" nodeType="withEffect">
+                                  <p:stCondLst>
+                                    <p:cond delay="0"/>
+                                  </p:stCondLst>
+                                  <p:childTnLst>
+                                    <p:set>
+                                      <p:cBhvr>
+                                        <p:cTn id="6" dur="1" fill="hold">
+                                          <p:stCondLst>
+                                            <p:cond delay="0"/>
+                                          </p:stCondLst>
+                                        </p:cTn>
+                                        <p:tgtEl>
+                                          <p:spTgt spid="3">
+                                            <p:txEl>
+                                              <p:pRg st="11" end="11"/>
+                                            </p:txEl>
+                                          </p:spTgt>
+                                        </p:tgtEl>
+                                        <p:attrNameLst>
+                                          <p:attrName>style.visibility</p:attrName>
+                                        </p:attrNameLst>
+                                      </p:cBhvr>
+                                      <p:to>
+                                        <p:strVal val="visible"/>
+                                      </p:to>
+                                    </p:set>
+                                  </p:childTnLst>
+                                </p:cTn>
+                              </p:par>
+                            </p:childTnLst>
+                          </p:cTn>
+                        </p:par>
+                      </p:childTnLst>
+                    </p:cTn>
+                  </p:par>
+                </p:childTnLst>
+              </p:cTn>
+              <p:prevCondLst>
+                <p:cond evt="onPrev" delay="0">
+                  <p:tgtEl>
+                    <p:sldTgt/>
+                  </p:tgtEl>
+                </p:cond>
+              </p:prevCondLst>
+              <p:nextCondLst>
+                <p:cond evt="onNext" delay="0">
+                  <p:tgtEl>
+                    <p:sldTgt/>
+                  </p:tgtEl>
+                </p:cond>
+              </p:nextCondLst>
+            </p:seq>
+          </p:childTnLst>
+        </p:cTn>
       </p:par>
     </p:tnLst>
+    <p:bldLst>
+      <p:bldP spid="3" grpId="0" build="p"/>
+    </p:bldLst>
   </p:timing>
 </p:sld>
 </file>
@@ -11734,12 +12329,16 @@
           <a:p>
             <a:r>
               <a:rPr lang="en-US" dirty="0" err="1" smtClean="0"/>
+              <a:t>Overdecomposition</a:t>
+            </a:r>
+            <a:r>
+              <a:rPr lang="en-US" dirty="0" smtClean="0"/>
+              <a:t> and </a:t>
+            </a:r>
+            <a:r>
+              <a:rPr lang="en-US" dirty="0" err="1" smtClean="0"/>
               <a:t>Grainsize</a:t>
             </a:r>
-            <a:r>
-              <a:rPr lang="en-US" dirty="0" smtClean="0"/>
-              <a:t> and Overhead</a:t>
-            </a:r>
             <a:endParaRPr lang="en-US" dirty="0"/>
           </a:p>
         </p:txBody>
@@ -11756,28 +12355,43 @@
         </p:nvSpPr>
         <p:spPr/>
         <p:txBody>
-          <a:bodyPr anchor="t"/>
-          <a:lstStyle/>
-          <a:p>
-            <a:r>
-              <a:rPr lang="en-US" dirty="0" smtClean="0"/>
-              <a:t>What is the ideal </a:t>
-            </a:r>
-            <a:r>
-              <a:rPr lang="en-US" dirty="0" err="1" smtClean="0"/>
-              <a:t>grainsize</a:t>
-            </a:r>
-            <a:r>
-              <a:rPr lang="en-US" dirty="0" smtClean="0"/>
-              <a:t>?</a:t>
-            </a:r>
-          </a:p>
-          <a:p>
-            <a:r>
-              <a:rPr lang="en-US" dirty="0" smtClean="0"/>
-              <a:t>Should it depend on the number of processors?</a:t>
-            </a:r>
-            <a:endParaRPr lang="en-US" dirty="0"/>
+          <a:bodyPr/>
+          <a:lstStyle/>
+          <a:p>
+            <a:r>
+              <a:rPr lang="en-US" dirty="0"/>
+              <a:t>Common misconception: </a:t>
+            </a:r>
+            <a:r>
+              <a:rPr lang="en-US" dirty="0" err="1"/>
+              <a:t>overdecomposition</a:t>
+            </a:r>
+            <a:r>
+              <a:rPr lang="en-US" dirty="0"/>
+              <a:t> must be expensive</a:t>
+            </a:r>
+          </a:p>
+          <a:p>
+            <a:r>
+              <a:rPr lang="en-US" dirty="0"/>
+              <a:t>(working) Definition: the amount of computation per potentially parallel event (task creation, </a:t>
+            </a:r>
+            <a:r>
+              <a:rPr lang="en-US" dirty="0" err="1"/>
+              <a:t>enqueue</a:t>
+            </a:r>
+            <a:r>
+              <a:rPr lang="en-US" dirty="0"/>
+              <a:t>/</a:t>
+            </a:r>
+            <a:r>
+              <a:rPr lang="en-US" dirty="0" err="1"/>
+              <a:t>dequeue</a:t>
+            </a:r>
+            <a:r>
+              <a:rPr lang="en-US" dirty="0"/>
+              <a:t>, messaging, locking, etc.)</a:t>
+            </a:r>
           </a:p>
         </p:txBody>
       </p:sp>
@@ -11829,258 +12443,10 @@
           </a:p>
         </p:txBody>
       </p:sp>
-      <p:graphicFrame>
-        <p:nvGraphicFramePr>
-          <p:cNvPr id="7" name="Object 6"/>
-          <p:cNvGraphicFramePr>
-            <a:graphicFrameLocks noChangeAspect="1"/>
-          </p:cNvGraphicFramePr>
-          <p:nvPr>
-            <p:extLst>
-              <p:ext uri="{D42A27DB-BD31-4B8C-83A1-F6EECF244321}">
-                <p14:modId xmlns:p14="http://schemas.microsoft.com/office/powerpoint/2010/main" val="1062957634"/>
-              </p:ext>
-            </p:extLst>
-          </p:nvPr>
-        </p:nvGraphicFramePr>
-        <p:xfrm>
-          <a:off x="3794125" y="2152650"/>
-          <a:ext cx="1555750" cy="861646"/>
-        </p:xfrm>
-        <a:graphic>
-          <a:graphicData uri="http://schemas.openxmlformats.org/presentationml/2006/ole">
-            <mc:AlternateContent xmlns:mc="http://schemas.openxmlformats.org/markup-compatibility/2006">
-              <mc:Choice xmlns:v="urn:schemas-microsoft-com:vml" Requires="v">
-                <p:oleObj spid="_x0000_s2287" name="Equation" r:id="rId3" imgW="825500" imgH="457200" progId="Equation.3">
-                  <p:embed/>
-                </p:oleObj>
-              </mc:Choice>
-              <mc:Fallback>
-                <p:oleObj name="Equation" r:id="rId3" imgW="825500" imgH="457200" progId="Equation.3">
-                  <p:embed/>
-                  <p:pic>
-                    <p:nvPicPr>
-                      <p:cNvPr id="0" name=""/>
-                      <p:cNvPicPr/>
-                      <p:nvPr/>
-                    </p:nvPicPr>
-                    <p:blipFill>
-                      <a:blip r:embed="rId4"/>
-                      <a:stretch>
-                        <a:fillRect/>
-                      </a:stretch>
-                    </p:blipFill>
-                    <p:spPr>
-                      <a:xfrm>
-                        <a:off x="3794125" y="2152650"/>
-                        <a:ext cx="1555750" cy="861646"/>
-                      </a:xfrm>
-                      <a:prstGeom prst="rect">
-                        <a:avLst/>
-                      </a:prstGeom>
-                    </p:spPr>
-                  </p:pic>
-                </p:oleObj>
-              </mc:Fallback>
-            </mc:AlternateContent>
-          </a:graphicData>
-        </a:graphic>
-      </p:graphicFrame>
-      <p:graphicFrame>
-        <p:nvGraphicFramePr>
-          <p:cNvPr id="8" name="Object 7"/>
-          <p:cNvGraphicFramePr>
-            <a:graphicFrameLocks noChangeAspect="1"/>
-          </p:cNvGraphicFramePr>
-          <p:nvPr>
-            <p:extLst>
-              <p:ext uri="{D42A27DB-BD31-4B8C-83A1-F6EECF244321}">
-                <p14:modId xmlns:p14="http://schemas.microsoft.com/office/powerpoint/2010/main" val="539124184"/>
-              </p:ext>
-            </p:extLst>
-          </p:nvPr>
-        </p:nvGraphicFramePr>
-        <p:xfrm>
-          <a:off x="3746500" y="3014296"/>
-          <a:ext cx="1657350" cy="736600"/>
-        </p:xfrm>
-        <a:graphic>
-          <a:graphicData uri="http://schemas.openxmlformats.org/presentationml/2006/ole">
-            <mc:AlternateContent xmlns:mc="http://schemas.openxmlformats.org/markup-compatibility/2006">
-              <mc:Choice xmlns:v="urn:schemas-microsoft-com:vml" Requires="v">
-                <p:oleObj spid="_x0000_s2288" name="Equation" r:id="rId5" imgW="1028700" imgH="457200" progId="Equation.3">
-                  <p:embed/>
-                </p:oleObj>
-              </mc:Choice>
-              <mc:Fallback>
-                <p:oleObj name="Equation" r:id="rId5" imgW="1028700" imgH="457200" progId="Equation.3">
-                  <p:embed/>
-                  <p:pic>
-                    <p:nvPicPr>
-                      <p:cNvPr id="0" name=""/>
-                      <p:cNvPicPr/>
-                      <p:nvPr/>
-                    </p:nvPicPr>
-                    <p:blipFill>
-                      <a:blip r:embed="rId6"/>
-                      <a:stretch>
-                        <a:fillRect/>
-                      </a:stretch>
-                    </p:blipFill>
-                    <p:spPr>
-                      <a:xfrm>
-                        <a:off x="3746500" y="3014296"/>
-                        <a:ext cx="1657350" cy="736600"/>
-                      </a:xfrm>
-                      <a:prstGeom prst="rect">
-                        <a:avLst/>
-                      </a:prstGeom>
-                    </p:spPr>
-                  </p:pic>
-                </p:oleObj>
-              </mc:Fallback>
-            </mc:AlternateContent>
-          </a:graphicData>
-        </a:graphic>
-      </p:graphicFrame>
-      <p:graphicFrame>
-        <p:nvGraphicFramePr>
-          <p:cNvPr id="10" name="Object 9"/>
-          <p:cNvGraphicFramePr>
-            <a:graphicFrameLocks noChangeAspect="1"/>
-          </p:cNvGraphicFramePr>
-          <p:nvPr>
-            <p:extLst>
-              <p:ext uri="{D42A27DB-BD31-4B8C-83A1-F6EECF244321}">
-                <p14:modId xmlns:p14="http://schemas.microsoft.com/office/powerpoint/2010/main" val="114735345"/>
-              </p:ext>
-            </p:extLst>
-          </p:nvPr>
-        </p:nvGraphicFramePr>
-        <p:xfrm>
-          <a:off x="3429000" y="3592146"/>
-          <a:ext cx="2538589" cy="1631950"/>
-        </p:xfrm>
-        <a:graphic>
-          <a:graphicData uri="http://schemas.openxmlformats.org/presentationml/2006/ole">
-            <mc:AlternateContent xmlns:mc="http://schemas.openxmlformats.org/markup-compatibility/2006">
-              <mc:Choice xmlns:v="urn:schemas-microsoft-com:vml" Requires="v">
-                <p:oleObj spid="_x0000_s2289" name="Equation" r:id="rId7" imgW="1422400" imgH="914400" progId="Equation.3">
-                  <p:embed/>
-                </p:oleObj>
-              </mc:Choice>
-              <mc:Fallback>
-                <p:oleObj name="Equation" r:id="rId7" imgW="1422400" imgH="914400" progId="Equation.3">
-                  <p:embed/>
-                  <p:pic>
-                    <p:nvPicPr>
-                      <p:cNvPr id="0" name=""/>
-                      <p:cNvPicPr/>
-                      <p:nvPr/>
-                    </p:nvPicPr>
-                    <p:blipFill>
-                      <a:blip r:embed="rId8"/>
-                      <a:stretch>
-                        <a:fillRect/>
-                      </a:stretch>
-                    </p:blipFill>
-                    <p:spPr>
-                      <a:xfrm>
-                        <a:off x="3429000" y="3592146"/>
-                        <a:ext cx="2538589" cy="1631950"/>
-                      </a:xfrm>
-                      <a:prstGeom prst="rect">
-                        <a:avLst/>
-                      </a:prstGeom>
-                    </p:spPr>
-                  </p:pic>
-                </p:oleObj>
-              </mc:Fallback>
-            </mc:AlternateContent>
-          </a:graphicData>
-        </a:graphic>
-      </p:graphicFrame>
-      <p:sp>
-        <p:nvSpPr>
-          <p:cNvPr id="11" name="TextBox 10"/>
-          <p:cNvSpPr txBox="1"/>
-          <p:nvPr/>
-        </p:nvSpPr>
-        <p:spPr>
-          <a:xfrm>
-            <a:off x="1670050" y="5226647"/>
-            <a:ext cx="5873750" cy="1200328"/>
-          </a:xfrm>
-          <a:prstGeom prst="rect">
-            <a:avLst/>
-          </a:prstGeom>
-          <a:noFill/>
-        </p:spPr>
-        <p:txBody>
-          <a:bodyPr wrap="square" rtlCol="0">
-            <a:spAutoFit/>
-          </a:bodyPr>
-          <a:lstStyle/>
-          <a:p>
-            <a:pPr algn="ctr"/>
-            <a:r>
-              <a:rPr lang="en-US" sz="2400" i="1" dirty="0" smtClean="0"/>
-              <a:t>v</a:t>
-            </a:r>
-            <a:r>
-              <a:rPr lang="en-US" sz="2400" dirty="0" smtClean="0"/>
-              <a:t>: overhead per message,</a:t>
-            </a:r>
-          </a:p>
-          <a:p>
-            <a:pPr algn="ctr"/>
-            <a:r>
-              <a:rPr lang="en-US" sz="2400" i="1" dirty="0" err="1" smtClean="0"/>
-              <a:t>T</a:t>
-            </a:r>
-            <a:r>
-              <a:rPr lang="en-US" sz="2400" i="1" baseline="-25000" dirty="0" err="1" smtClean="0"/>
-              <a:t>p</a:t>
-            </a:r>
-            <a:r>
-              <a:rPr lang="en-US" sz="2400" dirty="0" smtClean="0"/>
-              <a:t>: </a:t>
-            </a:r>
-            <a:r>
-              <a:rPr lang="en-US" sz="2400" i="1" dirty="0" smtClean="0"/>
-              <a:t>p </a:t>
-            </a:r>
-            <a:r>
-              <a:rPr lang="en-US" sz="2400" dirty="0" smtClean="0"/>
-              <a:t>processor completion time</a:t>
-            </a:r>
-          </a:p>
-          <a:p>
-            <a:pPr algn="ctr"/>
-            <a:r>
-              <a:rPr lang="en-US" sz="2400" i="1" dirty="0" smtClean="0"/>
-              <a:t>g</a:t>
-            </a:r>
-            <a:r>
-              <a:rPr lang="en-US" sz="2400" dirty="0" smtClean="0"/>
-              <a:t>: </a:t>
-            </a:r>
-            <a:r>
-              <a:rPr lang="en-US" sz="2400" dirty="0" err="1" smtClean="0"/>
-              <a:t>grainsize</a:t>
-            </a:r>
-            <a:r>
-              <a:rPr lang="en-US" sz="2400" dirty="0" smtClean="0"/>
-              <a:t> (computation per message)</a:t>
-            </a:r>
-            <a:endParaRPr lang="en-US" sz="2400" dirty="0"/>
-          </a:p>
-        </p:txBody>
-      </p:sp>
     </p:spTree>
     <p:extLst>
       <p:ext uri="{BB962C8B-B14F-4D97-AF65-F5344CB8AC3E}">
-        <p14:creationId xmlns:p14="http://schemas.microsoft.com/office/powerpoint/2010/main" val="1265456452"/>
+        <p14:creationId xmlns:p14="http://schemas.microsoft.com/office/powerpoint/2010/main" val="3630663120"/>
       </p:ext>
     </p:extLst>
   </p:cSld>
